--- a/Healthcare-Scenario-Healthy-Living-and-Wellness-Clustering-Exercise.pptx
+++ b/Healthcare-Scenario-Healthy-Living-and-Wellness-Clustering-Exercise.pptx
@@ -1,6 +1,6 @@
 
 <file path=ppt/presentation.xml><?xml version="1.0" encoding="utf-8"?>
-<p:presentation xmlns:a="http://schemas.openxmlformats.org/drawingml/2006/main" xmlns:p="http://schemas.openxmlformats.org/presentationml/2006/main" xmlns:r="http://schemas.openxmlformats.org/officeDocument/2006/relationships" autoCompressPictures="0" saveSubsetFonts="1">
+<p:presentation xmlns:a="http://schemas.openxmlformats.org/drawingml/2006/main" xmlns:r="http://schemas.openxmlformats.org/officeDocument/2006/relationships" xmlns:p="http://schemas.openxmlformats.org/presentationml/2006/main" saveSubsetFonts="1" autoCompressPictures="0">
   <p:sldMasterIdLst>
     <p:sldMasterId id="2147483648" r:id="rId1"/>
   </p:sldMasterIdLst>
@@ -17,8 +17,8 @@
     <a:defPPr>
       <a:defRPr lang="en-US"/>
     </a:defPPr>
-    <a:lvl1pPr algn="l" defTabSz="457200" eaLnBrk="1" hangingPunct="1" latinLnBrk="0" marL="0" rtl="0">
-      <a:defRPr kern="1200" sz="1800">
+    <a:lvl1pPr marL="0" algn="l" defTabSz="457200" rtl="0" eaLnBrk="1" latinLnBrk="0" hangingPunct="1">
+      <a:defRPr sz="1800" kern="1200">
         <a:solidFill>
           <a:schemeClr val="tx1"/>
         </a:solidFill>
@@ -27,8 +27,8 @@
         <a:cs typeface="+mn-cs"/>
       </a:defRPr>
     </a:lvl1pPr>
-    <a:lvl2pPr algn="l" defTabSz="457200" eaLnBrk="1" hangingPunct="1" latinLnBrk="0" marL="457200" rtl="0">
-      <a:defRPr kern="1200" sz="1800">
+    <a:lvl2pPr marL="457200" algn="l" defTabSz="457200" rtl="0" eaLnBrk="1" latinLnBrk="0" hangingPunct="1">
+      <a:defRPr sz="1800" kern="1200">
         <a:solidFill>
           <a:schemeClr val="tx1"/>
         </a:solidFill>
@@ -37,8 +37,8 @@
         <a:cs typeface="+mn-cs"/>
       </a:defRPr>
     </a:lvl2pPr>
-    <a:lvl3pPr algn="l" defTabSz="457200" eaLnBrk="1" hangingPunct="1" latinLnBrk="0" marL="914400" rtl="0">
-      <a:defRPr kern="1200" sz="1800">
+    <a:lvl3pPr marL="914400" algn="l" defTabSz="457200" rtl="0" eaLnBrk="1" latinLnBrk="0" hangingPunct="1">
+      <a:defRPr sz="1800" kern="1200">
         <a:solidFill>
           <a:schemeClr val="tx1"/>
         </a:solidFill>
@@ -47,8 +47,8 @@
         <a:cs typeface="+mn-cs"/>
       </a:defRPr>
     </a:lvl3pPr>
-    <a:lvl4pPr algn="l" defTabSz="457200" eaLnBrk="1" hangingPunct="1" latinLnBrk="0" marL="1371600" rtl="0">
-      <a:defRPr kern="1200" sz="1800">
+    <a:lvl4pPr marL="1371600" algn="l" defTabSz="457200" rtl="0" eaLnBrk="1" latinLnBrk="0" hangingPunct="1">
+      <a:defRPr sz="1800" kern="1200">
         <a:solidFill>
           <a:schemeClr val="tx1"/>
         </a:solidFill>
@@ -57,8 +57,8 @@
         <a:cs typeface="+mn-cs"/>
       </a:defRPr>
     </a:lvl4pPr>
-    <a:lvl5pPr algn="l" defTabSz="457200" eaLnBrk="1" hangingPunct="1" latinLnBrk="0" marL="1828800" rtl="0">
-      <a:defRPr kern="1200" sz="1800">
+    <a:lvl5pPr marL="1828800" algn="l" defTabSz="457200" rtl="0" eaLnBrk="1" latinLnBrk="0" hangingPunct="1">
+      <a:defRPr sz="1800" kern="1200">
         <a:solidFill>
           <a:schemeClr val="tx1"/>
         </a:solidFill>
@@ -67,8 +67,8 @@
         <a:cs typeface="+mn-cs"/>
       </a:defRPr>
     </a:lvl5pPr>
-    <a:lvl6pPr algn="l" defTabSz="457200" eaLnBrk="1" hangingPunct="1" latinLnBrk="0" marL="2286000" rtl="0">
-      <a:defRPr kern="1200" sz="1800">
+    <a:lvl6pPr marL="2286000" algn="l" defTabSz="457200" rtl="0" eaLnBrk="1" latinLnBrk="0" hangingPunct="1">
+      <a:defRPr sz="1800" kern="1200">
         <a:solidFill>
           <a:schemeClr val="tx1"/>
         </a:solidFill>
@@ -77,8 +77,8 @@
         <a:cs typeface="+mn-cs"/>
       </a:defRPr>
     </a:lvl6pPr>
-    <a:lvl7pPr algn="l" defTabSz="457200" eaLnBrk="1" hangingPunct="1" latinLnBrk="0" marL="2743200" rtl="0">
-      <a:defRPr kern="1200" sz="1800">
+    <a:lvl7pPr marL="2743200" algn="l" defTabSz="457200" rtl="0" eaLnBrk="1" latinLnBrk="0" hangingPunct="1">
+      <a:defRPr sz="1800" kern="1200">
         <a:solidFill>
           <a:schemeClr val="tx1"/>
         </a:solidFill>
@@ -87,8 +87,8 @@
         <a:cs typeface="+mn-cs"/>
       </a:defRPr>
     </a:lvl7pPr>
-    <a:lvl8pPr algn="l" defTabSz="457200" eaLnBrk="1" hangingPunct="1" latinLnBrk="0" marL="3200400" rtl="0">
-      <a:defRPr kern="1200" sz="1800">
+    <a:lvl8pPr marL="3200400" algn="l" defTabSz="457200" rtl="0" eaLnBrk="1" latinLnBrk="0" hangingPunct="1">
+      <a:defRPr sz="1800" kern="1200">
         <a:solidFill>
           <a:schemeClr val="tx1"/>
         </a:solidFill>
@@ -97,8 +97,8 @@
         <a:cs typeface="+mn-cs"/>
       </a:defRPr>
     </a:lvl8pPr>
-    <a:lvl9pPr algn="l" defTabSz="457200" eaLnBrk="1" hangingPunct="1" latinLnBrk="0" marL="3657600" rtl="0">
-      <a:defRPr kern="1200" sz="1800">
+    <a:lvl9pPr marL="3657600" algn="l" defTabSz="457200" rtl="0" eaLnBrk="1" latinLnBrk="0" hangingPunct="1">
+      <a:defRPr sz="1800" kern="1200">
         <a:solidFill>
           <a:schemeClr val="tx1"/>
         </a:solidFill>
@@ -306,7 +306,7 @@
           <a:p>
             <a:fld id="{241EB5C9-1307-BA42-ABA2-0BC069CD8E7F}" type="datetimeFigureOut">
               <a:rPr lang="en-US" smtClean="0"/>
-              <a:t>1/2/22</a:t>
+              <a:t>9/16/2024</a:t>
             </a:fld>
             <a:endParaRPr lang="en-US"/>
           </a:p>
@@ -474,7 +474,7 @@
           <a:p>
             <a:fld id="{241EB5C9-1307-BA42-ABA2-0BC069CD8E7F}" type="datetimeFigureOut">
               <a:rPr lang="en-US" smtClean="0"/>
-              <a:t>1/2/22</a:t>
+              <a:t>9/16/2024</a:t>
             </a:fld>
             <a:endParaRPr lang="en-US"/>
           </a:p>
@@ -652,7 +652,7 @@
           <a:p>
             <a:fld id="{241EB5C9-1307-BA42-ABA2-0BC069CD8E7F}" type="datetimeFigureOut">
               <a:rPr lang="en-US" smtClean="0"/>
-              <a:t>1/2/22</a:t>
+              <a:t>9/16/2024</a:t>
             </a:fld>
             <a:endParaRPr lang="en-US"/>
           </a:p>
@@ -820,7 +820,7 @@
           <a:p>
             <a:fld id="{241EB5C9-1307-BA42-ABA2-0BC069CD8E7F}" type="datetimeFigureOut">
               <a:rPr lang="en-US" smtClean="0"/>
-              <a:t>1/2/22</a:t>
+              <a:t>9/16/2024</a:t>
             </a:fld>
             <a:endParaRPr lang="en-US"/>
           </a:p>
@@ -1065,7 +1065,7 @@
           <a:p>
             <a:fld id="{241EB5C9-1307-BA42-ABA2-0BC069CD8E7F}" type="datetimeFigureOut">
               <a:rPr lang="en-US" smtClean="0"/>
-              <a:t>1/2/22</a:t>
+              <a:t>9/16/2024</a:t>
             </a:fld>
             <a:endParaRPr lang="en-US"/>
           </a:p>
@@ -1350,7 +1350,7 @@
           <a:p>
             <a:fld id="{241EB5C9-1307-BA42-ABA2-0BC069CD8E7F}" type="datetimeFigureOut">
               <a:rPr lang="en-US" smtClean="0"/>
-              <a:t>1/2/22</a:t>
+              <a:t>9/16/2024</a:t>
             </a:fld>
             <a:endParaRPr lang="en-US"/>
           </a:p>
@@ -1769,7 +1769,7 @@
           <a:p>
             <a:fld id="{241EB5C9-1307-BA42-ABA2-0BC069CD8E7F}" type="datetimeFigureOut">
               <a:rPr lang="en-US" smtClean="0"/>
-              <a:t>1/2/22</a:t>
+              <a:t>9/16/2024</a:t>
             </a:fld>
             <a:endParaRPr lang="en-US"/>
           </a:p>
@@ -1886,7 +1886,7 @@
           <a:p>
             <a:fld id="{241EB5C9-1307-BA42-ABA2-0BC069CD8E7F}" type="datetimeFigureOut">
               <a:rPr lang="en-US" smtClean="0"/>
-              <a:t>1/2/22</a:t>
+              <a:t>9/16/2024</a:t>
             </a:fld>
             <a:endParaRPr lang="en-US"/>
           </a:p>
@@ -1981,7 +1981,7 @@
           <a:p>
             <a:fld id="{241EB5C9-1307-BA42-ABA2-0BC069CD8E7F}" type="datetimeFigureOut">
               <a:rPr lang="en-US" smtClean="0"/>
-              <a:t>1/2/22</a:t>
+              <a:t>9/16/2024</a:t>
             </a:fld>
             <a:endParaRPr lang="en-US"/>
           </a:p>
@@ -2256,7 +2256,7 @@
           <a:p>
             <a:fld id="{241EB5C9-1307-BA42-ABA2-0BC069CD8E7F}" type="datetimeFigureOut">
               <a:rPr lang="en-US" smtClean="0"/>
-              <a:t>1/2/22</a:t>
+              <a:t>9/16/2024</a:t>
             </a:fld>
             <a:endParaRPr lang="en-US"/>
           </a:p>
@@ -2508,7 +2508,7 @@
           <a:p>
             <a:fld id="{241EB5C9-1307-BA42-ABA2-0BC069CD8E7F}" type="datetimeFigureOut">
               <a:rPr lang="en-US" smtClean="0"/>
-              <a:t>1/2/22</a:t>
+              <a:t>9/16/2024</a:t>
             </a:fld>
             <a:endParaRPr lang="en-US"/>
           </a:p>
@@ -2570,7 +2570,7 @@
 </file>
 
 <file path=ppt/slideMasters/slideMaster1.xml><?xml version="1.0" encoding="utf-8"?>
-<p:sldMaster xmlns:a="http://schemas.openxmlformats.org/drawingml/2006/main" xmlns:p="http://schemas.openxmlformats.org/presentationml/2006/main" xmlns:r="http://schemas.openxmlformats.org/officeDocument/2006/relationships">
+<p:sldMaster xmlns:a="http://schemas.openxmlformats.org/drawingml/2006/main" xmlns:r="http://schemas.openxmlformats.org/officeDocument/2006/relationships" xmlns:p="http://schemas.openxmlformats.org/presentationml/2006/main">
   <p:cSld>
     <p:bg>
       <p:bgRef idx="1001">
@@ -2611,7 +2611,7 @@
           </a:prstGeom>
         </p:spPr>
         <p:txBody>
-          <a:bodyPr anchor="ctr" bIns="45720" lIns="91440" rIns="91440" rtlCol="0" tIns="45720" vert="horz">
+          <a:bodyPr vert="horz" lIns="91440" tIns="45720" rIns="91440" bIns="45720" rtlCol="0" anchor="ctr">
             <a:normAutofit/>
           </a:bodyPr>
           <a:lstStyle/>
@@ -2630,7 +2630,7 @@
             <a:spLocks noGrp="1"/>
           </p:cNvSpPr>
           <p:nvPr>
-            <p:ph idx="1" type="body"/>
+            <p:ph type="body" idx="1"/>
           </p:nvPr>
         </p:nvSpPr>
         <p:spPr>
@@ -2643,7 +2643,7 @@
           </a:prstGeom>
         </p:spPr>
         <p:txBody>
-          <a:bodyPr bIns="45720" lIns="91440" rIns="91440" rtlCol="0" tIns="45720" vert="horz">
+          <a:bodyPr vert="horz" lIns="91440" tIns="45720" rIns="91440" bIns="45720" rtlCol="0">
             <a:normAutofit/>
           </a:bodyPr>
           <a:lstStyle/>
@@ -2691,7 +2691,7 @@
             <a:spLocks noGrp="1"/>
           </p:cNvSpPr>
           <p:nvPr>
-            <p:ph idx="2" sz="half" type="dt"/>
+            <p:ph type="dt" sz="half" idx="2"/>
           </p:nvPr>
         </p:nvSpPr>
         <p:spPr>
@@ -2704,7 +2704,7 @@
           </a:prstGeom>
         </p:spPr>
         <p:txBody>
-          <a:bodyPr anchor="ctr" bIns="45720" lIns="91440" rIns="91440" rtlCol="0" tIns="45720" vert="horz"/>
+          <a:bodyPr vert="horz" lIns="91440" tIns="45720" rIns="91440" bIns="45720" rtlCol="0" anchor="ctr"/>
           <a:lstStyle>
             <a:lvl1pPr algn="l">
               <a:defRPr sz="900">
@@ -2719,7 +2719,7 @@
           <a:p>
             <a:fld id="{241EB5C9-1307-BA42-ABA2-0BC069CD8E7F}" type="datetimeFigureOut">
               <a:rPr lang="en-US" smtClean="0"/>
-              <a:t>1/2/22</a:t>
+              <a:t>9/16/2024</a:t>
             </a:fld>
             <a:endParaRPr lang="en-US"/>
           </a:p>
@@ -2732,7 +2732,7 @@
             <a:spLocks noGrp="1"/>
           </p:cNvSpPr>
           <p:nvPr>
-            <p:ph idx="3" sz="quarter" type="ftr"/>
+            <p:ph type="ftr" sz="quarter" idx="3"/>
           </p:nvPr>
         </p:nvSpPr>
         <p:spPr>
@@ -2745,7 +2745,7 @@
           </a:prstGeom>
         </p:spPr>
         <p:txBody>
-          <a:bodyPr anchor="ctr" bIns="45720" lIns="91440" rIns="91440" rtlCol="0" tIns="45720" vert="horz"/>
+          <a:bodyPr vert="horz" lIns="91440" tIns="45720" rIns="91440" bIns="45720" rtlCol="0" anchor="ctr"/>
           <a:lstStyle>
             <a:lvl1pPr algn="ctr">
               <a:defRPr sz="900">
@@ -2769,7 +2769,7 @@
             <a:spLocks noGrp="1"/>
           </p:cNvSpPr>
           <p:nvPr>
-            <p:ph idx="4" sz="quarter" type="sldNum"/>
+            <p:ph type="sldNum" sz="quarter" idx="4"/>
           </p:nvPr>
         </p:nvSpPr>
         <p:spPr>
@@ -2782,7 +2782,7 @@
           </a:prstGeom>
         </p:spPr>
         <p:txBody>
-          <a:bodyPr anchor="ctr" bIns="45720" lIns="91440" rIns="91440" rtlCol="0" tIns="45720" vert="horz"/>
+          <a:bodyPr vert="horz" lIns="91440" tIns="45720" rIns="91440" bIns="45720" rtlCol="0" anchor="ctr"/>
           <a:lstStyle>
             <a:lvl1pPr algn="r">
               <a:defRPr sz="900">
@@ -2810,7 +2810,7 @@
       </p:ext>
     </p:extLst>
   </p:cSld>
-  <p:clrMap accent1="accent1" accent2="accent2" accent3="accent3" accent4="accent4" accent5="accent5" accent6="accent6" bg1="lt1" bg2="lt2" folHlink="folHlink" hlink="hlink" tx1="dk1" tx2="dk2"/>
+  <p:clrMap bg1="lt1" tx1="dk1" bg2="lt2" tx2="dk2" accent1="accent1" accent2="accent2" accent3="accent3" accent4="accent4" accent5="accent5" accent6="accent6" hlink="hlink" folHlink="folHlink"/>
   <p:sldLayoutIdLst>
     <p:sldLayoutId id="2147483649" r:id="rId1"/>
     <p:sldLayoutId id="2147483650" r:id="rId2"/>
@@ -2826,12 +2826,12 @@
   </p:sldLayoutIdLst>
   <p:txStyles>
     <p:titleStyle>
-      <a:lvl1pPr algn="ctr" defTabSz="342900" eaLnBrk="1" hangingPunct="1" latinLnBrk="0" rtl="0">
+      <a:lvl1pPr algn="ctr" defTabSz="342900" rtl="0" eaLnBrk="1" latinLnBrk="0" hangingPunct="1">
         <a:spcBef>
           <a:spcPct val="0"/>
         </a:spcBef>
         <a:buNone/>
-        <a:defRPr kern="1200" sz="3300">
+        <a:defRPr sz="3300" kern="1200">
           <a:solidFill>
             <a:schemeClr val="tx1"/>
           </a:solidFill>
@@ -2842,13 +2842,13 @@
       </a:lvl1pPr>
     </p:titleStyle>
     <p:bodyStyle>
-      <a:lvl1pPr algn="l" defTabSz="342900" eaLnBrk="1" hangingPunct="1" indent="-342900" latinLnBrk="0" marL="342900" rtl="0">
+      <a:lvl1pPr marL="342900" indent="-342900" algn="l" defTabSz="342900" rtl="0" eaLnBrk="1" latinLnBrk="0" hangingPunct="1">
         <a:spcBef>
           <a:spcPct val="20000"/>
         </a:spcBef>
         <a:buFont typeface="Arial"/>
         <a:buChar char="•"/>
-        <a:defRPr kern="1200" sz="2400">
+        <a:defRPr sz="2400" kern="1200">
           <a:solidFill>
             <a:schemeClr val="tx1"/>
           </a:solidFill>
@@ -2857,13 +2857,13 @@
           <a:cs typeface="+mn-cs"/>
         </a:defRPr>
       </a:lvl1pPr>
-      <a:lvl2pPr algn="l" defTabSz="342900" eaLnBrk="1" hangingPunct="1" indent="-342900" latinLnBrk="0" marL="685800" rtl="0">
+      <a:lvl2pPr marL="685800" indent="-342900" algn="l" defTabSz="342900" rtl="0" eaLnBrk="1" latinLnBrk="0" hangingPunct="1">
         <a:spcBef>
           <a:spcPct val="20000"/>
         </a:spcBef>
         <a:buFont typeface="Arial"/>
         <a:buChar char="–"/>
-        <a:defRPr kern="1200" sz="2100">
+        <a:defRPr sz="2100" kern="1200">
           <a:solidFill>
             <a:schemeClr val="tx1"/>
           </a:solidFill>
@@ -2872,13 +2872,13 @@
           <a:cs typeface="+mn-cs"/>
         </a:defRPr>
       </a:lvl2pPr>
-      <a:lvl3pPr algn="l" defTabSz="342900" eaLnBrk="1" hangingPunct="1" indent="-342900" latinLnBrk="0" marL="1028700" rtl="0">
+      <a:lvl3pPr marL="1028700" indent="-342900" algn="l" defTabSz="342900" rtl="0" eaLnBrk="1" latinLnBrk="0" hangingPunct="1">
         <a:spcBef>
           <a:spcPct val="20000"/>
         </a:spcBef>
         <a:buFont typeface="Arial"/>
         <a:buChar char="•"/>
-        <a:defRPr kern="1200" sz="1800">
+        <a:defRPr sz="1800" kern="1200">
           <a:solidFill>
             <a:schemeClr val="tx1"/>
           </a:solidFill>
@@ -2887,13 +2887,13 @@
           <a:cs typeface="+mn-cs"/>
         </a:defRPr>
       </a:lvl3pPr>
-      <a:lvl4pPr algn="l" defTabSz="342900" eaLnBrk="1" hangingPunct="1" indent="-342900" latinLnBrk="0" marL="1371600" rtl="0">
+      <a:lvl4pPr marL="1371600" indent="-342900" algn="l" defTabSz="342900" rtl="0" eaLnBrk="1" latinLnBrk="0" hangingPunct="1">
         <a:spcBef>
           <a:spcPct val="20000"/>
         </a:spcBef>
         <a:buFont typeface="Arial"/>
         <a:buChar char="–"/>
-        <a:defRPr kern="1200" sz="1500">
+        <a:defRPr sz="1500" kern="1200">
           <a:solidFill>
             <a:schemeClr val="tx1"/>
           </a:solidFill>
@@ -2902,13 +2902,13 @@
           <a:cs typeface="+mn-cs"/>
         </a:defRPr>
       </a:lvl4pPr>
-      <a:lvl5pPr algn="l" defTabSz="342900" eaLnBrk="1" hangingPunct="1" indent="-342900" latinLnBrk="0" marL="1714500" rtl="0">
+      <a:lvl5pPr marL="1714500" indent="-342900" algn="l" defTabSz="342900" rtl="0" eaLnBrk="1" latinLnBrk="0" hangingPunct="1">
         <a:spcBef>
           <a:spcPct val="20000"/>
         </a:spcBef>
         <a:buFont typeface="Arial"/>
         <a:buChar char="»"/>
-        <a:defRPr kern="1200" sz="1500">
+        <a:defRPr sz="1500" kern="1200">
           <a:solidFill>
             <a:schemeClr val="tx1"/>
           </a:solidFill>
@@ -2917,13 +2917,13 @@
           <a:cs typeface="+mn-cs"/>
         </a:defRPr>
       </a:lvl5pPr>
-      <a:lvl6pPr algn="l" defTabSz="342900" eaLnBrk="1" hangingPunct="1" indent="-342900" latinLnBrk="0" marL="2057400" rtl="0">
+      <a:lvl6pPr marL="2057400" indent="-342900" algn="l" defTabSz="342900" rtl="0" eaLnBrk="1" latinLnBrk="0" hangingPunct="1">
         <a:spcBef>
           <a:spcPct val="20000"/>
         </a:spcBef>
         <a:buFont typeface="Arial"/>
         <a:buChar char="•"/>
-        <a:defRPr kern="1200" sz="1500">
+        <a:defRPr sz="1500" kern="1200">
           <a:solidFill>
             <a:schemeClr val="tx1"/>
           </a:solidFill>
@@ -2932,13 +2932,13 @@
           <a:cs typeface="+mn-cs"/>
         </a:defRPr>
       </a:lvl6pPr>
-      <a:lvl7pPr algn="l" defTabSz="342900" eaLnBrk="1" hangingPunct="1" indent="-342900" latinLnBrk="0" marL="2400300" rtl="0">
+      <a:lvl7pPr marL="2400300" indent="-342900" algn="l" defTabSz="342900" rtl="0" eaLnBrk="1" latinLnBrk="0" hangingPunct="1">
         <a:spcBef>
           <a:spcPct val="20000"/>
         </a:spcBef>
         <a:buFont typeface="Arial"/>
         <a:buChar char="•"/>
-        <a:defRPr kern="1200" sz="1500">
+        <a:defRPr sz="1500" kern="1200">
           <a:solidFill>
             <a:schemeClr val="tx1"/>
           </a:solidFill>
@@ -2947,13 +2947,13 @@
           <a:cs typeface="+mn-cs"/>
         </a:defRPr>
       </a:lvl7pPr>
-      <a:lvl8pPr algn="l" defTabSz="342900" eaLnBrk="1" hangingPunct="1" indent="-342900" latinLnBrk="0" marL="2743200" rtl="0">
+      <a:lvl8pPr marL="2743200" indent="-342900" algn="l" defTabSz="342900" rtl="0" eaLnBrk="1" latinLnBrk="0" hangingPunct="1">
         <a:spcBef>
           <a:spcPct val="20000"/>
         </a:spcBef>
         <a:buFont typeface="Arial"/>
         <a:buChar char="•"/>
-        <a:defRPr kern="1200" sz="1500">
+        <a:defRPr sz="1500" kern="1200">
           <a:solidFill>
             <a:schemeClr val="tx1"/>
           </a:solidFill>
@@ -2962,13 +2962,13 @@
           <a:cs typeface="+mn-cs"/>
         </a:defRPr>
       </a:lvl8pPr>
-      <a:lvl9pPr algn="l" defTabSz="342900" eaLnBrk="1" hangingPunct="1" indent="-342900" latinLnBrk="0" marL="3086100" rtl="0">
+      <a:lvl9pPr marL="3086100" indent="-342900" algn="l" defTabSz="342900" rtl="0" eaLnBrk="1" latinLnBrk="0" hangingPunct="1">
         <a:spcBef>
           <a:spcPct val="20000"/>
         </a:spcBef>
         <a:buFont typeface="Arial"/>
         <a:buChar char="•"/>
-        <a:defRPr kern="1200" sz="1500">
+        <a:defRPr sz="1500" kern="1200">
           <a:solidFill>
             <a:schemeClr val="tx1"/>
           </a:solidFill>
@@ -2982,8 +2982,8 @@
       <a:defPPr>
         <a:defRPr lang="en-US"/>
       </a:defPPr>
-      <a:lvl1pPr algn="l" defTabSz="342900" eaLnBrk="1" hangingPunct="1" latinLnBrk="0" marL="0" rtl="0">
-        <a:defRPr kern="1200" sz="1350">
+      <a:lvl1pPr marL="0" algn="l" defTabSz="342900" rtl="0" eaLnBrk="1" latinLnBrk="0" hangingPunct="1">
+        <a:defRPr sz="1350" kern="1200">
           <a:solidFill>
             <a:schemeClr val="tx1"/>
           </a:solidFill>
@@ -2992,8 +2992,8 @@
           <a:cs typeface="+mn-cs"/>
         </a:defRPr>
       </a:lvl1pPr>
-      <a:lvl2pPr algn="l" defTabSz="342900" eaLnBrk="1" hangingPunct="1" latinLnBrk="0" marL="342900" rtl="0">
-        <a:defRPr kern="1200" sz="1350">
+      <a:lvl2pPr marL="342900" algn="l" defTabSz="342900" rtl="0" eaLnBrk="1" latinLnBrk="0" hangingPunct="1">
+        <a:defRPr sz="1350" kern="1200">
           <a:solidFill>
             <a:schemeClr val="tx1"/>
           </a:solidFill>
@@ -3002,8 +3002,8 @@
           <a:cs typeface="+mn-cs"/>
         </a:defRPr>
       </a:lvl2pPr>
-      <a:lvl3pPr algn="l" defTabSz="342900" eaLnBrk="1" hangingPunct="1" latinLnBrk="0" marL="685800" rtl="0">
-        <a:defRPr kern="1200" sz="1350">
+      <a:lvl3pPr marL="685800" algn="l" defTabSz="342900" rtl="0" eaLnBrk="1" latinLnBrk="0" hangingPunct="1">
+        <a:defRPr sz="1350" kern="1200">
           <a:solidFill>
             <a:schemeClr val="tx1"/>
           </a:solidFill>
@@ -3012,8 +3012,8 @@
           <a:cs typeface="+mn-cs"/>
         </a:defRPr>
       </a:lvl3pPr>
-      <a:lvl4pPr algn="l" defTabSz="342900" eaLnBrk="1" hangingPunct="1" latinLnBrk="0" marL="1028700" rtl="0">
-        <a:defRPr kern="1200" sz="1350">
+      <a:lvl4pPr marL="1028700" algn="l" defTabSz="342900" rtl="0" eaLnBrk="1" latinLnBrk="0" hangingPunct="1">
+        <a:defRPr sz="1350" kern="1200">
           <a:solidFill>
             <a:schemeClr val="tx1"/>
           </a:solidFill>
@@ -3022,8 +3022,8 @@
           <a:cs typeface="+mn-cs"/>
         </a:defRPr>
       </a:lvl4pPr>
-      <a:lvl5pPr algn="l" defTabSz="342900" eaLnBrk="1" hangingPunct="1" latinLnBrk="0" marL="1371600" rtl="0">
-        <a:defRPr kern="1200" sz="1350">
+      <a:lvl5pPr marL="1371600" algn="l" defTabSz="342900" rtl="0" eaLnBrk="1" latinLnBrk="0" hangingPunct="1">
+        <a:defRPr sz="1350" kern="1200">
           <a:solidFill>
             <a:schemeClr val="tx1"/>
           </a:solidFill>
@@ -3032,8 +3032,8 @@
           <a:cs typeface="+mn-cs"/>
         </a:defRPr>
       </a:lvl5pPr>
-      <a:lvl6pPr algn="l" defTabSz="342900" eaLnBrk="1" hangingPunct="1" latinLnBrk="0" marL="1714500" rtl="0">
-        <a:defRPr kern="1200" sz="1350">
+      <a:lvl6pPr marL="1714500" algn="l" defTabSz="342900" rtl="0" eaLnBrk="1" latinLnBrk="0" hangingPunct="1">
+        <a:defRPr sz="1350" kern="1200">
           <a:solidFill>
             <a:schemeClr val="tx1"/>
           </a:solidFill>
@@ -3042,8 +3042,8 @@
           <a:cs typeface="+mn-cs"/>
         </a:defRPr>
       </a:lvl6pPr>
-      <a:lvl7pPr algn="l" defTabSz="342900" eaLnBrk="1" hangingPunct="1" latinLnBrk="0" marL="2057400" rtl="0">
-        <a:defRPr kern="1200" sz="1350">
+      <a:lvl7pPr marL="2057400" algn="l" defTabSz="342900" rtl="0" eaLnBrk="1" latinLnBrk="0" hangingPunct="1">
+        <a:defRPr sz="1350" kern="1200">
           <a:solidFill>
             <a:schemeClr val="tx1"/>
           </a:solidFill>
@@ -3052,8 +3052,8 @@
           <a:cs typeface="+mn-cs"/>
         </a:defRPr>
       </a:lvl7pPr>
-      <a:lvl8pPr algn="l" defTabSz="342900" eaLnBrk="1" hangingPunct="1" latinLnBrk="0" marL="2400300" rtl="0">
-        <a:defRPr kern="1200" sz="1350">
+      <a:lvl8pPr marL="2400300" algn="l" defTabSz="342900" rtl="0" eaLnBrk="1" latinLnBrk="0" hangingPunct="1">
+        <a:defRPr sz="1350" kern="1200">
           <a:solidFill>
             <a:schemeClr val="tx1"/>
           </a:solidFill>
@@ -3062,8 +3062,8 @@
           <a:cs typeface="+mn-cs"/>
         </a:defRPr>
       </a:lvl8pPr>
-      <a:lvl9pPr algn="l" defTabSz="342900" eaLnBrk="1" hangingPunct="1" latinLnBrk="0" marL="2743200" rtl="0">
-        <a:defRPr kern="1200" sz="1350">
+      <a:lvl9pPr marL="2743200" algn="l" defTabSz="342900" rtl="0" eaLnBrk="1" latinLnBrk="0" hangingPunct="1">
+        <a:defRPr sz="1350" kern="1200">
           <a:solidFill>
             <a:schemeClr val="tx1"/>
           </a:solidFill>
@@ -3080,6 +3080,14 @@
 <file path=ppt/slides/slide1.xml><?xml version="1.0" encoding="utf-8"?>
 <p:sld xmlns:a="http://schemas.openxmlformats.org/drawingml/2006/main" xmlns:r="http://schemas.openxmlformats.org/officeDocument/2006/relationships" xmlns:p="http://schemas.openxmlformats.org/presentationml/2006/main">
   <p:cSld>
+    <p:bg>
+      <p:bgPr>
+        <a:solidFill>
+          <a:schemeClr val="bg1"/>
+        </a:solidFill>
+        <a:effectLst/>
+      </p:bgPr>
+    </p:bg>
     <p:spTree>
       <p:nvGrpSpPr>
         <p:cNvPr id="1" name=""/>
@@ -3096,29 +3104,114 @@
       </p:grpSpPr>
       <p:sp>
         <p:nvSpPr>
-          <p:cNvPr id="2" name="Title 1"/>
-          <p:cNvSpPr>
-            <a:spLocks noGrp="1"/>
-          </p:cNvSpPr>
-          <p:nvPr>
-            <p:ph type="ctrTitle"/>
+          <p:cNvPr id="8" name="Rectangle 7">
+            <a:extLst>
+              <a:ext uri="{FF2B5EF4-FFF2-40B4-BE49-F238E27FC236}">
+                <a16:creationId xmlns:a16="http://schemas.microsoft.com/office/drawing/2014/main" id="{1A3C89F8-0D2F-47FF-B903-151248265F47}"/>
+              </a:ext>
+              <a:ext uri="{C183D7F6-B498-43B3-948B-1728B52AA6E4}">
+                <adec:decorative xmlns:adec="http://schemas.microsoft.com/office/drawing/2017/decorative" val="1"/>
+              </a:ext>
+            </a:extLst>
+          </p:cNvPr>
+          <p:cNvSpPr>
+            <a:spLocks noGrp="1" noRot="1" noChangeAspect="1" noMove="1" noResize="1" noEditPoints="1" noAdjustHandles="1" noChangeArrowheads="1" noChangeShapeType="1" noTextEdit="1"/>
+          </p:cNvSpPr>
+          <p:nvPr>
+            <p:extLst>
+              <p:ext uri="{386F3935-93C4-4BCD-93E2-E3B085C9AB24}">
+                <p16:designElem xmlns:p16="http://schemas.microsoft.com/office/powerpoint/2015/main" val="1"/>
+              </p:ext>
+            </p:extLst>
           </p:nvPr>
         </p:nvSpPr>
         <p:spPr>
           <a:xfrm>
-            <a:off x="685800" y="1597819"/>
-            <a:ext cx="7772400" cy="1102519"/>
+            <a:off x="0" y="0"/>
+            <a:ext cx="9144000" cy="5143500"/>
+          </a:xfrm>
+          <a:prstGeom prst="rect">
+            <a:avLst/>
+          </a:prstGeom>
+          <a:gradFill flip="none" rotWithShape="1">
+            <a:gsLst>
+              <a:gs pos="0">
+                <a:schemeClr val="accent1"/>
+              </a:gs>
+              <a:gs pos="100000">
+                <a:schemeClr val="accent2"/>
+              </a:gs>
+            </a:gsLst>
+            <a:lin ang="8100000" scaled="0"/>
+            <a:tileRect/>
+          </a:gradFill>
+          <a:ln>
+            <a:noFill/>
+          </a:ln>
+        </p:spPr>
+        <p:style>
+          <a:lnRef idx="2">
+            <a:schemeClr val="accent1">
+              <a:shade val="50000"/>
+            </a:schemeClr>
+          </a:lnRef>
+          <a:fillRef idx="1">
+            <a:schemeClr val="accent1"/>
+          </a:fillRef>
+          <a:effectRef idx="0">
+            <a:schemeClr val="accent1"/>
+          </a:effectRef>
+          <a:fontRef idx="minor">
+            <a:schemeClr val="lt1"/>
+          </a:fontRef>
+        </p:style>
+        <p:txBody>
+          <a:bodyPr rtlCol="0" anchor="ctr"/>
+          <a:lstStyle/>
+          <a:p>
+            <a:pPr algn="ctr"/>
+            <a:endParaRPr lang="en-US">
+              <a:solidFill>
+                <a:srgbClr val="FFFFFF"/>
+              </a:solidFill>
+            </a:endParaRPr>
+          </a:p>
+        </p:txBody>
+      </p:sp>
+      <p:sp>
+        <p:nvSpPr>
+          <p:cNvPr id="2" name="Title 1"/>
+          <p:cNvSpPr>
+            <a:spLocks noGrp="1"/>
+          </p:cNvSpPr>
+          <p:nvPr>
+            <p:ph type="ctrTitle"/>
+          </p:nvPr>
+        </p:nvSpPr>
+        <p:spPr>
+          <a:xfrm>
+            <a:off x="2910322" y="437508"/>
+            <a:ext cx="5370268" cy="3123615"/>
           </a:xfrm>
         </p:spPr>
         <p:txBody>
-          <a:bodyPr/>
+          <a:bodyPr anchor="t">
+            <a:normAutofit/>
+          </a:bodyPr>
           <a:lstStyle/>
           <a:p>
-            <a:pPr lvl="0" indent="0" marL="0">
+            <a:pPr marL="0" lvl="0" indent="0" algn="r">
+              <a:lnSpc>
+                <a:spcPct val="90000"/>
+              </a:lnSpc>
               <a:buNone/>
             </a:pPr>
             <a:r>
-              <a:rPr/>
+              <a:rPr lang="en-US" sz="5100">
+                <a:solidFill>
+                  <a:srgbClr val="FFFFFF"/>
+                </a:solidFill>
+              </a:rPr>
               <a:t>Healthcare Scenario: Healthy Living and Wellness Clustering Exercise</a:t>
             </a:r>
           </a:p>
@@ -3131,35 +3224,1230 @@
             <a:spLocks noGrp="1"/>
           </p:cNvSpPr>
           <p:nvPr>
-            <p:ph idx="1" type="subTitle"/>
+            <p:ph type="subTitle" idx="1"/>
           </p:nvPr>
         </p:nvSpPr>
         <p:spPr>
           <a:xfrm>
-            <a:off x="1371600" y="2914650"/>
-            <a:ext cx="6400800" cy="1314450"/>
+            <a:off x="906171" y="4479130"/>
+            <a:ext cx="6434024" cy="378619"/>
           </a:xfrm>
         </p:spPr>
         <p:txBody>
-          <a:bodyPr/>
+          <a:bodyPr>
+            <a:normAutofit/>
+          </a:bodyPr>
           <a:lstStyle/>
           <a:p>
-            <a:pPr lvl="0" indent="0" marL="0">
+            <a:pPr marL="0" lvl="0" indent="0" algn="l">
+              <a:lnSpc>
+                <a:spcPct val="90000"/>
+              </a:lnSpc>
               <a:buNone/>
             </a:pPr>
-            <a:br/>
-            <a:br/>
+            <a:br>
+              <a:rPr lang="en-US" sz="600">
+                <a:solidFill>
+                  <a:srgbClr val="FFFFFF"/>
+                </a:solidFill>
+              </a:rPr>
+            </a:br>
+            <a:br>
+              <a:rPr lang="en-US" sz="600">
+                <a:solidFill>
+                  <a:srgbClr val="FFFFFF"/>
+                </a:solidFill>
+              </a:rPr>
+            </a:br>
+            <a:endParaRPr lang="en-US" sz="600">
+              <a:solidFill>
+                <a:srgbClr val="FFFFFF"/>
+              </a:solidFill>
+            </a:endParaRPr>
+          </a:p>
+        </p:txBody>
+      </p:sp>
+      <p:sp>
+        <p:nvSpPr>
+          <p:cNvPr id="10" name="Graphic 13">
+            <a:extLst>
+              <a:ext uri="{FF2B5EF4-FFF2-40B4-BE49-F238E27FC236}">
+                <a16:creationId xmlns:a16="http://schemas.microsoft.com/office/drawing/2014/main" id="{C5CB530E-515E-412C-9DF1-5F8FFBD6F383}"/>
+              </a:ext>
+              <a:ext uri="{C183D7F6-B498-43B3-948B-1728B52AA6E4}">
+                <adec:decorative xmlns:adec="http://schemas.microsoft.com/office/drawing/2017/decorative" val="1"/>
+              </a:ext>
+            </a:extLst>
+          </p:cNvPr>
+          <p:cNvSpPr>
+            <a:spLocks noGrp="1" noRot="1" noChangeAspect="1" noMove="1" noResize="1" noEditPoints="1" noAdjustHandles="1" noChangeArrowheads="1" noChangeShapeType="1" noTextEdit="1"/>
+          </p:cNvSpPr>
+          <p:nvPr>
+            <p:extLst>
+              <p:ext uri="{386F3935-93C4-4BCD-93E2-E3B085C9AB24}">
+                <p16:designElem xmlns:p16="http://schemas.microsoft.com/office/powerpoint/2015/main" val="1"/>
+              </p:ext>
+            </p:extLst>
+          </p:nvPr>
+        </p:nvSpPr>
+        <p:spPr>
+          <a:xfrm>
+            <a:off x="2605769" y="437508"/>
+            <a:ext cx="104279" cy="104280"/>
+          </a:xfrm>
+          <a:custGeom>
+            <a:avLst/>
+            <a:gdLst>
+              <a:gd name="connsiteX0" fmla="*/ 129602 w 139039"/>
+              <a:gd name="connsiteY0" fmla="*/ 60082 h 139039"/>
+              <a:gd name="connsiteX1" fmla="*/ 78957 w 139039"/>
+              <a:gd name="connsiteY1" fmla="*/ 60082 h 139039"/>
+              <a:gd name="connsiteX2" fmla="*/ 78957 w 139039"/>
+              <a:gd name="connsiteY2" fmla="*/ 9437 h 139039"/>
+              <a:gd name="connsiteX3" fmla="*/ 69520 w 139039"/>
+              <a:gd name="connsiteY3" fmla="*/ 0 h 139039"/>
+              <a:gd name="connsiteX4" fmla="*/ 60082 w 139039"/>
+              <a:gd name="connsiteY4" fmla="*/ 9437 h 139039"/>
+              <a:gd name="connsiteX5" fmla="*/ 60082 w 139039"/>
+              <a:gd name="connsiteY5" fmla="*/ 60082 h 139039"/>
+              <a:gd name="connsiteX6" fmla="*/ 9437 w 139039"/>
+              <a:gd name="connsiteY6" fmla="*/ 60082 h 139039"/>
+              <a:gd name="connsiteX7" fmla="*/ 0 w 139039"/>
+              <a:gd name="connsiteY7" fmla="*/ 69520 h 139039"/>
+              <a:gd name="connsiteX8" fmla="*/ 9437 w 139039"/>
+              <a:gd name="connsiteY8" fmla="*/ 78957 h 139039"/>
+              <a:gd name="connsiteX9" fmla="*/ 60082 w 139039"/>
+              <a:gd name="connsiteY9" fmla="*/ 78957 h 139039"/>
+              <a:gd name="connsiteX10" fmla="*/ 60082 w 139039"/>
+              <a:gd name="connsiteY10" fmla="*/ 129602 h 139039"/>
+              <a:gd name="connsiteX11" fmla="*/ 69520 w 139039"/>
+              <a:gd name="connsiteY11" fmla="*/ 139039 h 139039"/>
+              <a:gd name="connsiteX12" fmla="*/ 78957 w 139039"/>
+              <a:gd name="connsiteY12" fmla="*/ 129602 h 139039"/>
+              <a:gd name="connsiteX13" fmla="*/ 78957 w 139039"/>
+              <a:gd name="connsiteY13" fmla="*/ 78957 h 139039"/>
+              <a:gd name="connsiteX14" fmla="*/ 129602 w 139039"/>
+              <a:gd name="connsiteY14" fmla="*/ 78957 h 139039"/>
+              <a:gd name="connsiteX15" fmla="*/ 139039 w 139039"/>
+              <a:gd name="connsiteY15" fmla="*/ 69520 h 139039"/>
+              <a:gd name="connsiteX16" fmla="*/ 129602 w 139039"/>
+              <a:gd name="connsiteY16" fmla="*/ 60082 h 139039"/>
+            </a:gdLst>
+            <a:ahLst/>
+            <a:cxnLst>
+              <a:cxn ang="0">
+                <a:pos x="connsiteX0" y="connsiteY0"/>
+              </a:cxn>
+              <a:cxn ang="0">
+                <a:pos x="connsiteX1" y="connsiteY1"/>
+              </a:cxn>
+              <a:cxn ang="0">
+                <a:pos x="connsiteX2" y="connsiteY2"/>
+              </a:cxn>
+              <a:cxn ang="0">
+                <a:pos x="connsiteX3" y="connsiteY3"/>
+              </a:cxn>
+              <a:cxn ang="0">
+                <a:pos x="connsiteX4" y="connsiteY4"/>
+              </a:cxn>
+              <a:cxn ang="0">
+                <a:pos x="connsiteX5" y="connsiteY5"/>
+              </a:cxn>
+              <a:cxn ang="0">
+                <a:pos x="connsiteX6" y="connsiteY6"/>
+              </a:cxn>
+              <a:cxn ang="0">
+                <a:pos x="connsiteX7" y="connsiteY7"/>
+              </a:cxn>
+              <a:cxn ang="0">
+                <a:pos x="connsiteX8" y="connsiteY8"/>
+              </a:cxn>
+              <a:cxn ang="0">
+                <a:pos x="connsiteX9" y="connsiteY9"/>
+              </a:cxn>
+              <a:cxn ang="0">
+                <a:pos x="connsiteX10" y="connsiteY10"/>
+              </a:cxn>
+              <a:cxn ang="0">
+                <a:pos x="connsiteX11" y="connsiteY11"/>
+              </a:cxn>
+              <a:cxn ang="0">
+                <a:pos x="connsiteX12" y="connsiteY12"/>
+              </a:cxn>
+              <a:cxn ang="0">
+                <a:pos x="connsiteX13" y="connsiteY13"/>
+              </a:cxn>
+              <a:cxn ang="0">
+                <a:pos x="connsiteX14" y="connsiteY14"/>
+              </a:cxn>
+              <a:cxn ang="0">
+                <a:pos x="connsiteX15" y="connsiteY15"/>
+              </a:cxn>
+              <a:cxn ang="0">
+                <a:pos x="connsiteX16" y="connsiteY16"/>
+              </a:cxn>
+            </a:cxnLst>
+            <a:rect l="l" t="t" r="r" b="b"/>
+            <a:pathLst>
+              <a:path w="139039" h="139039">
+                <a:moveTo>
+                  <a:pt x="129602" y="60082"/>
+                </a:moveTo>
+                <a:lnTo>
+                  <a:pt x="78957" y="60082"/>
+                </a:lnTo>
+                <a:lnTo>
+                  <a:pt x="78957" y="9437"/>
+                </a:lnTo>
+                <a:cubicBezTo>
+                  <a:pt x="78957" y="4225"/>
+                  <a:pt x="74731" y="0"/>
+                  <a:pt x="69520" y="0"/>
+                </a:cubicBezTo>
+                <a:cubicBezTo>
+                  <a:pt x="64308" y="0"/>
+                  <a:pt x="60082" y="4225"/>
+                  <a:pt x="60082" y="9437"/>
+                </a:cubicBezTo>
+                <a:lnTo>
+                  <a:pt x="60082" y="60082"/>
+                </a:lnTo>
+                <a:lnTo>
+                  <a:pt x="9437" y="60082"/>
+                </a:lnTo>
+                <a:cubicBezTo>
+                  <a:pt x="4225" y="60082"/>
+                  <a:pt x="0" y="64308"/>
+                  <a:pt x="0" y="69520"/>
+                </a:cubicBezTo>
+                <a:cubicBezTo>
+                  <a:pt x="0" y="74731"/>
+                  <a:pt x="4225" y="78957"/>
+                  <a:pt x="9437" y="78957"/>
+                </a:cubicBezTo>
+                <a:lnTo>
+                  <a:pt x="60082" y="78957"/>
+                </a:lnTo>
+                <a:lnTo>
+                  <a:pt x="60082" y="129602"/>
+                </a:lnTo>
+                <a:cubicBezTo>
+                  <a:pt x="60082" y="134814"/>
+                  <a:pt x="64308" y="139039"/>
+                  <a:pt x="69520" y="139039"/>
+                </a:cubicBezTo>
+                <a:cubicBezTo>
+                  <a:pt x="74731" y="139039"/>
+                  <a:pt x="78957" y="134814"/>
+                  <a:pt x="78957" y="129602"/>
+                </a:cubicBezTo>
+                <a:lnTo>
+                  <a:pt x="78957" y="78957"/>
+                </a:lnTo>
+                <a:lnTo>
+                  <a:pt x="129602" y="78957"/>
+                </a:lnTo>
+                <a:cubicBezTo>
+                  <a:pt x="134814" y="78957"/>
+                  <a:pt x="139039" y="74731"/>
+                  <a:pt x="139039" y="69520"/>
+                </a:cubicBezTo>
+                <a:cubicBezTo>
+                  <a:pt x="139039" y="64308"/>
+                  <a:pt x="134814" y="60082"/>
+                  <a:pt x="129602" y="60082"/>
+                </a:cubicBezTo>
+                <a:close/>
+              </a:path>
+            </a:pathLst>
+          </a:custGeom>
+          <a:solidFill>
+            <a:srgbClr val="FFFFFF"/>
+          </a:solidFill>
+          <a:ln w="603" cap="flat">
+            <a:noFill/>
+            <a:prstDash val="solid"/>
+            <a:miter/>
+          </a:ln>
+        </p:spPr>
+        <p:txBody>
+          <a:bodyPr rtlCol="0" anchor="ctr"/>
+          <a:lstStyle/>
+          <a:p>
+            <a:endParaRPr lang="en-US">
+              <a:solidFill>
+                <a:srgbClr val="FFFFFF"/>
+              </a:solidFill>
+            </a:endParaRPr>
+          </a:p>
+        </p:txBody>
+      </p:sp>
+      <p:sp>
+        <p:nvSpPr>
+          <p:cNvPr id="12" name="Graphic 12">
+            <a:extLst>
+              <a:ext uri="{FF2B5EF4-FFF2-40B4-BE49-F238E27FC236}">
+                <a16:creationId xmlns:a16="http://schemas.microsoft.com/office/drawing/2014/main" id="{712D4376-A578-4FF1-94FC-245E7A6A489F}"/>
+              </a:ext>
+              <a:ext uri="{C183D7F6-B498-43B3-948B-1728B52AA6E4}">
+                <adec:decorative xmlns:adec="http://schemas.microsoft.com/office/drawing/2017/decorative" val="1"/>
+              </a:ext>
+            </a:extLst>
+          </p:cNvPr>
+          <p:cNvSpPr>
+            <a:spLocks noGrp="1" noRot="1" noChangeAspect="1" noMove="1" noResize="1" noEditPoints="1" noAdjustHandles="1" noChangeArrowheads="1" noChangeShapeType="1" noTextEdit="1"/>
+          </p:cNvSpPr>
+          <p:nvPr>
+            <p:extLst>
+              <p:ext uri="{386F3935-93C4-4BCD-93E2-E3B085C9AB24}">
+                <p16:designElem xmlns:p16="http://schemas.microsoft.com/office/powerpoint/2015/main" val="1"/>
+              </p:ext>
+            </p:extLst>
+          </p:nvPr>
+        </p:nvSpPr>
+        <p:spPr>
+          <a:xfrm>
+            <a:off x="2874854" y="609480"/>
+            <a:ext cx="68353" cy="68353"/>
+          </a:xfrm>
+          <a:custGeom>
+            <a:avLst/>
+            <a:gdLst>
+              <a:gd name="connsiteX0" fmla="*/ 91138 w 91138"/>
+              <a:gd name="connsiteY0" fmla="*/ 45569 h 91138"/>
+              <a:gd name="connsiteX1" fmla="*/ 45569 w 91138"/>
+              <a:gd name="connsiteY1" fmla="*/ 91138 h 91138"/>
+              <a:gd name="connsiteX2" fmla="*/ 0 w 91138"/>
+              <a:gd name="connsiteY2" fmla="*/ 45569 h 91138"/>
+              <a:gd name="connsiteX3" fmla="*/ 45569 w 91138"/>
+              <a:gd name="connsiteY3" fmla="*/ 0 h 91138"/>
+              <a:gd name="connsiteX4" fmla="*/ 91138 w 91138"/>
+              <a:gd name="connsiteY4" fmla="*/ 45569 h 91138"/>
+            </a:gdLst>
+            <a:ahLst/>
+            <a:cxnLst>
+              <a:cxn ang="0">
+                <a:pos x="connsiteX0" y="connsiteY0"/>
+              </a:cxn>
+              <a:cxn ang="0">
+                <a:pos x="connsiteX1" y="connsiteY1"/>
+              </a:cxn>
+              <a:cxn ang="0">
+                <a:pos x="connsiteX2" y="connsiteY2"/>
+              </a:cxn>
+              <a:cxn ang="0">
+                <a:pos x="connsiteX3" y="connsiteY3"/>
+              </a:cxn>
+              <a:cxn ang="0">
+                <a:pos x="connsiteX4" y="connsiteY4"/>
+              </a:cxn>
+            </a:cxnLst>
+            <a:rect l="l" t="t" r="r" b="b"/>
+            <a:pathLst>
+              <a:path w="91138" h="91138">
+                <a:moveTo>
+                  <a:pt x="91138" y="45569"/>
+                </a:moveTo>
+                <a:cubicBezTo>
+                  <a:pt x="91138" y="70736"/>
+                  <a:pt x="70736" y="91138"/>
+                  <a:pt x="45569" y="91138"/>
+                </a:cubicBezTo>
+                <a:cubicBezTo>
+                  <a:pt x="20402" y="91138"/>
+                  <a:pt x="0" y="70736"/>
+                  <a:pt x="0" y="45569"/>
+                </a:cubicBezTo>
+                <a:cubicBezTo>
+                  <a:pt x="0" y="20402"/>
+                  <a:pt x="20402" y="0"/>
+                  <a:pt x="45569" y="0"/>
+                </a:cubicBezTo>
+                <a:cubicBezTo>
+                  <a:pt x="70736" y="0"/>
+                  <a:pt x="91138" y="20402"/>
+                  <a:pt x="91138" y="45569"/>
+                </a:cubicBezTo>
+                <a:close/>
+              </a:path>
+            </a:pathLst>
+          </a:custGeom>
+          <a:solidFill>
+            <a:srgbClr val="FFFFFF"/>
+          </a:solidFill>
+          <a:ln w="422" cap="flat">
+            <a:noFill/>
+            <a:prstDash val="solid"/>
+            <a:miter/>
+          </a:ln>
+        </p:spPr>
+        <p:txBody>
+          <a:bodyPr rtlCol="0" anchor="ctr"/>
+          <a:lstStyle/>
+          <a:p>
+            <a:endParaRPr lang="en-US">
+              <a:solidFill>
+                <a:srgbClr val="FFFFFF"/>
+              </a:solidFill>
+            </a:endParaRPr>
+          </a:p>
+        </p:txBody>
+      </p:sp>
+      <p:sp>
+        <p:nvSpPr>
+          <p:cNvPr id="14" name="Graphic 15">
+            <a:extLst>
+              <a:ext uri="{FF2B5EF4-FFF2-40B4-BE49-F238E27FC236}">
+                <a16:creationId xmlns:a16="http://schemas.microsoft.com/office/drawing/2014/main" id="{AEA7509D-F04F-40CB-A0B3-EEF16499CC9F}"/>
+              </a:ext>
+              <a:ext uri="{C183D7F6-B498-43B3-948B-1728B52AA6E4}">
+                <adec:decorative xmlns:adec="http://schemas.microsoft.com/office/drawing/2017/decorative" val="1"/>
+              </a:ext>
+            </a:extLst>
+          </p:cNvPr>
+          <p:cNvSpPr>
+            <a:spLocks noGrp="1" noRot="1" noChangeAspect="1" noMove="1" noResize="1" noEditPoints="1" noAdjustHandles="1" noChangeArrowheads="1" noChangeShapeType="1" noTextEdit="1"/>
+          </p:cNvSpPr>
+          <p:nvPr>
+            <p:extLst>
+              <p:ext uri="{386F3935-93C4-4BCD-93E2-E3B085C9AB24}">
+                <p16:designElem xmlns:p16="http://schemas.microsoft.com/office/powerpoint/2015/main" val="1"/>
+              </p:ext>
+            </p:extLst>
+          </p:nvPr>
+        </p:nvSpPr>
+        <p:spPr>
+          <a:xfrm>
+            <a:off x="2594114" y="777799"/>
+            <a:ext cx="95785" cy="95786"/>
+          </a:xfrm>
+          <a:custGeom>
+            <a:avLst/>
+            <a:gdLst>
+              <a:gd name="connsiteX0" fmla="*/ 63857 w 127714"/>
+              <a:gd name="connsiteY0" fmla="*/ 18874 h 127714"/>
+              <a:gd name="connsiteX1" fmla="*/ 108840 w 127714"/>
+              <a:gd name="connsiteY1" fmla="*/ 63857 h 127714"/>
+              <a:gd name="connsiteX2" fmla="*/ 63857 w 127714"/>
+              <a:gd name="connsiteY2" fmla="*/ 108840 h 127714"/>
+              <a:gd name="connsiteX3" fmla="*/ 18874 w 127714"/>
+              <a:gd name="connsiteY3" fmla="*/ 63857 h 127714"/>
+              <a:gd name="connsiteX4" fmla="*/ 63857 w 127714"/>
+              <a:gd name="connsiteY4" fmla="*/ 18874 h 127714"/>
+              <a:gd name="connsiteX5" fmla="*/ 63857 w 127714"/>
+              <a:gd name="connsiteY5" fmla="*/ 0 h 127714"/>
+              <a:gd name="connsiteX6" fmla="*/ 0 w 127714"/>
+              <a:gd name="connsiteY6" fmla="*/ 63857 h 127714"/>
+              <a:gd name="connsiteX7" fmla="*/ 63857 w 127714"/>
+              <a:gd name="connsiteY7" fmla="*/ 127714 h 127714"/>
+              <a:gd name="connsiteX8" fmla="*/ 127714 w 127714"/>
+              <a:gd name="connsiteY8" fmla="*/ 63857 h 127714"/>
+              <a:gd name="connsiteX9" fmla="*/ 63857 w 127714"/>
+              <a:gd name="connsiteY9" fmla="*/ 0 h 127714"/>
+            </a:gdLst>
+            <a:ahLst/>
+            <a:cxnLst>
+              <a:cxn ang="0">
+                <a:pos x="connsiteX0" y="connsiteY0"/>
+              </a:cxn>
+              <a:cxn ang="0">
+                <a:pos x="connsiteX1" y="connsiteY1"/>
+              </a:cxn>
+              <a:cxn ang="0">
+                <a:pos x="connsiteX2" y="connsiteY2"/>
+              </a:cxn>
+              <a:cxn ang="0">
+                <a:pos x="connsiteX3" y="connsiteY3"/>
+              </a:cxn>
+              <a:cxn ang="0">
+                <a:pos x="connsiteX4" y="connsiteY4"/>
+              </a:cxn>
+              <a:cxn ang="0">
+                <a:pos x="connsiteX5" y="connsiteY5"/>
+              </a:cxn>
+              <a:cxn ang="0">
+                <a:pos x="connsiteX6" y="connsiteY6"/>
+              </a:cxn>
+              <a:cxn ang="0">
+                <a:pos x="connsiteX7" y="connsiteY7"/>
+              </a:cxn>
+              <a:cxn ang="0">
+                <a:pos x="connsiteX8" y="connsiteY8"/>
+              </a:cxn>
+              <a:cxn ang="0">
+                <a:pos x="connsiteX9" y="connsiteY9"/>
+              </a:cxn>
+            </a:cxnLst>
+            <a:rect l="l" t="t" r="r" b="b"/>
+            <a:pathLst>
+              <a:path w="127714" h="127714">
+                <a:moveTo>
+                  <a:pt x="63857" y="18874"/>
+                </a:moveTo>
+                <a:cubicBezTo>
+                  <a:pt x="88700" y="18874"/>
+                  <a:pt x="108840" y="39014"/>
+                  <a:pt x="108840" y="63857"/>
+                </a:cubicBezTo>
+                <a:cubicBezTo>
+                  <a:pt x="108840" y="88700"/>
+                  <a:pt x="88700" y="108840"/>
+                  <a:pt x="63857" y="108840"/>
+                </a:cubicBezTo>
+                <a:cubicBezTo>
+                  <a:pt x="39014" y="108840"/>
+                  <a:pt x="18874" y="88700"/>
+                  <a:pt x="18874" y="63857"/>
+                </a:cubicBezTo>
+                <a:cubicBezTo>
+                  <a:pt x="18898" y="39024"/>
+                  <a:pt x="39024" y="18898"/>
+                  <a:pt x="63857" y="18874"/>
+                </a:cubicBezTo>
+                <a:moveTo>
+                  <a:pt x="63857" y="0"/>
+                </a:moveTo>
+                <a:cubicBezTo>
+                  <a:pt x="28590" y="0"/>
+                  <a:pt x="0" y="28590"/>
+                  <a:pt x="0" y="63857"/>
+                </a:cubicBezTo>
+                <a:cubicBezTo>
+                  <a:pt x="0" y="99124"/>
+                  <a:pt x="28590" y="127714"/>
+                  <a:pt x="63857" y="127714"/>
+                </a:cubicBezTo>
+                <a:cubicBezTo>
+                  <a:pt x="99124" y="127714"/>
+                  <a:pt x="127714" y="99124"/>
+                  <a:pt x="127714" y="63857"/>
+                </a:cubicBezTo>
+                <a:cubicBezTo>
+                  <a:pt x="127714" y="28590"/>
+                  <a:pt x="99124" y="0"/>
+                  <a:pt x="63857" y="0"/>
+                </a:cubicBezTo>
+                <a:close/>
+              </a:path>
+            </a:pathLst>
+          </a:custGeom>
+          <a:solidFill>
+            <a:srgbClr val="FFFFFF"/>
+          </a:solidFill>
+          <a:ln w="610" cap="flat">
+            <a:noFill/>
+            <a:prstDash val="solid"/>
+            <a:miter/>
+          </a:ln>
+        </p:spPr>
+        <p:txBody>
+          <a:bodyPr rtlCol="0" anchor="ctr"/>
+          <a:lstStyle/>
+          <a:p>
+            <a:endParaRPr lang="en-US">
+              <a:solidFill>
+                <a:srgbClr val="FFFFFF"/>
+              </a:solidFill>
+            </a:endParaRPr>
+          </a:p>
+        </p:txBody>
+      </p:sp>
+      <p:cxnSp>
+        <p:nvCxnSpPr>
+          <p:cNvPr id="16" name="Straight Connector 15">
+            <a:extLst>
+              <a:ext uri="{FF2B5EF4-FFF2-40B4-BE49-F238E27FC236}">
+                <a16:creationId xmlns:a16="http://schemas.microsoft.com/office/drawing/2014/main" id="{56020367-4FD5-4596-8E10-C5F095CD8DBF}"/>
+              </a:ext>
+              <a:ext uri="{C183D7F6-B498-43B3-948B-1728B52AA6E4}">
+                <adec:decorative xmlns:adec="http://schemas.microsoft.com/office/drawing/2017/decorative" val="1"/>
+              </a:ext>
+            </a:extLst>
+          </p:cNvPr>
+          <p:cNvCxnSpPr>
+            <a:cxnSpLocks noGrp="1" noRot="1" noChangeAspect="1" noMove="1" noResize="1" noEditPoints="1" noAdjustHandles="1" noChangeArrowheads="1" noChangeShapeType="1"/>
+          </p:cNvCxnSpPr>
+          <p:nvPr>
+            <p:extLst>
+              <p:ext uri="{386F3935-93C4-4BCD-93E2-E3B085C9AB24}">
+                <p16:designElem xmlns:p16="http://schemas.microsoft.com/office/powerpoint/2015/main" val="1"/>
+              </p:ext>
+            </p:extLst>
+          </p:nvPr>
+        </p:nvCxnSpPr>
+        <p:spPr>
+          <a:xfrm>
+            <a:off x="642085" y="2627274"/>
+            <a:ext cx="0" cy="2509567"/>
+          </a:xfrm>
+          <a:prstGeom prst="line">
+            <a:avLst/>
+          </a:prstGeom>
+          <a:ln w="25400" cap="sq">
+            <a:solidFill>
+              <a:srgbClr val="FFFFFF"/>
+            </a:solidFill>
+            <a:bevel/>
+          </a:ln>
+        </p:spPr>
+        <p:style>
+          <a:lnRef idx="1">
+            <a:schemeClr val="accent1"/>
+          </a:lnRef>
+          <a:fillRef idx="0">
+            <a:schemeClr val="accent1"/>
+          </a:fillRef>
+          <a:effectRef idx="0">
+            <a:schemeClr val="accent1"/>
+          </a:effectRef>
+          <a:fontRef idx="minor">
+            <a:schemeClr val="tx1"/>
+          </a:fontRef>
+        </p:style>
+      </p:cxnSp>
+      <p:sp>
+        <p:nvSpPr>
+          <p:cNvPr id="18" name="Graphic 22">
+            <a:extLst>
+              <a:ext uri="{FF2B5EF4-FFF2-40B4-BE49-F238E27FC236}">
+                <a16:creationId xmlns:a16="http://schemas.microsoft.com/office/drawing/2014/main" id="{508BEF50-7B1E-49A4-BC19-5F4F1D755E64}"/>
+              </a:ext>
+              <a:ext uri="{C183D7F6-B498-43B3-948B-1728B52AA6E4}">
+                <adec:decorative xmlns:adec="http://schemas.microsoft.com/office/drawing/2017/decorative" val="1"/>
+              </a:ext>
+            </a:extLst>
+          </p:cNvPr>
+          <p:cNvSpPr>
+            <a:spLocks noGrp="1" noRot="1" noChangeAspect="1" noMove="1" noResize="1" noEditPoints="1" noAdjustHandles="1" noChangeArrowheads="1" noChangeShapeType="1" noTextEdit="1"/>
+          </p:cNvSpPr>
+          <p:nvPr>
+            <p:extLst>
+              <p:ext uri="{386F3935-93C4-4BCD-93E2-E3B085C9AB24}">
+                <p16:designElem xmlns:p16="http://schemas.microsoft.com/office/powerpoint/2015/main" val="1"/>
+              </p:ext>
+            </p:extLst>
+          </p:nvPr>
+        </p:nvSpPr>
+        <p:spPr>
+          <a:xfrm>
+            <a:off x="8127318" y="4227510"/>
+            <a:ext cx="113652" cy="113652"/>
+          </a:xfrm>
+          <a:custGeom>
+            <a:avLst/>
+            <a:gdLst>
+              <a:gd name="connsiteX0" fmla="*/ 141251 w 151536"/>
+              <a:gd name="connsiteY0" fmla="*/ 65483 h 151536"/>
+              <a:gd name="connsiteX1" fmla="*/ 86053 w 151536"/>
+              <a:gd name="connsiteY1" fmla="*/ 65483 h 151536"/>
+              <a:gd name="connsiteX2" fmla="*/ 86053 w 151536"/>
+              <a:gd name="connsiteY2" fmla="*/ 10285 h 151536"/>
+              <a:gd name="connsiteX3" fmla="*/ 75768 w 151536"/>
+              <a:gd name="connsiteY3" fmla="*/ 0 h 151536"/>
+              <a:gd name="connsiteX4" fmla="*/ 65483 w 151536"/>
+              <a:gd name="connsiteY4" fmla="*/ 10285 h 151536"/>
+              <a:gd name="connsiteX5" fmla="*/ 65483 w 151536"/>
+              <a:gd name="connsiteY5" fmla="*/ 65483 h 151536"/>
+              <a:gd name="connsiteX6" fmla="*/ 10285 w 151536"/>
+              <a:gd name="connsiteY6" fmla="*/ 65483 h 151536"/>
+              <a:gd name="connsiteX7" fmla="*/ 0 w 151536"/>
+              <a:gd name="connsiteY7" fmla="*/ 75768 h 151536"/>
+              <a:gd name="connsiteX8" fmla="*/ 10285 w 151536"/>
+              <a:gd name="connsiteY8" fmla="*/ 86053 h 151536"/>
+              <a:gd name="connsiteX9" fmla="*/ 65483 w 151536"/>
+              <a:gd name="connsiteY9" fmla="*/ 86053 h 151536"/>
+              <a:gd name="connsiteX10" fmla="*/ 65483 w 151536"/>
+              <a:gd name="connsiteY10" fmla="*/ 141251 h 151536"/>
+              <a:gd name="connsiteX11" fmla="*/ 75768 w 151536"/>
+              <a:gd name="connsiteY11" fmla="*/ 151536 h 151536"/>
+              <a:gd name="connsiteX12" fmla="*/ 86053 w 151536"/>
+              <a:gd name="connsiteY12" fmla="*/ 141251 h 151536"/>
+              <a:gd name="connsiteX13" fmla="*/ 86053 w 151536"/>
+              <a:gd name="connsiteY13" fmla="*/ 86053 h 151536"/>
+              <a:gd name="connsiteX14" fmla="*/ 141251 w 151536"/>
+              <a:gd name="connsiteY14" fmla="*/ 86053 h 151536"/>
+              <a:gd name="connsiteX15" fmla="*/ 151536 w 151536"/>
+              <a:gd name="connsiteY15" fmla="*/ 75768 h 151536"/>
+              <a:gd name="connsiteX16" fmla="*/ 141251 w 151536"/>
+              <a:gd name="connsiteY16" fmla="*/ 65483 h 151536"/>
+            </a:gdLst>
+            <a:ahLst/>
+            <a:cxnLst>
+              <a:cxn ang="0">
+                <a:pos x="connsiteX0" y="connsiteY0"/>
+              </a:cxn>
+              <a:cxn ang="0">
+                <a:pos x="connsiteX1" y="connsiteY1"/>
+              </a:cxn>
+              <a:cxn ang="0">
+                <a:pos x="connsiteX2" y="connsiteY2"/>
+              </a:cxn>
+              <a:cxn ang="0">
+                <a:pos x="connsiteX3" y="connsiteY3"/>
+              </a:cxn>
+              <a:cxn ang="0">
+                <a:pos x="connsiteX4" y="connsiteY4"/>
+              </a:cxn>
+              <a:cxn ang="0">
+                <a:pos x="connsiteX5" y="connsiteY5"/>
+              </a:cxn>
+              <a:cxn ang="0">
+                <a:pos x="connsiteX6" y="connsiteY6"/>
+              </a:cxn>
+              <a:cxn ang="0">
+                <a:pos x="connsiteX7" y="connsiteY7"/>
+              </a:cxn>
+              <a:cxn ang="0">
+                <a:pos x="connsiteX8" y="connsiteY8"/>
+              </a:cxn>
+              <a:cxn ang="0">
+                <a:pos x="connsiteX9" y="connsiteY9"/>
+              </a:cxn>
+              <a:cxn ang="0">
+                <a:pos x="connsiteX10" y="connsiteY10"/>
+              </a:cxn>
+              <a:cxn ang="0">
+                <a:pos x="connsiteX11" y="connsiteY11"/>
+              </a:cxn>
+              <a:cxn ang="0">
+                <a:pos x="connsiteX12" y="connsiteY12"/>
+              </a:cxn>
+              <a:cxn ang="0">
+                <a:pos x="connsiteX13" y="connsiteY13"/>
+              </a:cxn>
+              <a:cxn ang="0">
+                <a:pos x="connsiteX14" y="connsiteY14"/>
+              </a:cxn>
+              <a:cxn ang="0">
+                <a:pos x="connsiteX15" y="connsiteY15"/>
+              </a:cxn>
+              <a:cxn ang="0">
+                <a:pos x="connsiteX16" y="connsiteY16"/>
+              </a:cxn>
+            </a:cxnLst>
+            <a:rect l="l" t="t" r="r" b="b"/>
+            <a:pathLst>
+              <a:path w="151536" h="151536">
+                <a:moveTo>
+                  <a:pt x="141251" y="65483"/>
+                </a:moveTo>
+                <a:lnTo>
+                  <a:pt x="86053" y="65483"/>
+                </a:lnTo>
+                <a:lnTo>
+                  <a:pt x="86053" y="10285"/>
+                </a:lnTo>
+                <a:cubicBezTo>
+                  <a:pt x="86053" y="4605"/>
+                  <a:pt x="81448" y="0"/>
+                  <a:pt x="75768" y="0"/>
+                </a:cubicBezTo>
+                <a:cubicBezTo>
+                  <a:pt x="70088" y="0"/>
+                  <a:pt x="65483" y="4605"/>
+                  <a:pt x="65483" y="10285"/>
+                </a:cubicBezTo>
+                <a:lnTo>
+                  <a:pt x="65483" y="65483"/>
+                </a:lnTo>
+                <a:lnTo>
+                  <a:pt x="10285" y="65483"/>
+                </a:lnTo>
+                <a:cubicBezTo>
+                  <a:pt x="4605" y="65483"/>
+                  <a:pt x="0" y="70088"/>
+                  <a:pt x="0" y="75768"/>
+                </a:cubicBezTo>
+                <a:cubicBezTo>
+                  <a:pt x="0" y="81448"/>
+                  <a:pt x="4605" y="86053"/>
+                  <a:pt x="10285" y="86053"/>
+                </a:cubicBezTo>
+                <a:lnTo>
+                  <a:pt x="65483" y="86053"/>
+                </a:lnTo>
+                <a:lnTo>
+                  <a:pt x="65483" y="141251"/>
+                </a:lnTo>
+                <a:cubicBezTo>
+                  <a:pt x="65483" y="146931"/>
+                  <a:pt x="70088" y="151536"/>
+                  <a:pt x="75768" y="151536"/>
+                </a:cubicBezTo>
+                <a:cubicBezTo>
+                  <a:pt x="81448" y="151536"/>
+                  <a:pt x="86053" y="146931"/>
+                  <a:pt x="86053" y="141251"/>
+                </a:cubicBezTo>
+                <a:lnTo>
+                  <a:pt x="86053" y="86053"/>
+                </a:lnTo>
+                <a:lnTo>
+                  <a:pt x="141251" y="86053"/>
+                </a:lnTo>
+                <a:cubicBezTo>
+                  <a:pt x="146931" y="86053"/>
+                  <a:pt x="151536" y="81448"/>
+                  <a:pt x="151536" y="75768"/>
+                </a:cubicBezTo>
+                <a:cubicBezTo>
+                  <a:pt x="151536" y="70088"/>
+                  <a:pt x="146931" y="65483"/>
+                  <a:pt x="141251" y="65483"/>
+                </a:cubicBezTo>
+                <a:close/>
+              </a:path>
+            </a:pathLst>
+          </a:custGeom>
+          <a:solidFill>
+            <a:srgbClr val="FFFFFF"/>
+          </a:solidFill>
+          <a:ln w="646" cap="flat">
+            <a:noFill/>
+            <a:prstDash val="solid"/>
+            <a:miter/>
+          </a:ln>
+        </p:spPr>
+        <p:txBody>
+          <a:bodyPr rtlCol="0" anchor="ctr"/>
+          <a:lstStyle/>
+          <a:p>
+            <a:endParaRPr lang="en-US">
+              <a:solidFill>
+                <a:srgbClr val="FFFFFF"/>
+              </a:solidFill>
+            </a:endParaRPr>
+          </a:p>
+        </p:txBody>
+      </p:sp>
+      <p:sp>
+        <p:nvSpPr>
+          <p:cNvPr id="20" name="Graphic 23">
+            <a:extLst>
+              <a:ext uri="{FF2B5EF4-FFF2-40B4-BE49-F238E27FC236}">
+                <a16:creationId xmlns:a16="http://schemas.microsoft.com/office/drawing/2014/main" id="{3FBAD350-5664-4811-A208-657FB882D350}"/>
+              </a:ext>
+              <a:ext uri="{C183D7F6-B498-43B3-948B-1728B52AA6E4}">
+                <adec:decorative xmlns:adec="http://schemas.microsoft.com/office/drawing/2017/decorative" val="1"/>
+              </a:ext>
+            </a:extLst>
+          </p:cNvPr>
+          <p:cNvSpPr>
+            <a:spLocks noGrp="1" noRot="1" noChangeAspect="1" noMove="1" noResize="1" noEditPoints="1" noAdjustHandles="1" noChangeArrowheads="1" noChangeShapeType="1" noTextEdit="1"/>
+          </p:cNvSpPr>
+          <p:nvPr>
+            <p:extLst>
+              <p:ext uri="{386F3935-93C4-4BCD-93E2-E3B085C9AB24}">
+                <p16:designElem xmlns:p16="http://schemas.microsoft.com/office/powerpoint/2015/main" val="1"/>
+              </p:ext>
+            </p:extLst>
+          </p:nvPr>
+        </p:nvSpPr>
+        <p:spPr>
+          <a:xfrm>
+            <a:off x="8433881" y="4572569"/>
+            <a:ext cx="81469" cy="81469"/>
+          </a:xfrm>
+          <a:custGeom>
+            <a:avLst/>
+            <a:gdLst>
+              <a:gd name="connsiteX0" fmla="*/ 54313 w 108625"/>
+              <a:gd name="connsiteY0" fmla="*/ 16053 h 108625"/>
+              <a:gd name="connsiteX1" fmla="*/ 92572 w 108625"/>
+              <a:gd name="connsiteY1" fmla="*/ 54313 h 108625"/>
+              <a:gd name="connsiteX2" fmla="*/ 54313 w 108625"/>
+              <a:gd name="connsiteY2" fmla="*/ 92572 h 108625"/>
+              <a:gd name="connsiteX3" fmla="*/ 16053 w 108625"/>
+              <a:gd name="connsiteY3" fmla="*/ 54313 h 108625"/>
+              <a:gd name="connsiteX4" fmla="*/ 54313 w 108625"/>
+              <a:gd name="connsiteY4" fmla="*/ 16053 h 108625"/>
+              <a:gd name="connsiteX5" fmla="*/ 54313 w 108625"/>
+              <a:gd name="connsiteY5" fmla="*/ 0 h 108625"/>
+              <a:gd name="connsiteX6" fmla="*/ 0 w 108625"/>
+              <a:gd name="connsiteY6" fmla="*/ 54313 h 108625"/>
+              <a:gd name="connsiteX7" fmla="*/ 54313 w 108625"/>
+              <a:gd name="connsiteY7" fmla="*/ 108625 h 108625"/>
+              <a:gd name="connsiteX8" fmla="*/ 108625 w 108625"/>
+              <a:gd name="connsiteY8" fmla="*/ 54313 h 108625"/>
+              <a:gd name="connsiteX9" fmla="*/ 54313 w 108625"/>
+              <a:gd name="connsiteY9" fmla="*/ 0 h 108625"/>
+            </a:gdLst>
+            <a:ahLst/>
+            <a:cxnLst>
+              <a:cxn ang="0">
+                <a:pos x="connsiteX0" y="connsiteY0"/>
+              </a:cxn>
+              <a:cxn ang="0">
+                <a:pos x="connsiteX1" y="connsiteY1"/>
+              </a:cxn>
+              <a:cxn ang="0">
+                <a:pos x="connsiteX2" y="connsiteY2"/>
+              </a:cxn>
+              <a:cxn ang="0">
+                <a:pos x="connsiteX3" y="connsiteY3"/>
+              </a:cxn>
+              <a:cxn ang="0">
+                <a:pos x="connsiteX4" y="connsiteY4"/>
+              </a:cxn>
+              <a:cxn ang="0">
+                <a:pos x="connsiteX5" y="connsiteY5"/>
+              </a:cxn>
+              <a:cxn ang="0">
+                <a:pos x="connsiteX6" y="connsiteY6"/>
+              </a:cxn>
+              <a:cxn ang="0">
+                <a:pos x="connsiteX7" y="connsiteY7"/>
+              </a:cxn>
+              <a:cxn ang="0">
+                <a:pos x="connsiteX8" y="connsiteY8"/>
+              </a:cxn>
+              <a:cxn ang="0">
+                <a:pos x="connsiteX9" y="connsiteY9"/>
+              </a:cxn>
+            </a:cxnLst>
+            <a:rect l="l" t="t" r="r" b="b"/>
+            <a:pathLst>
+              <a:path w="108625" h="108625">
+                <a:moveTo>
+                  <a:pt x="54313" y="16053"/>
+                </a:moveTo>
+                <a:cubicBezTo>
+                  <a:pt x="75442" y="16053"/>
+                  <a:pt x="92572" y="33182"/>
+                  <a:pt x="92572" y="54313"/>
+                </a:cubicBezTo>
+                <a:cubicBezTo>
+                  <a:pt x="92572" y="75442"/>
+                  <a:pt x="75442" y="92572"/>
+                  <a:pt x="54313" y="92572"/>
+                </a:cubicBezTo>
+                <a:cubicBezTo>
+                  <a:pt x="33182" y="92572"/>
+                  <a:pt x="16053" y="75442"/>
+                  <a:pt x="16053" y="54313"/>
+                </a:cubicBezTo>
+                <a:cubicBezTo>
+                  <a:pt x="16074" y="33191"/>
+                  <a:pt x="33191" y="16074"/>
+                  <a:pt x="54313" y="16053"/>
+                </a:cubicBezTo>
+                <a:moveTo>
+                  <a:pt x="54313" y="0"/>
+                </a:moveTo>
+                <a:cubicBezTo>
+                  <a:pt x="24317" y="0"/>
+                  <a:pt x="0" y="24317"/>
+                  <a:pt x="0" y="54313"/>
+                </a:cubicBezTo>
+                <a:cubicBezTo>
+                  <a:pt x="0" y="84309"/>
+                  <a:pt x="24317" y="108625"/>
+                  <a:pt x="54313" y="108625"/>
+                </a:cubicBezTo>
+                <a:cubicBezTo>
+                  <a:pt x="84309" y="108625"/>
+                  <a:pt x="108625" y="84309"/>
+                  <a:pt x="108625" y="54313"/>
+                </a:cubicBezTo>
+                <a:cubicBezTo>
+                  <a:pt x="108625" y="24317"/>
+                  <a:pt x="84309" y="0"/>
+                  <a:pt x="54313" y="0"/>
+                </a:cubicBezTo>
+                <a:close/>
+              </a:path>
+            </a:pathLst>
+          </a:custGeom>
+          <a:solidFill>
+            <a:srgbClr val="FFFFFF"/>
+          </a:solidFill>
+          <a:ln w="516" cap="flat">
+            <a:noFill/>
+            <a:prstDash val="solid"/>
+            <a:miter/>
+          </a:ln>
+        </p:spPr>
+        <p:txBody>
+          <a:bodyPr rtlCol="0" anchor="ctr"/>
+          <a:lstStyle/>
+          <a:p>
+            <a:endParaRPr lang="en-US">
+              <a:solidFill>
+                <a:srgbClr val="FFFFFF"/>
+              </a:solidFill>
+            </a:endParaRPr>
+          </a:p>
+        </p:txBody>
+      </p:sp>
+      <p:sp>
+        <p:nvSpPr>
+          <p:cNvPr id="22" name="Graphic 21">
+            <a:extLst>
+              <a:ext uri="{FF2B5EF4-FFF2-40B4-BE49-F238E27FC236}">
+                <a16:creationId xmlns:a16="http://schemas.microsoft.com/office/drawing/2014/main" id="{C39ADB8F-D187-49D7-BDCF-C1B6DC727068}"/>
+              </a:ext>
+              <a:ext uri="{C183D7F6-B498-43B3-948B-1728B52AA6E4}">
+                <adec:decorative xmlns:adec="http://schemas.microsoft.com/office/drawing/2017/decorative" val="1"/>
+              </a:ext>
+            </a:extLst>
+          </p:cNvPr>
+          <p:cNvSpPr>
+            <a:spLocks noGrp="1" noRot="1" noChangeAspect="1" noMove="1" noResize="1" noEditPoints="1" noAdjustHandles="1" noChangeArrowheads="1" noChangeShapeType="1" noTextEdit="1"/>
+          </p:cNvSpPr>
+          <p:nvPr>
+            <p:extLst>
+              <p:ext uri="{386F3935-93C4-4BCD-93E2-E3B085C9AB24}">
+                <p16:designElem xmlns:p16="http://schemas.microsoft.com/office/powerpoint/2015/main" val="1"/>
+              </p:ext>
+            </p:extLst>
+          </p:nvPr>
+        </p:nvSpPr>
+        <p:spPr>
+          <a:xfrm>
+            <a:off x="7915716" y="4678521"/>
+            <a:ext cx="71819" cy="71820"/>
+          </a:xfrm>
+          <a:custGeom>
+            <a:avLst/>
+            <a:gdLst>
+              <a:gd name="connsiteX0" fmla="*/ 95759 w 95759"/>
+              <a:gd name="connsiteY0" fmla="*/ 47880 h 95759"/>
+              <a:gd name="connsiteX1" fmla="*/ 47880 w 95759"/>
+              <a:gd name="connsiteY1" fmla="*/ 95759 h 95759"/>
+              <a:gd name="connsiteX2" fmla="*/ 0 w 95759"/>
+              <a:gd name="connsiteY2" fmla="*/ 47880 h 95759"/>
+              <a:gd name="connsiteX3" fmla="*/ 47880 w 95759"/>
+              <a:gd name="connsiteY3" fmla="*/ 0 h 95759"/>
+              <a:gd name="connsiteX4" fmla="*/ 95759 w 95759"/>
+              <a:gd name="connsiteY4" fmla="*/ 47880 h 95759"/>
+            </a:gdLst>
+            <a:ahLst/>
+            <a:cxnLst>
+              <a:cxn ang="0">
+                <a:pos x="connsiteX0" y="connsiteY0"/>
+              </a:cxn>
+              <a:cxn ang="0">
+                <a:pos x="connsiteX1" y="connsiteY1"/>
+              </a:cxn>
+              <a:cxn ang="0">
+                <a:pos x="connsiteX2" y="connsiteY2"/>
+              </a:cxn>
+              <a:cxn ang="0">
+                <a:pos x="connsiteX3" y="connsiteY3"/>
+              </a:cxn>
+              <a:cxn ang="0">
+                <a:pos x="connsiteX4" y="connsiteY4"/>
+              </a:cxn>
+            </a:cxnLst>
+            <a:rect l="l" t="t" r="r" b="b"/>
+            <a:pathLst>
+              <a:path w="95759" h="95759">
+                <a:moveTo>
+                  <a:pt x="95759" y="47880"/>
+                </a:moveTo>
+                <a:cubicBezTo>
+                  <a:pt x="95759" y="74323"/>
+                  <a:pt x="74323" y="95759"/>
+                  <a:pt x="47880" y="95759"/>
+                </a:cubicBezTo>
+                <a:cubicBezTo>
+                  <a:pt x="21436" y="95759"/>
+                  <a:pt x="0" y="74323"/>
+                  <a:pt x="0" y="47880"/>
+                </a:cubicBezTo>
+                <a:cubicBezTo>
+                  <a:pt x="0" y="21436"/>
+                  <a:pt x="21436" y="0"/>
+                  <a:pt x="47880" y="0"/>
+                </a:cubicBezTo>
+                <a:cubicBezTo>
+                  <a:pt x="74323" y="0"/>
+                  <a:pt x="95759" y="21436"/>
+                  <a:pt x="95759" y="47880"/>
+                </a:cubicBezTo>
+                <a:close/>
+              </a:path>
+            </a:pathLst>
+          </a:custGeom>
+          <a:solidFill>
+            <a:srgbClr val="FFFFFF"/>
+          </a:solidFill>
+          <a:ln w="469" cap="flat">
+            <a:noFill/>
+            <a:prstDash val="solid"/>
+            <a:miter/>
+          </a:ln>
+        </p:spPr>
+        <p:txBody>
+          <a:bodyPr rtlCol="0" anchor="ctr"/>
+          <a:lstStyle/>
+          <a:p>
+            <a:endParaRPr lang="en-US">
+              <a:solidFill>
+                <a:srgbClr val="FFFFFF"/>
+              </a:solidFill>
+            </a:endParaRPr>
           </a:p>
         </p:txBody>
       </p:sp>
     </p:spTree>
   </p:cSld>
+  <p:clrMapOvr>
+    <a:masterClrMapping/>
+  </p:clrMapOvr>
+  <p:timing>
+    <p:tnLst>
+      <p:par>
+        <p:cTn id="1" dur="indefinite" restart="never" nodeType="tmRoot">
+          <p:childTnLst>
+            <p:seq concurrent="1" nextAc="seek">
+              <p:cTn id="2" dur="indefinite" nodeType="mainSeq">
+                <p:childTnLst>
+                  <p:par>
+                    <p:cTn id="3" fill="hold">
+                      <p:stCondLst>
+                        <p:cond delay="indefinite"/>
+                        <p:cond evt="onBegin" delay="0">
+                          <p:tn val="2"/>
+                        </p:cond>
+                      </p:stCondLst>
+                      <p:childTnLst>
+                        <p:par>
+                          <p:cTn id="4" fill="hold">
+                            <p:stCondLst>
+                              <p:cond delay="0"/>
+                            </p:stCondLst>
+                            <p:childTnLst>
+                              <p:par>
+                                <p:cTn id="5" presetID="10" presetClass="entr" presetSubtype="0" fill="hold" grpId="0" nodeType="withEffect">
+                                  <p:stCondLst>
+                                    <p:cond delay="500"/>
+                                  </p:stCondLst>
+                                  <p:iterate type="lt">
+                                    <p:tmPct val="10000"/>
+                                  </p:iterate>
+                                  <p:childTnLst>
+                                    <p:set>
+                                      <p:cBhvr>
+                                        <p:cTn id="6" dur="1" fill="hold">
+                                          <p:stCondLst>
+                                            <p:cond delay="0"/>
+                                          </p:stCondLst>
+                                        </p:cTn>
+                                        <p:tgtEl>
+                                          <p:spTgt spid="2"/>
+                                        </p:tgtEl>
+                                        <p:attrNameLst>
+                                          <p:attrName>style.visibility</p:attrName>
+                                        </p:attrNameLst>
+                                      </p:cBhvr>
+                                      <p:to>
+                                        <p:strVal val="visible"/>
+                                      </p:to>
+                                    </p:set>
+                                    <p:animEffect transition="in" filter="fade">
+                                      <p:cBhvr>
+                                        <p:cTn id="7" dur="400"/>
+                                        <p:tgtEl>
+                                          <p:spTgt spid="2"/>
+                                        </p:tgtEl>
+                                      </p:cBhvr>
+                                    </p:animEffect>
+                                  </p:childTnLst>
+                                </p:cTn>
+                              </p:par>
+                              <p:par>
+                                <p:cTn id="8" presetID="10" presetClass="entr" presetSubtype="0" fill="hold" grpId="0" nodeType="withEffect">
+                                  <p:stCondLst>
+                                    <p:cond delay="2000"/>
+                                  </p:stCondLst>
+                                  <p:iterate type="lt">
+                                    <p:tmPct val="10000"/>
+                                  </p:iterate>
+                                  <p:childTnLst>
+                                    <p:set>
+                                      <p:cBhvr>
+                                        <p:cTn id="9" dur="1" fill="hold">
+                                          <p:stCondLst>
+                                            <p:cond delay="0"/>
+                                          </p:stCondLst>
+                                        </p:cTn>
+                                        <p:tgtEl>
+                                          <p:spTgt spid="3">
+                                            <p:txEl>
+                                              <p:pRg st="0" end="0"/>
+                                            </p:txEl>
+                                          </p:spTgt>
+                                        </p:tgtEl>
+                                        <p:attrNameLst>
+                                          <p:attrName>style.visibility</p:attrName>
+                                        </p:attrNameLst>
+                                      </p:cBhvr>
+                                      <p:to>
+                                        <p:strVal val="visible"/>
+                                      </p:to>
+                                    </p:set>
+                                    <p:animEffect transition="in" filter="fade">
+                                      <p:cBhvr>
+                                        <p:cTn id="10" dur="400"/>
+                                        <p:tgtEl>
+                                          <p:spTgt spid="3">
+                                            <p:txEl>
+                                              <p:pRg st="0" end="0"/>
+                                            </p:txEl>
+                                          </p:spTgt>
+                                        </p:tgtEl>
+                                      </p:cBhvr>
+                                    </p:animEffect>
+                                  </p:childTnLst>
+                                </p:cTn>
+                              </p:par>
+                            </p:childTnLst>
+                          </p:cTn>
+                        </p:par>
+                      </p:childTnLst>
+                    </p:cTn>
+                  </p:par>
+                </p:childTnLst>
+              </p:cTn>
+              <p:prevCondLst>
+                <p:cond evt="onPrev" delay="0">
+                  <p:tgtEl>
+                    <p:sldTgt/>
+                  </p:tgtEl>
+                </p:cond>
+              </p:prevCondLst>
+              <p:nextCondLst>
+                <p:cond evt="onNext" delay="0">
+                  <p:tgtEl>
+                    <p:sldTgt/>
+                  </p:tgtEl>
+                </p:cond>
+              </p:nextCondLst>
+            </p:seq>
+          </p:childTnLst>
+        </p:cTn>
+      </p:par>
+    </p:tnLst>
+    <p:bldLst>
+      <p:bldP spid="2" grpId="0"/>
+      <p:bldP spid="3" grpId="0" build="p"/>
+    </p:bldLst>
+  </p:timing>
 </p:sld>
 </file>
 
 <file path=ppt/slides/slide2.xml><?xml version="1.0" encoding="utf-8"?>
 <p:sld xmlns:a="http://schemas.openxmlformats.org/drawingml/2006/main" xmlns:r="http://schemas.openxmlformats.org/officeDocument/2006/relationships" xmlns:p="http://schemas.openxmlformats.org/presentationml/2006/main">
   <p:cSld>
+    <p:bg>
+      <p:bgPr>
+        <a:solidFill>
+          <a:schemeClr val="bg1"/>
+        </a:solidFill>
+        <a:effectLst/>
+      </p:bgPr>
+    </p:bg>
     <p:spTree>
       <p:nvGrpSpPr>
         <p:cNvPr id="1" name=""/>
@@ -3174,6 +4462,142 @@
           <a:chExt cx="0" cy="0"/>
         </a:xfrm>
       </p:grpSpPr>
+      <p:sp useBgFill="1">
+        <p:nvSpPr>
+          <p:cNvPr id="8" name="Rectangle 7">
+            <a:extLst>
+              <a:ext uri="{FF2B5EF4-FFF2-40B4-BE49-F238E27FC236}">
+                <a16:creationId xmlns:a16="http://schemas.microsoft.com/office/drawing/2014/main" id="{A2679492-7988-4050-9056-542444452411}"/>
+              </a:ext>
+              <a:ext uri="{C183D7F6-B498-43B3-948B-1728B52AA6E4}">
+                <adec:decorative xmlns:adec="http://schemas.microsoft.com/office/drawing/2017/decorative" val="1"/>
+              </a:ext>
+            </a:extLst>
+          </p:cNvPr>
+          <p:cNvSpPr>
+            <a:spLocks noGrp="1" noRot="1" noChangeAspect="1" noMove="1" noResize="1" noEditPoints="1" noAdjustHandles="1" noChangeArrowheads="1" noChangeShapeType="1" noTextEdit="1"/>
+          </p:cNvSpPr>
+          <p:nvPr>
+            <p:extLst>
+              <p:ext uri="{386F3935-93C4-4BCD-93E2-E3B085C9AB24}">
+                <p16:designElem xmlns:p16="http://schemas.microsoft.com/office/powerpoint/2015/main" val="1"/>
+              </p:ext>
+            </p:extLst>
+          </p:nvPr>
+        </p:nvSpPr>
+        <p:spPr>
+          <a:xfrm>
+            <a:off x="0" y="0"/>
+            <a:ext cx="9144000" cy="5143500"/>
+          </a:xfrm>
+          <a:prstGeom prst="rect">
+            <a:avLst/>
+          </a:prstGeom>
+          <a:ln>
+            <a:noFill/>
+          </a:ln>
+        </p:spPr>
+        <p:style>
+          <a:lnRef idx="2">
+            <a:schemeClr val="accent1">
+              <a:shade val="50000"/>
+            </a:schemeClr>
+          </a:lnRef>
+          <a:fillRef idx="1">
+            <a:schemeClr val="accent1"/>
+          </a:fillRef>
+          <a:effectRef idx="0">
+            <a:schemeClr val="accent1"/>
+          </a:effectRef>
+          <a:fontRef idx="minor">
+            <a:schemeClr val="lt1"/>
+          </a:fontRef>
+        </p:style>
+        <p:txBody>
+          <a:bodyPr rtlCol="0" anchor="ctr"/>
+          <a:lstStyle/>
+          <a:p>
+            <a:pPr algn="ctr"/>
+            <a:endParaRPr lang="en-US"/>
+          </a:p>
+        </p:txBody>
+      </p:sp>
+      <p:sp>
+        <p:nvSpPr>
+          <p:cNvPr id="10" name="Rectangle 9">
+            <a:extLst>
+              <a:ext uri="{FF2B5EF4-FFF2-40B4-BE49-F238E27FC236}">
+                <a16:creationId xmlns:a16="http://schemas.microsoft.com/office/drawing/2014/main" id="{B091B163-7D61-4891-ABCF-5C13D9C418D0}"/>
+              </a:ext>
+              <a:ext uri="{C183D7F6-B498-43B3-948B-1728B52AA6E4}">
+                <adec:decorative xmlns:adec="http://schemas.microsoft.com/office/drawing/2017/decorative" val="1"/>
+              </a:ext>
+            </a:extLst>
+          </p:cNvPr>
+          <p:cNvSpPr>
+            <a:spLocks noGrp="1" noRot="1" noChangeAspect="1" noMove="1" noResize="1" noEditPoints="1" noAdjustHandles="1" noChangeArrowheads="1" noChangeShapeType="1" noTextEdit="1"/>
+          </p:cNvSpPr>
+          <p:nvPr>
+            <p:extLst>
+              <p:ext uri="{386F3935-93C4-4BCD-93E2-E3B085C9AB24}">
+                <p16:designElem xmlns:p16="http://schemas.microsoft.com/office/powerpoint/2015/main" val="1"/>
+              </p:ext>
+            </p:extLst>
+          </p:nvPr>
+        </p:nvSpPr>
+        <p:spPr>
+          <a:xfrm>
+            <a:off x="0" y="0"/>
+            <a:ext cx="4334933" cy="5143500"/>
+          </a:xfrm>
+          <a:prstGeom prst="rect">
+            <a:avLst/>
+          </a:prstGeom>
+          <a:gradFill flip="none" rotWithShape="1">
+            <a:gsLst>
+              <a:gs pos="0">
+                <a:schemeClr val="accent1"/>
+              </a:gs>
+              <a:gs pos="100000">
+                <a:schemeClr val="accent2"/>
+              </a:gs>
+            </a:gsLst>
+            <a:lin ang="2700000" scaled="1"/>
+            <a:tileRect/>
+          </a:gradFill>
+          <a:ln>
+            <a:noFill/>
+          </a:ln>
+        </p:spPr>
+        <p:style>
+          <a:lnRef idx="2">
+            <a:schemeClr val="accent1">
+              <a:shade val="50000"/>
+            </a:schemeClr>
+          </a:lnRef>
+          <a:fillRef idx="1">
+            <a:schemeClr val="accent1"/>
+          </a:fillRef>
+          <a:effectRef idx="0">
+            <a:schemeClr val="accent1"/>
+          </a:effectRef>
+          <a:fontRef idx="minor">
+            <a:schemeClr val="lt1"/>
+          </a:fontRef>
+        </p:style>
+        <p:txBody>
+          <a:bodyPr rtlCol="0" anchor="ctr"/>
+          <a:lstStyle/>
+          <a:p>
+            <a:pPr algn="ctr"/>
+            <a:endParaRPr lang="en-US">
+              <a:solidFill>
+                <a:schemeClr val="tx1"/>
+              </a:solidFill>
+            </a:endParaRPr>
+          </a:p>
+        </p:txBody>
+      </p:sp>
       <p:sp>
         <p:nvSpPr>
           <p:cNvPr id="2" name="Title 1"/>
@@ -3184,21 +4608,528 @@
             <p:ph type="title"/>
           </p:nvPr>
         </p:nvSpPr>
-        <p:spPr/>
-        <p:txBody>
-          <a:bodyPr/>
+        <p:spPr>
+          <a:xfrm>
+            <a:off x="891051" y="286451"/>
+            <a:ext cx="3006438" cy="4480810"/>
+          </a:xfrm>
+        </p:spPr>
+        <p:txBody>
+          <a:bodyPr anchor="ctr">
+            <a:normAutofit/>
+          </a:bodyPr>
           <a:lstStyle/>
           <a:p>
-            <a:pPr lvl="0" indent="0" marL="0">
+            <a:pPr marL="0" lvl="0" indent="0">
               <a:buNone/>
             </a:pPr>
             <a:r>
-              <a:rPr/>
+              <a:rPr lang="en-US" sz="4700">
+                <a:solidFill>
+                  <a:srgbClr val="FFFFFF"/>
+                </a:solidFill>
+              </a:rPr>
               <a:t>GitHub Documents</a:t>
             </a:r>
           </a:p>
         </p:txBody>
       </p:sp>
+      <p:grpSp>
+        <p:nvGrpSpPr>
+          <p:cNvPr id="12" name="Group 11">
+            <a:extLst>
+              <a:ext uri="{FF2B5EF4-FFF2-40B4-BE49-F238E27FC236}">
+                <a16:creationId xmlns:a16="http://schemas.microsoft.com/office/drawing/2014/main" id="{0474DF76-993E-44DE-AFB0-C416182ACECF}"/>
+              </a:ext>
+              <a:ext uri="{C183D7F6-B498-43B3-948B-1728B52AA6E4}">
+                <adec:decorative xmlns:adec="http://schemas.microsoft.com/office/drawing/2017/decorative" val="1"/>
+              </a:ext>
+            </a:extLst>
+          </p:cNvPr>
+          <p:cNvGrpSpPr>
+            <a:grpSpLocks noGrp="1" noUngrp="1" noRot="1" noChangeAspect="1" noMove="1" noResize="1"/>
+          </p:cNvGrpSpPr>
+          <p:nvPr>
+            <p:extLst>
+              <p:ext uri="{386F3935-93C4-4BCD-93E2-E3B085C9AB24}">
+                <p16:designElem xmlns:p16="http://schemas.microsoft.com/office/powerpoint/2015/main" val="1"/>
+              </p:ext>
+            </p:extLst>
+          </p:nvPr>
+        </p:nvGrpSpPr>
+        <p:grpSpPr>
+          <a:xfrm>
+            <a:off x="460420" y="415613"/>
+            <a:ext cx="430632" cy="806899"/>
+            <a:chOff x="613892" y="554152"/>
+            <a:chExt cx="574177" cy="1075866"/>
+          </a:xfrm>
+          <a:solidFill>
+            <a:srgbClr val="FFFFFF"/>
+          </a:solidFill>
+        </p:grpSpPr>
+        <p:sp>
+          <p:nvSpPr>
+            <p:cNvPr id="13" name="Graphic 11">
+              <a:extLst>
+                <a:ext uri="{FF2B5EF4-FFF2-40B4-BE49-F238E27FC236}">
+                  <a16:creationId xmlns:a16="http://schemas.microsoft.com/office/drawing/2014/main" id="{6CB927A4-E432-4310-9CD5-E89FF5063179}"/>
+                </a:ext>
+                <a:ext uri="{C183D7F6-B498-43B3-948B-1728B52AA6E4}">
+                  <adec:decorative xmlns:adec="http://schemas.microsoft.com/office/drawing/2017/decorative" val="1"/>
+                </a:ext>
+              </a:extLst>
+            </p:cNvPr>
+            <p:cNvSpPr/>
+            <p:nvPr>
+              <p:extLst>
+                <p:ext uri="{386F3935-93C4-4BCD-93E2-E3B085C9AB24}">
+                  <p16:designElem xmlns:p16="http://schemas.microsoft.com/office/powerpoint/2015/main" val="1"/>
+                </p:ext>
+              </p:extLst>
+            </p:nvPr>
+          </p:nvSpPr>
+          <p:spPr>
+            <a:xfrm>
+              <a:off x="633061" y="554152"/>
+              <a:ext cx="171515" cy="171515"/>
+            </a:xfrm>
+            <a:custGeom>
+              <a:avLst/>
+              <a:gdLst>
+                <a:gd name="connsiteX0" fmla="*/ 159874 w 171515"/>
+                <a:gd name="connsiteY0" fmla="*/ 74116 h 171515"/>
+                <a:gd name="connsiteX1" fmla="*/ 97399 w 171515"/>
+                <a:gd name="connsiteY1" fmla="*/ 74116 h 171515"/>
+                <a:gd name="connsiteX2" fmla="*/ 97399 w 171515"/>
+                <a:gd name="connsiteY2" fmla="*/ 11641 h 171515"/>
+                <a:gd name="connsiteX3" fmla="*/ 85758 w 171515"/>
+                <a:gd name="connsiteY3" fmla="*/ 0 h 171515"/>
+                <a:gd name="connsiteX4" fmla="*/ 74116 w 171515"/>
+                <a:gd name="connsiteY4" fmla="*/ 11641 h 171515"/>
+                <a:gd name="connsiteX5" fmla="*/ 74116 w 171515"/>
+                <a:gd name="connsiteY5" fmla="*/ 74116 h 171515"/>
+                <a:gd name="connsiteX6" fmla="*/ 11641 w 171515"/>
+                <a:gd name="connsiteY6" fmla="*/ 74116 h 171515"/>
+                <a:gd name="connsiteX7" fmla="*/ 0 w 171515"/>
+                <a:gd name="connsiteY7" fmla="*/ 85758 h 171515"/>
+                <a:gd name="connsiteX8" fmla="*/ 11641 w 171515"/>
+                <a:gd name="connsiteY8" fmla="*/ 97399 h 171515"/>
+                <a:gd name="connsiteX9" fmla="*/ 74116 w 171515"/>
+                <a:gd name="connsiteY9" fmla="*/ 97399 h 171515"/>
+                <a:gd name="connsiteX10" fmla="*/ 74116 w 171515"/>
+                <a:gd name="connsiteY10" fmla="*/ 159874 h 171515"/>
+                <a:gd name="connsiteX11" fmla="*/ 85758 w 171515"/>
+                <a:gd name="connsiteY11" fmla="*/ 171515 h 171515"/>
+                <a:gd name="connsiteX12" fmla="*/ 97399 w 171515"/>
+                <a:gd name="connsiteY12" fmla="*/ 159874 h 171515"/>
+                <a:gd name="connsiteX13" fmla="*/ 97399 w 171515"/>
+                <a:gd name="connsiteY13" fmla="*/ 97399 h 171515"/>
+                <a:gd name="connsiteX14" fmla="*/ 159874 w 171515"/>
+                <a:gd name="connsiteY14" fmla="*/ 97399 h 171515"/>
+                <a:gd name="connsiteX15" fmla="*/ 171515 w 171515"/>
+                <a:gd name="connsiteY15" fmla="*/ 85758 h 171515"/>
+                <a:gd name="connsiteX16" fmla="*/ 159874 w 171515"/>
+                <a:gd name="connsiteY16" fmla="*/ 74116 h 171515"/>
+              </a:gdLst>
+              <a:ahLst/>
+              <a:cxnLst>
+                <a:cxn ang="0">
+                  <a:pos x="connsiteX0" y="connsiteY0"/>
+                </a:cxn>
+                <a:cxn ang="0">
+                  <a:pos x="connsiteX1" y="connsiteY1"/>
+                </a:cxn>
+                <a:cxn ang="0">
+                  <a:pos x="connsiteX2" y="connsiteY2"/>
+                </a:cxn>
+                <a:cxn ang="0">
+                  <a:pos x="connsiteX3" y="connsiteY3"/>
+                </a:cxn>
+                <a:cxn ang="0">
+                  <a:pos x="connsiteX4" y="connsiteY4"/>
+                </a:cxn>
+                <a:cxn ang="0">
+                  <a:pos x="connsiteX5" y="connsiteY5"/>
+                </a:cxn>
+                <a:cxn ang="0">
+                  <a:pos x="connsiteX6" y="connsiteY6"/>
+                </a:cxn>
+                <a:cxn ang="0">
+                  <a:pos x="connsiteX7" y="connsiteY7"/>
+                </a:cxn>
+                <a:cxn ang="0">
+                  <a:pos x="connsiteX8" y="connsiteY8"/>
+                </a:cxn>
+                <a:cxn ang="0">
+                  <a:pos x="connsiteX9" y="connsiteY9"/>
+                </a:cxn>
+                <a:cxn ang="0">
+                  <a:pos x="connsiteX10" y="connsiteY10"/>
+                </a:cxn>
+                <a:cxn ang="0">
+                  <a:pos x="connsiteX11" y="connsiteY11"/>
+                </a:cxn>
+                <a:cxn ang="0">
+                  <a:pos x="connsiteX12" y="connsiteY12"/>
+                </a:cxn>
+                <a:cxn ang="0">
+                  <a:pos x="connsiteX13" y="connsiteY13"/>
+                </a:cxn>
+                <a:cxn ang="0">
+                  <a:pos x="connsiteX14" y="connsiteY14"/>
+                </a:cxn>
+                <a:cxn ang="0">
+                  <a:pos x="connsiteX15" y="connsiteY15"/>
+                </a:cxn>
+                <a:cxn ang="0">
+                  <a:pos x="connsiteX16" y="connsiteY16"/>
+                </a:cxn>
+              </a:cxnLst>
+              <a:rect l="l" t="t" r="r" b="b"/>
+              <a:pathLst>
+                <a:path w="171515" h="171515">
+                  <a:moveTo>
+                    <a:pt x="159874" y="74116"/>
+                  </a:moveTo>
+                  <a:lnTo>
+                    <a:pt x="97399" y="74116"/>
+                  </a:lnTo>
+                  <a:lnTo>
+                    <a:pt x="97399" y="11641"/>
+                  </a:lnTo>
+                  <a:cubicBezTo>
+                    <a:pt x="97399" y="5212"/>
+                    <a:pt x="92187" y="0"/>
+                    <a:pt x="85758" y="0"/>
+                  </a:cubicBezTo>
+                  <a:cubicBezTo>
+                    <a:pt x="79328" y="0"/>
+                    <a:pt x="74116" y="5212"/>
+                    <a:pt x="74116" y="11641"/>
+                  </a:cubicBezTo>
+                  <a:lnTo>
+                    <a:pt x="74116" y="74116"/>
+                  </a:lnTo>
+                  <a:lnTo>
+                    <a:pt x="11641" y="74116"/>
+                  </a:lnTo>
+                  <a:cubicBezTo>
+                    <a:pt x="5212" y="74116"/>
+                    <a:pt x="0" y="79328"/>
+                    <a:pt x="0" y="85758"/>
+                  </a:cubicBezTo>
+                  <a:cubicBezTo>
+                    <a:pt x="0" y="92187"/>
+                    <a:pt x="5212" y="97399"/>
+                    <a:pt x="11641" y="97399"/>
+                  </a:cubicBezTo>
+                  <a:lnTo>
+                    <a:pt x="74116" y="97399"/>
+                  </a:lnTo>
+                  <a:lnTo>
+                    <a:pt x="74116" y="159874"/>
+                  </a:lnTo>
+                  <a:cubicBezTo>
+                    <a:pt x="74116" y="166303"/>
+                    <a:pt x="79328" y="171515"/>
+                    <a:pt x="85758" y="171515"/>
+                  </a:cubicBezTo>
+                  <a:cubicBezTo>
+                    <a:pt x="92187" y="171515"/>
+                    <a:pt x="97399" y="166303"/>
+                    <a:pt x="97399" y="159874"/>
+                  </a:cubicBezTo>
+                  <a:lnTo>
+                    <a:pt x="97399" y="97399"/>
+                  </a:lnTo>
+                  <a:lnTo>
+                    <a:pt x="159874" y="97399"/>
+                  </a:lnTo>
+                  <a:cubicBezTo>
+                    <a:pt x="166303" y="97399"/>
+                    <a:pt x="171515" y="92187"/>
+                    <a:pt x="171515" y="85758"/>
+                  </a:cubicBezTo>
+                  <a:cubicBezTo>
+                    <a:pt x="171515" y="79328"/>
+                    <a:pt x="166303" y="74116"/>
+                    <a:pt x="159874" y="74116"/>
+                  </a:cubicBezTo>
+                  <a:close/>
+                </a:path>
+              </a:pathLst>
+            </a:custGeom>
+            <a:grpFill/>
+            <a:ln w="776" cap="flat">
+              <a:noFill/>
+              <a:prstDash val="solid"/>
+              <a:miter/>
+            </a:ln>
+          </p:spPr>
+          <p:txBody>
+            <a:bodyPr rtlCol="0" anchor="ctr"/>
+            <a:lstStyle/>
+            <a:p>
+              <a:endParaRPr lang="en-US"/>
+            </a:p>
+          </p:txBody>
+        </p:sp>
+        <p:sp>
+          <p:nvSpPr>
+            <p:cNvPr id="14" name="Graphic 10">
+              <a:extLst>
+                <a:ext uri="{FF2B5EF4-FFF2-40B4-BE49-F238E27FC236}">
+                  <a16:creationId xmlns:a16="http://schemas.microsoft.com/office/drawing/2014/main" id="{E3020543-B24B-4EC4-8FFC-8DD88EEA91A8}"/>
+                </a:ext>
+                <a:ext uri="{C183D7F6-B498-43B3-948B-1728B52AA6E4}">
+                  <adec:decorative xmlns:adec="http://schemas.microsoft.com/office/drawing/2017/decorative" val="1"/>
+                </a:ext>
+              </a:extLst>
+            </p:cNvPr>
+            <p:cNvSpPr/>
+            <p:nvPr>
+              <p:extLst>
+                <p:ext uri="{386F3935-93C4-4BCD-93E2-E3B085C9AB24}">
+                  <p16:designElem xmlns:p16="http://schemas.microsoft.com/office/powerpoint/2015/main" val="1"/>
+                </p:ext>
+              </p:extLst>
+            </p:nvPr>
+          </p:nvSpPr>
+          <p:spPr>
+            <a:xfrm>
+              <a:off x="1075643" y="837005"/>
+              <a:ext cx="112426" cy="112426"/>
+            </a:xfrm>
+            <a:custGeom>
+              <a:avLst/>
+              <a:gdLst>
+                <a:gd name="connsiteX0" fmla="*/ 112426 w 112426"/>
+                <a:gd name="connsiteY0" fmla="*/ 56213 h 112426"/>
+                <a:gd name="connsiteX1" fmla="*/ 56213 w 112426"/>
+                <a:gd name="connsiteY1" fmla="*/ 112426 h 112426"/>
+                <a:gd name="connsiteX2" fmla="*/ 0 w 112426"/>
+                <a:gd name="connsiteY2" fmla="*/ 56213 h 112426"/>
+                <a:gd name="connsiteX3" fmla="*/ 56213 w 112426"/>
+                <a:gd name="connsiteY3" fmla="*/ 0 h 112426"/>
+                <a:gd name="connsiteX4" fmla="*/ 112426 w 112426"/>
+                <a:gd name="connsiteY4" fmla="*/ 56213 h 112426"/>
+              </a:gdLst>
+              <a:ahLst/>
+              <a:cxnLst>
+                <a:cxn ang="0">
+                  <a:pos x="connsiteX0" y="connsiteY0"/>
+                </a:cxn>
+                <a:cxn ang="0">
+                  <a:pos x="connsiteX1" y="connsiteY1"/>
+                </a:cxn>
+                <a:cxn ang="0">
+                  <a:pos x="connsiteX2" y="connsiteY2"/>
+                </a:cxn>
+                <a:cxn ang="0">
+                  <a:pos x="connsiteX3" y="connsiteY3"/>
+                </a:cxn>
+                <a:cxn ang="0">
+                  <a:pos x="connsiteX4" y="connsiteY4"/>
+                </a:cxn>
+              </a:cxnLst>
+              <a:rect l="l" t="t" r="r" b="b"/>
+              <a:pathLst>
+                <a:path w="112426" h="112426">
+                  <a:moveTo>
+                    <a:pt x="112426" y="56213"/>
+                  </a:moveTo>
+                  <a:cubicBezTo>
+                    <a:pt x="112426" y="87259"/>
+                    <a:pt x="87259" y="112426"/>
+                    <a:pt x="56213" y="112426"/>
+                  </a:cubicBezTo>
+                  <a:cubicBezTo>
+                    <a:pt x="25167" y="112426"/>
+                    <a:pt x="0" y="87259"/>
+                    <a:pt x="0" y="56213"/>
+                  </a:cubicBezTo>
+                  <a:cubicBezTo>
+                    <a:pt x="0" y="25167"/>
+                    <a:pt x="25167" y="0"/>
+                    <a:pt x="56213" y="0"/>
+                  </a:cubicBezTo>
+                  <a:cubicBezTo>
+                    <a:pt x="87259" y="0"/>
+                    <a:pt x="112426" y="25167"/>
+                    <a:pt x="112426" y="56213"/>
+                  </a:cubicBezTo>
+                  <a:close/>
+                </a:path>
+              </a:pathLst>
+            </a:custGeom>
+            <a:grpFill/>
+            <a:ln w="516" cap="flat">
+              <a:noFill/>
+              <a:prstDash val="solid"/>
+              <a:miter/>
+            </a:ln>
+          </p:spPr>
+          <p:txBody>
+            <a:bodyPr rtlCol="0" anchor="ctr"/>
+            <a:lstStyle/>
+            <a:p>
+              <a:endParaRPr lang="en-US"/>
+            </a:p>
+          </p:txBody>
+        </p:sp>
+        <p:sp>
+          <p:nvSpPr>
+            <p:cNvPr id="15" name="Graphic 12">
+              <a:extLst>
+                <a:ext uri="{FF2B5EF4-FFF2-40B4-BE49-F238E27FC236}">
+                  <a16:creationId xmlns:a16="http://schemas.microsoft.com/office/drawing/2014/main" id="{1453BF6C-B012-48B7-B4E8-6D7AC7C27D02}"/>
+                </a:ext>
+                <a:ext uri="{C183D7F6-B498-43B3-948B-1728B52AA6E4}">
+                  <adec:decorative xmlns:adec="http://schemas.microsoft.com/office/drawing/2017/decorative" val="1"/>
+                </a:ext>
+              </a:extLst>
+            </p:cNvPr>
+            <p:cNvSpPr/>
+            <p:nvPr>
+              <p:extLst>
+                <p:ext uri="{386F3935-93C4-4BCD-93E2-E3B085C9AB24}">
+                  <p16:designElem xmlns:p16="http://schemas.microsoft.com/office/powerpoint/2015/main" val="1"/>
+                </p:ext>
+              </p:extLst>
+            </p:nvPr>
+          </p:nvSpPr>
+          <p:spPr>
+            <a:xfrm>
+              <a:off x="613892" y="1472473"/>
+              <a:ext cx="157545" cy="157545"/>
+            </a:xfrm>
+            <a:custGeom>
+              <a:avLst/>
+              <a:gdLst>
+                <a:gd name="connsiteX0" fmla="*/ 78773 w 157545"/>
+                <a:gd name="connsiteY0" fmla="*/ 23283 h 157545"/>
+                <a:gd name="connsiteX1" fmla="*/ 134262 w 157545"/>
+                <a:gd name="connsiteY1" fmla="*/ 78773 h 157545"/>
+                <a:gd name="connsiteX2" fmla="*/ 78773 w 157545"/>
+                <a:gd name="connsiteY2" fmla="*/ 134262 h 157545"/>
+                <a:gd name="connsiteX3" fmla="*/ 23283 w 157545"/>
+                <a:gd name="connsiteY3" fmla="*/ 78773 h 157545"/>
+                <a:gd name="connsiteX4" fmla="*/ 78773 w 157545"/>
+                <a:gd name="connsiteY4" fmla="*/ 23283 h 157545"/>
+                <a:gd name="connsiteX5" fmla="*/ 78773 w 157545"/>
+                <a:gd name="connsiteY5" fmla="*/ 0 h 157545"/>
+                <a:gd name="connsiteX6" fmla="*/ 0 w 157545"/>
+                <a:gd name="connsiteY6" fmla="*/ 78773 h 157545"/>
+                <a:gd name="connsiteX7" fmla="*/ 78773 w 157545"/>
+                <a:gd name="connsiteY7" fmla="*/ 157545 h 157545"/>
+                <a:gd name="connsiteX8" fmla="*/ 157545 w 157545"/>
+                <a:gd name="connsiteY8" fmla="*/ 78773 h 157545"/>
+                <a:gd name="connsiteX9" fmla="*/ 78773 w 157545"/>
+                <a:gd name="connsiteY9" fmla="*/ 0 h 157545"/>
+              </a:gdLst>
+              <a:ahLst/>
+              <a:cxnLst>
+                <a:cxn ang="0">
+                  <a:pos x="connsiteX0" y="connsiteY0"/>
+                </a:cxn>
+                <a:cxn ang="0">
+                  <a:pos x="connsiteX1" y="connsiteY1"/>
+                </a:cxn>
+                <a:cxn ang="0">
+                  <a:pos x="connsiteX2" y="connsiteY2"/>
+                </a:cxn>
+                <a:cxn ang="0">
+                  <a:pos x="connsiteX3" y="connsiteY3"/>
+                </a:cxn>
+                <a:cxn ang="0">
+                  <a:pos x="connsiteX4" y="connsiteY4"/>
+                </a:cxn>
+                <a:cxn ang="0">
+                  <a:pos x="connsiteX5" y="connsiteY5"/>
+                </a:cxn>
+                <a:cxn ang="0">
+                  <a:pos x="connsiteX6" y="connsiteY6"/>
+                </a:cxn>
+                <a:cxn ang="0">
+                  <a:pos x="connsiteX7" y="connsiteY7"/>
+                </a:cxn>
+                <a:cxn ang="0">
+                  <a:pos x="connsiteX8" y="connsiteY8"/>
+                </a:cxn>
+                <a:cxn ang="0">
+                  <a:pos x="connsiteX9" y="connsiteY9"/>
+                </a:cxn>
+              </a:cxnLst>
+              <a:rect l="l" t="t" r="r" b="b"/>
+              <a:pathLst>
+                <a:path w="157545" h="157545">
+                  <a:moveTo>
+                    <a:pt x="78773" y="23283"/>
+                  </a:moveTo>
+                  <a:cubicBezTo>
+                    <a:pt x="109419" y="23283"/>
+                    <a:pt x="134262" y="48126"/>
+                    <a:pt x="134262" y="78773"/>
+                  </a:cubicBezTo>
+                  <a:cubicBezTo>
+                    <a:pt x="134262" y="109419"/>
+                    <a:pt x="109419" y="134262"/>
+                    <a:pt x="78773" y="134262"/>
+                  </a:cubicBezTo>
+                  <a:cubicBezTo>
+                    <a:pt x="48126" y="134262"/>
+                    <a:pt x="23283" y="109419"/>
+                    <a:pt x="23283" y="78773"/>
+                  </a:cubicBezTo>
+                  <a:cubicBezTo>
+                    <a:pt x="23312" y="48139"/>
+                    <a:pt x="48139" y="23312"/>
+                    <a:pt x="78773" y="23283"/>
+                  </a:cubicBezTo>
+                  <a:moveTo>
+                    <a:pt x="78773" y="0"/>
+                  </a:moveTo>
+                  <a:cubicBezTo>
+                    <a:pt x="35268" y="0"/>
+                    <a:pt x="0" y="35268"/>
+                    <a:pt x="0" y="78773"/>
+                  </a:cubicBezTo>
+                  <a:cubicBezTo>
+                    <a:pt x="0" y="122277"/>
+                    <a:pt x="35268" y="157545"/>
+                    <a:pt x="78773" y="157545"/>
+                  </a:cubicBezTo>
+                  <a:cubicBezTo>
+                    <a:pt x="122277" y="157545"/>
+                    <a:pt x="157545" y="122277"/>
+                    <a:pt x="157545" y="78773"/>
+                  </a:cubicBezTo>
+                  <a:cubicBezTo>
+                    <a:pt x="157545" y="35268"/>
+                    <a:pt x="122277" y="0"/>
+                    <a:pt x="78773" y="0"/>
+                  </a:cubicBezTo>
+                  <a:close/>
+                </a:path>
+              </a:pathLst>
+            </a:custGeom>
+            <a:grpFill/>
+            <a:ln w="751" cap="flat">
+              <a:noFill/>
+              <a:prstDash val="solid"/>
+              <a:miter/>
+            </a:ln>
+          </p:spPr>
+          <p:txBody>
+            <a:bodyPr rtlCol="0" anchor="ctr"/>
+            <a:lstStyle/>
+            <a:p>
+              <a:endParaRPr lang="en-US"/>
+            </a:p>
+          </p:txBody>
+        </p:sp>
+      </p:grpSp>
       <p:sp>
         <p:nvSpPr>
           <p:cNvPr id="3" name="Content Placeholder 2"/>
@@ -3209,37 +5140,135 @@
             <p:ph idx="1"/>
           </p:nvPr>
         </p:nvSpPr>
-        <p:spPr/>
-        <p:txBody>
-          <a:bodyPr/>
+        <p:spPr>
+          <a:xfrm>
+            <a:off x="4722924" y="388800"/>
+            <a:ext cx="3578706" cy="4378461"/>
+          </a:xfrm>
+        </p:spPr>
+        <p:txBody>
+          <a:bodyPr anchor="ctr">
+            <a:normAutofit/>
+          </a:bodyPr>
           <a:lstStyle/>
           <a:p>
-            <a:pPr lvl="0" indent="0" marL="0">
+            <a:pPr marL="0" lvl="0" indent="0">
               <a:buNone/>
             </a:pPr>
             <a:r>
-              <a:rPr/>
+              <a:rPr lang="en-US" sz="1500">
+                <a:solidFill>
+                  <a:schemeClr val="tx1">
+                    <a:alpha val="80000"/>
+                  </a:schemeClr>
+                </a:solidFill>
+              </a:rPr>
               <a:t>This is an R Markdown format used for publishing markdown documents to GitHub. When you click the </a:t>
             </a:r>
             <a:r>
-              <a:rPr b="1"/>
+              <a:rPr lang="en-US" sz="1500" b="1">
+                <a:solidFill>
+                  <a:schemeClr val="tx1">
+                    <a:alpha val="80000"/>
+                  </a:schemeClr>
+                </a:solidFill>
+              </a:rPr>
               <a:t>Knit</a:t>
             </a:r>
             <a:r>
-              <a:rPr/>
+              <a:rPr lang="en-US" sz="1500">
+                <a:solidFill>
+                  <a:schemeClr val="tx1">
+                    <a:alpha val="80000"/>
+                  </a:schemeClr>
+                </a:solidFill>
+              </a:rPr>
               <a:t> button all R code chunks are run and a markdown file (.md) suitable for publishing to GitHub is generated.</a:t>
             </a:r>
           </a:p>
         </p:txBody>
       </p:sp>
+      <p:cxnSp>
+        <p:nvCxnSpPr>
+          <p:cNvPr id="17" name="Straight Connector 16">
+            <a:extLst>
+              <a:ext uri="{FF2B5EF4-FFF2-40B4-BE49-F238E27FC236}">
+                <a16:creationId xmlns:a16="http://schemas.microsoft.com/office/drawing/2014/main" id="{C49DA8F6-BCC1-4447-B54C-57856834B94B}"/>
+              </a:ext>
+              <a:ext uri="{C183D7F6-B498-43B3-948B-1728B52AA6E4}">
+                <adec:decorative xmlns:adec="http://schemas.microsoft.com/office/drawing/2017/decorative" val="1"/>
+              </a:ext>
+            </a:extLst>
+          </p:cNvPr>
+          <p:cNvCxnSpPr>
+            <a:cxnSpLocks noGrp="1" noRot="1" noChangeAspect="1" noMove="1" noResize="1" noEditPoints="1" noAdjustHandles="1" noChangeArrowheads="1" noChangeShapeType="1"/>
+          </p:cNvCxnSpPr>
+          <p:nvPr>
+            <p:extLst>
+              <p:ext uri="{386F3935-93C4-4BCD-93E2-E3B085C9AB24}">
+                <p16:designElem xmlns:p16="http://schemas.microsoft.com/office/powerpoint/2015/main" val="1"/>
+              </p:ext>
+            </p:extLst>
+          </p:nvPr>
+        </p:nvCxnSpPr>
+        <p:spPr>
+          <a:xfrm>
+            <a:off x="8689621" y="2707795"/>
+            <a:ext cx="0" cy="2429046"/>
+          </a:xfrm>
+          <a:prstGeom prst="line">
+            <a:avLst/>
+          </a:prstGeom>
+          <a:ln w="25400" cap="sq">
+            <a:gradFill flip="none" rotWithShape="1">
+              <a:gsLst>
+                <a:gs pos="0">
+                  <a:schemeClr val="accent1"/>
+                </a:gs>
+                <a:gs pos="100000">
+                  <a:schemeClr val="accent2"/>
+                </a:gs>
+              </a:gsLst>
+              <a:lin ang="5400000" scaled="0"/>
+              <a:tileRect/>
+            </a:gradFill>
+            <a:bevel/>
+          </a:ln>
+        </p:spPr>
+        <p:style>
+          <a:lnRef idx="1">
+            <a:schemeClr val="accent1"/>
+          </a:lnRef>
+          <a:fillRef idx="0">
+            <a:schemeClr val="accent1"/>
+          </a:fillRef>
+          <a:effectRef idx="0">
+            <a:schemeClr val="accent1"/>
+          </a:effectRef>
+          <a:fontRef idx="minor">
+            <a:schemeClr val="tx1"/>
+          </a:fontRef>
+        </p:style>
+      </p:cxnSp>
     </p:spTree>
   </p:cSld>
+  <p:clrMapOvr>
+    <a:masterClrMapping/>
+  </p:clrMapOvr>
 </p:sld>
 </file>
 
 <file path=ppt/slides/slide3.xml><?xml version="1.0" encoding="utf-8"?>
 <p:sld xmlns:a="http://schemas.openxmlformats.org/drawingml/2006/main" xmlns:r="http://schemas.openxmlformats.org/officeDocument/2006/relationships" xmlns:p="http://schemas.openxmlformats.org/presentationml/2006/main">
   <p:cSld>
+    <p:bg>
+      <p:bgPr>
+        <a:solidFill>
+          <a:schemeClr val="bg1"/>
+        </a:solidFill>
+        <a:effectLst/>
+      </p:bgPr>
+    </p:bg>
     <p:spTree>
       <p:nvGrpSpPr>
         <p:cNvPr id="1" name=""/>
@@ -3254,6 +5283,142 @@
           <a:chExt cx="0" cy="0"/>
         </a:xfrm>
       </p:grpSpPr>
+      <p:sp useBgFill="1">
+        <p:nvSpPr>
+          <p:cNvPr id="8" name="Rectangle 7">
+            <a:extLst>
+              <a:ext uri="{FF2B5EF4-FFF2-40B4-BE49-F238E27FC236}">
+                <a16:creationId xmlns:a16="http://schemas.microsoft.com/office/drawing/2014/main" id="{A2679492-7988-4050-9056-542444452411}"/>
+              </a:ext>
+              <a:ext uri="{C183D7F6-B498-43B3-948B-1728B52AA6E4}">
+                <adec:decorative xmlns:adec="http://schemas.microsoft.com/office/drawing/2017/decorative" val="1"/>
+              </a:ext>
+            </a:extLst>
+          </p:cNvPr>
+          <p:cNvSpPr>
+            <a:spLocks noGrp="1" noRot="1" noChangeAspect="1" noMove="1" noResize="1" noEditPoints="1" noAdjustHandles="1" noChangeArrowheads="1" noChangeShapeType="1" noTextEdit="1"/>
+          </p:cNvSpPr>
+          <p:nvPr>
+            <p:extLst>
+              <p:ext uri="{386F3935-93C4-4BCD-93E2-E3B085C9AB24}">
+                <p16:designElem xmlns:p16="http://schemas.microsoft.com/office/powerpoint/2015/main" val="1"/>
+              </p:ext>
+            </p:extLst>
+          </p:nvPr>
+        </p:nvSpPr>
+        <p:spPr>
+          <a:xfrm>
+            <a:off x="0" y="0"/>
+            <a:ext cx="9144000" cy="5143500"/>
+          </a:xfrm>
+          <a:prstGeom prst="rect">
+            <a:avLst/>
+          </a:prstGeom>
+          <a:ln>
+            <a:noFill/>
+          </a:ln>
+        </p:spPr>
+        <p:style>
+          <a:lnRef idx="2">
+            <a:schemeClr val="accent1">
+              <a:shade val="50000"/>
+            </a:schemeClr>
+          </a:lnRef>
+          <a:fillRef idx="1">
+            <a:schemeClr val="accent1"/>
+          </a:fillRef>
+          <a:effectRef idx="0">
+            <a:schemeClr val="accent1"/>
+          </a:effectRef>
+          <a:fontRef idx="minor">
+            <a:schemeClr val="lt1"/>
+          </a:fontRef>
+        </p:style>
+        <p:txBody>
+          <a:bodyPr rtlCol="0" anchor="ctr"/>
+          <a:lstStyle/>
+          <a:p>
+            <a:pPr algn="ctr"/>
+            <a:endParaRPr lang="en-US"/>
+          </a:p>
+        </p:txBody>
+      </p:sp>
+      <p:sp>
+        <p:nvSpPr>
+          <p:cNvPr id="10" name="Rectangle 9">
+            <a:extLst>
+              <a:ext uri="{FF2B5EF4-FFF2-40B4-BE49-F238E27FC236}">
+                <a16:creationId xmlns:a16="http://schemas.microsoft.com/office/drawing/2014/main" id="{B091B163-7D61-4891-ABCF-5C13D9C418D0}"/>
+              </a:ext>
+              <a:ext uri="{C183D7F6-B498-43B3-948B-1728B52AA6E4}">
+                <adec:decorative xmlns:adec="http://schemas.microsoft.com/office/drawing/2017/decorative" val="1"/>
+              </a:ext>
+            </a:extLst>
+          </p:cNvPr>
+          <p:cNvSpPr>
+            <a:spLocks noGrp="1" noRot="1" noChangeAspect="1" noMove="1" noResize="1" noEditPoints="1" noAdjustHandles="1" noChangeArrowheads="1" noChangeShapeType="1" noTextEdit="1"/>
+          </p:cNvSpPr>
+          <p:nvPr>
+            <p:extLst>
+              <p:ext uri="{386F3935-93C4-4BCD-93E2-E3B085C9AB24}">
+                <p16:designElem xmlns:p16="http://schemas.microsoft.com/office/powerpoint/2015/main" val="1"/>
+              </p:ext>
+            </p:extLst>
+          </p:nvPr>
+        </p:nvSpPr>
+        <p:spPr>
+          <a:xfrm>
+            <a:off x="0" y="0"/>
+            <a:ext cx="4334933" cy="5143500"/>
+          </a:xfrm>
+          <a:prstGeom prst="rect">
+            <a:avLst/>
+          </a:prstGeom>
+          <a:gradFill flip="none" rotWithShape="1">
+            <a:gsLst>
+              <a:gs pos="0">
+                <a:schemeClr val="accent1"/>
+              </a:gs>
+              <a:gs pos="100000">
+                <a:schemeClr val="accent2"/>
+              </a:gs>
+            </a:gsLst>
+            <a:lin ang="2700000" scaled="1"/>
+            <a:tileRect/>
+          </a:gradFill>
+          <a:ln>
+            <a:noFill/>
+          </a:ln>
+        </p:spPr>
+        <p:style>
+          <a:lnRef idx="2">
+            <a:schemeClr val="accent1">
+              <a:shade val="50000"/>
+            </a:schemeClr>
+          </a:lnRef>
+          <a:fillRef idx="1">
+            <a:schemeClr val="accent1"/>
+          </a:fillRef>
+          <a:effectRef idx="0">
+            <a:schemeClr val="accent1"/>
+          </a:effectRef>
+          <a:fontRef idx="minor">
+            <a:schemeClr val="lt1"/>
+          </a:fontRef>
+        </p:style>
+        <p:txBody>
+          <a:bodyPr rtlCol="0" anchor="ctr"/>
+          <a:lstStyle/>
+          <a:p>
+            <a:pPr algn="ctr"/>
+            <a:endParaRPr lang="en-US">
+              <a:solidFill>
+                <a:schemeClr val="tx1"/>
+              </a:solidFill>
+            </a:endParaRPr>
+          </a:p>
+        </p:txBody>
+      </p:sp>
       <p:sp>
         <p:nvSpPr>
           <p:cNvPr id="2" name="Title 1"/>
@@ -3264,21 +5429,528 @@
             <p:ph type="title"/>
           </p:nvPr>
         </p:nvSpPr>
-        <p:spPr/>
-        <p:txBody>
-          <a:bodyPr/>
+        <p:spPr>
+          <a:xfrm>
+            <a:off x="891051" y="286451"/>
+            <a:ext cx="3006438" cy="4480810"/>
+          </a:xfrm>
+        </p:spPr>
+        <p:txBody>
+          <a:bodyPr anchor="ctr">
+            <a:normAutofit/>
+          </a:bodyPr>
           <a:lstStyle/>
           <a:p>
-            <a:pPr lvl="0" indent="0" marL="0">
+            <a:pPr marL="0" lvl="0" indent="0">
               <a:buNone/>
             </a:pPr>
             <a:r>
-              <a:rPr/>
+              <a:rPr lang="en-US" sz="6000">
+                <a:solidFill>
+                  <a:srgbClr val="FFFFFF"/>
+                </a:solidFill>
+              </a:rPr>
               <a:t>Including Code</a:t>
             </a:r>
           </a:p>
         </p:txBody>
       </p:sp>
+      <p:grpSp>
+        <p:nvGrpSpPr>
+          <p:cNvPr id="12" name="Group 11">
+            <a:extLst>
+              <a:ext uri="{FF2B5EF4-FFF2-40B4-BE49-F238E27FC236}">
+                <a16:creationId xmlns:a16="http://schemas.microsoft.com/office/drawing/2014/main" id="{0474DF76-993E-44DE-AFB0-C416182ACECF}"/>
+              </a:ext>
+              <a:ext uri="{C183D7F6-B498-43B3-948B-1728B52AA6E4}">
+                <adec:decorative xmlns:adec="http://schemas.microsoft.com/office/drawing/2017/decorative" val="1"/>
+              </a:ext>
+            </a:extLst>
+          </p:cNvPr>
+          <p:cNvGrpSpPr>
+            <a:grpSpLocks noGrp="1" noUngrp="1" noRot="1" noChangeAspect="1" noMove="1" noResize="1"/>
+          </p:cNvGrpSpPr>
+          <p:nvPr>
+            <p:extLst>
+              <p:ext uri="{386F3935-93C4-4BCD-93E2-E3B085C9AB24}">
+                <p16:designElem xmlns:p16="http://schemas.microsoft.com/office/powerpoint/2015/main" val="1"/>
+              </p:ext>
+            </p:extLst>
+          </p:nvPr>
+        </p:nvGrpSpPr>
+        <p:grpSpPr>
+          <a:xfrm>
+            <a:off x="460420" y="415613"/>
+            <a:ext cx="430632" cy="806899"/>
+            <a:chOff x="613892" y="554152"/>
+            <a:chExt cx="574177" cy="1075866"/>
+          </a:xfrm>
+          <a:solidFill>
+            <a:srgbClr val="FFFFFF"/>
+          </a:solidFill>
+        </p:grpSpPr>
+        <p:sp>
+          <p:nvSpPr>
+            <p:cNvPr id="13" name="Graphic 11">
+              <a:extLst>
+                <a:ext uri="{FF2B5EF4-FFF2-40B4-BE49-F238E27FC236}">
+                  <a16:creationId xmlns:a16="http://schemas.microsoft.com/office/drawing/2014/main" id="{6CB927A4-E432-4310-9CD5-E89FF5063179}"/>
+                </a:ext>
+                <a:ext uri="{C183D7F6-B498-43B3-948B-1728B52AA6E4}">
+                  <adec:decorative xmlns:adec="http://schemas.microsoft.com/office/drawing/2017/decorative" val="1"/>
+                </a:ext>
+              </a:extLst>
+            </p:cNvPr>
+            <p:cNvSpPr/>
+            <p:nvPr>
+              <p:extLst>
+                <p:ext uri="{386F3935-93C4-4BCD-93E2-E3B085C9AB24}">
+                  <p16:designElem xmlns:p16="http://schemas.microsoft.com/office/powerpoint/2015/main" val="1"/>
+                </p:ext>
+              </p:extLst>
+            </p:nvPr>
+          </p:nvSpPr>
+          <p:spPr>
+            <a:xfrm>
+              <a:off x="633061" y="554152"/>
+              <a:ext cx="171515" cy="171515"/>
+            </a:xfrm>
+            <a:custGeom>
+              <a:avLst/>
+              <a:gdLst>
+                <a:gd name="connsiteX0" fmla="*/ 159874 w 171515"/>
+                <a:gd name="connsiteY0" fmla="*/ 74116 h 171515"/>
+                <a:gd name="connsiteX1" fmla="*/ 97399 w 171515"/>
+                <a:gd name="connsiteY1" fmla="*/ 74116 h 171515"/>
+                <a:gd name="connsiteX2" fmla="*/ 97399 w 171515"/>
+                <a:gd name="connsiteY2" fmla="*/ 11641 h 171515"/>
+                <a:gd name="connsiteX3" fmla="*/ 85758 w 171515"/>
+                <a:gd name="connsiteY3" fmla="*/ 0 h 171515"/>
+                <a:gd name="connsiteX4" fmla="*/ 74116 w 171515"/>
+                <a:gd name="connsiteY4" fmla="*/ 11641 h 171515"/>
+                <a:gd name="connsiteX5" fmla="*/ 74116 w 171515"/>
+                <a:gd name="connsiteY5" fmla="*/ 74116 h 171515"/>
+                <a:gd name="connsiteX6" fmla="*/ 11641 w 171515"/>
+                <a:gd name="connsiteY6" fmla="*/ 74116 h 171515"/>
+                <a:gd name="connsiteX7" fmla="*/ 0 w 171515"/>
+                <a:gd name="connsiteY7" fmla="*/ 85758 h 171515"/>
+                <a:gd name="connsiteX8" fmla="*/ 11641 w 171515"/>
+                <a:gd name="connsiteY8" fmla="*/ 97399 h 171515"/>
+                <a:gd name="connsiteX9" fmla="*/ 74116 w 171515"/>
+                <a:gd name="connsiteY9" fmla="*/ 97399 h 171515"/>
+                <a:gd name="connsiteX10" fmla="*/ 74116 w 171515"/>
+                <a:gd name="connsiteY10" fmla="*/ 159874 h 171515"/>
+                <a:gd name="connsiteX11" fmla="*/ 85758 w 171515"/>
+                <a:gd name="connsiteY11" fmla="*/ 171515 h 171515"/>
+                <a:gd name="connsiteX12" fmla="*/ 97399 w 171515"/>
+                <a:gd name="connsiteY12" fmla="*/ 159874 h 171515"/>
+                <a:gd name="connsiteX13" fmla="*/ 97399 w 171515"/>
+                <a:gd name="connsiteY13" fmla="*/ 97399 h 171515"/>
+                <a:gd name="connsiteX14" fmla="*/ 159874 w 171515"/>
+                <a:gd name="connsiteY14" fmla="*/ 97399 h 171515"/>
+                <a:gd name="connsiteX15" fmla="*/ 171515 w 171515"/>
+                <a:gd name="connsiteY15" fmla="*/ 85758 h 171515"/>
+                <a:gd name="connsiteX16" fmla="*/ 159874 w 171515"/>
+                <a:gd name="connsiteY16" fmla="*/ 74116 h 171515"/>
+              </a:gdLst>
+              <a:ahLst/>
+              <a:cxnLst>
+                <a:cxn ang="0">
+                  <a:pos x="connsiteX0" y="connsiteY0"/>
+                </a:cxn>
+                <a:cxn ang="0">
+                  <a:pos x="connsiteX1" y="connsiteY1"/>
+                </a:cxn>
+                <a:cxn ang="0">
+                  <a:pos x="connsiteX2" y="connsiteY2"/>
+                </a:cxn>
+                <a:cxn ang="0">
+                  <a:pos x="connsiteX3" y="connsiteY3"/>
+                </a:cxn>
+                <a:cxn ang="0">
+                  <a:pos x="connsiteX4" y="connsiteY4"/>
+                </a:cxn>
+                <a:cxn ang="0">
+                  <a:pos x="connsiteX5" y="connsiteY5"/>
+                </a:cxn>
+                <a:cxn ang="0">
+                  <a:pos x="connsiteX6" y="connsiteY6"/>
+                </a:cxn>
+                <a:cxn ang="0">
+                  <a:pos x="connsiteX7" y="connsiteY7"/>
+                </a:cxn>
+                <a:cxn ang="0">
+                  <a:pos x="connsiteX8" y="connsiteY8"/>
+                </a:cxn>
+                <a:cxn ang="0">
+                  <a:pos x="connsiteX9" y="connsiteY9"/>
+                </a:cxn>
+                <a:cxn ang="0">
+                  <a:pos x="connsiteX10" y="connsiteY10"/>
+                </a:cxn>
+                <a:cxn ang="0">
+                  <a:pos x="connsiteX11" y="connsiteY11"/>
+                </a:cxn>
+                <a:cxn ang="0">
+                  <a:pos x="connsiteX12" y="connsiteY12"/>
+                </a:cxn>
+                <a:cxn ang="0">
+                  <a:pos x="connsiteX13" y="connsiteY13"/>
+                </a:cxn>
+                <a:cxn ang="0">
+                  <a:pos x="connsiteX14" y="connsiteY14"/>
+                </a:cxn>
+                <a:cxn ang="0">
+                  <a:pos x="connsiteX15" y="connsiteY15"/>
+                </a:cxn>
+                <a:cxn ang="0">
+                  <a:pos x="connsiteX16" y="connsiteY16"/>
+                </a:cxn>
+              </a:cxnLst>
+              <a:rect l="l" t="t" r="r" b="b"/>
+              <a:pathLst>
+                <a:path w="171515" h="171515">
+                  <a:moveTo>
+                    <a:pt x="159874" y="74116"/>
+                  </a:moveTo>
+                  <a:lnTo>
+                    <a:pt x="97399" y="74116"/>
+                  </a:lnTo>
+                  <a:lnTo>
+                    <a:pt x="97399" y="11641"/>
+                  </a:lnTo>
+                  <a:cubicBezTo>
+                    <a:pt x="97399" y="5212"/>
+                    <a:pt x="92187" y="0"/>
+                    <a:pt x="85758" y="0"/>
+                  </a:cubicBezTo>
+                  <a:cubicBezTo>
+                    <a:pt x="79328" y="0"/>
+                    <a:pt x="74116" y="5212"/>
+                    <a:pt x="74116" y="11641"/>
+                  </a:cubicBezTo>
+                  <a:lnTo>
+                    <a:pt x="74116" y="74116"/>
+                  </a:lnTo>
+                  <a:lnTo>
+                    <a:pt x="11641" y="74116"/>
+                  </a:lnTo>
+                  <a:cubicBezTo>
+                    <a:pt x="5212" y="74116"/>
+                    <a:pt x="0" y="79328"/>
+                    <a:pt x="0" y="85758"/>
+                  </a:cubicBezTo>
+                  <a:cubicBezTo>
+                    <a:pt x="0" y="92187"/>
+                    <a:pt x="5212" y="97399"/>
+                    <a:pt x="11641" y="97399"/>
+                  </a:cubicBezTo>
+                  <a:lnTo>
+                    <a:pt x="74116" y="97399"/>
+                  </a:lnTo>
+                  <a:lnTo>
+                    <a:pt x="74116" y="159874"/>
+                  </a:lnTo>
+                  <a:cubicBezTo>
+                    <a:pt x="74116" y="166303"/>
+                    <a:pt x="79328" y="171515"/>
+                    <a:pt x="85758" y="171515"/>
+                  </a:cubicBezTo>
+                  <a:cubicBezTo>
+                    <a:pt x="92187" y="171515"/>
+                    <a:pt x="97399" y="166303"/>
+                    <a:pt x="97399" y="159874"/>
+                  </a:cubicBezTo>
+                  <a:lnTo>
+                    <a:pt x="97399" y="97399"/>
+                  </a:lnTo>
+                  <a:lnTo>
+                    <a:pt x="159874" y="97399"/>
+                  </a:lnTo>
+                  <a:cubicBezTo>
+                    <a:pt x="166303" y="97399"/>
+                    <a:pt x="171515" y="92187"/>
+                    <a:pt x="171515" y="85758"/>
+                  </a:cubicBezTo>
+                  <a:cubicBezTo>
+                    <a:pt x="171515" y="79328"/>
+                    <a:pt x="166303" y="74116"/>
+                    <a:pt x="159874" y="74116"/>
+                  </a:cubicBezTo>
+                  <a:close/>
+                </a:path>
+              </a:pathLst>
+            </a:custGeom>
+            <a:grpFill/>
+            <a:ln w="776" cap="flat">
+              <a:noFill/>
+              <a:prstDash val="solid"/>
+              <a:miter/>
+            </a:ln>
+          </p:spPr>
+          <p:txBody>
+            <a:bodyPr rtlCol="0" anchor="ctr"/>
+            <a:lstStyle/>
+            <a:p>
+              <a:endParaRPr lang="en-US"/>
+            </a:p>
+          </p:txBody>
+        </p:sp>
+        <p:sp>
+          <p:nvSpPr>
+            <p:cNvPr id="14" name="Graphic 10">
+              <a:extLst>
+                <a:ext uri="{FF2B5EF4-FFF2-40B4-BE49-F238E27FC236}">
+                  <a16:creationId xmlns:a16="http://schemas.microsoft.com/office/drawing/2014/main" id="{E3020543-B24B-4EC4-8FFC-8DD88EEA91A8}"/>
+                </a:ext>
+                <a:ext uri="{C183D7F6-B498-43B3-948B-1728B52AA6E4}">
+                  <adec:decorative xmlns:adec="http://schemas.microsoft.com/office/drawing/2017/decorative" val="1"/>
+                </a:ext>
+              </a:extLst>
+            </p:cNvPr>
+            <p:cNvSpPr/>
+            <p:nvPr>
+              <p:extLst>
+                <p:ext uri="{386F3935-93C4-4BCD-93E2-E3B085C9AB24}">
+                  <p16:designElem xmlns:p16="http://schemas.microsoft.com/office/powerpoint/2015/main" val="1"/>
+                </p:ext>
+              </p:extLst>
+            </p:nvPr>
+          </p:nvSpPr>
+          <p:spPr>
+            <a:xfrm>
+              <a:off x="1075643" y="837005"/>
+              <a:ext cx="112426" cy="112426"/>
+            </a:xfrm>
+            <a:custGeom>
+              <a:avLst/>
+              <a:gdLst>
+                <a:gd name="connsiteX0" fmla="*/ 112426 w 112426"/>
+                <a:gd name="connsiteY0" fmla="*/ 56213 h 112426"/>
+                <a:gd name="connsiteX1" fmla="*/ 56213 w 112426"/>
+                <a:gd name="connsiteY1" fmla="*/ 112426 h 112426"/>
+                <a:gd name="connsiteX2" fmla="*/ 0 w 112426"/>
+                <a:gd name="connsiteY2" fmla="*/ 56213 h 112426"/>
+                <a:gd name="connsiteX3" fmla="*/ 56213 w 112426"/>
+                <a:gd name="connsiteY3" fmla="*/ 0 h 112426"/>
+                <a:gd name="connsiteX4" fmla="*/ 112426 w 112426"/>
+                <a:gd name="connsiteY4" fmla="*/ 56213 h 112426"/>
+              </a:gdLst>
+              <a:ahLst/>
+              <a:cxnLst>
+                <a:cxn ang="0">
+                  <a:pos x="connsiteX0" y="connsiteY0"/>
+                </a:cxn>
+                <a:cxn ang="0">
+                  <a:pos x="connsiteX1" y="connsiteY1"/>
+                </a:cxn>
+                <a:cxn ang="0">
+                  <a:pos x="connsiteX2" y="connsiteY2"/>
+                </a:cxn>
+                <a:cxn ang="0">
+                  <a:pos x="connsiteX3" y="connsiteY3"/>
+                </a:cxn>
+                <a:cxn ang="0">
+                  <a:pos x="connsiteX4" y="connsiteY4"/>
+                </a:cxn>
+              </a:cxnLst>
+              <a:rect l="l" t="t" r="r" b="b"/>
+              <a:pathLst>
+                <a:path w="112426" h="112426">
+                  <a:moveTo>
+                    <a:pt x="112426" y="56213"/>
+                  </a:moveTo>
+                  <a:cubicBezTo>
+                    <a:pt x="112426" y="87259"/>
+                    <a:pt x="87259" y="112426"/>
+                    <a:pt x="56213" y="112426"/>
+                  </a:cubicBezTo>
+                  <a:cubicBezTo>
+                    <a:pt x="25167" y="112426"/>
+                    <a:pt x="0" y="87259"/>
+                    <a:pt x="0" y="56213"/>
+                  </a:cubicBezTo>
+                  <a:cubicBezTo>
+                    <a:pt x="0" y="25167"/>
+                    <a:pt x="25167" y="0"/>
+                    <a:pt x="56213" y="0"/>
+                  </a:cubicBezTo>
+                  <a:cubicBezTo>
+                    <a:pt x="87259" y="0"/>
+                    <a:pt x="112426" y="25167"/>
+                    <a:pt x="112426" y="56213"/>
+                  </a:cubicBezTo>
+                  <a:close/>
+                </a:path>
+              </a:pathLst>
+            </a:custGeom>
+            <a:grpFill/>
+            <a:ln w="516" cap="flat">
+              <a:noFill/>
+              <a:prstDash val="solid"/>
+              <a:miter/>
+            </a:ln>
+          </p:spPr>
+          <p:txBody>
+            <a:bodyPr rtlCol="0" anchor="ctr"/>
+            <a:lstStyle/>
+            <a:p>
+              <a:endParaRPr lang="en-US"/>
+            </a:p>
+          </p:txBody>
+        </p:sp>
+        <p:sp>
+          <p:nvSpPr>
+            <p:cNvPr id="15" name="Graphic 12">
+              <a:extLst>
+                <a:ext uri="{FF2B5EF4-FFF2-40B4-BE49-F238E27FC236}">
+                  <a16:creationId xmlns:a16="http://schemas.microsoft.com/office/drawing/2014/main" id="{1453BF6C-B012-48B7-B4E8-6D7AC7C27D02}"/>
+                </a:ext>
+                <a:ext uri="{C183D7F6-B498-43B3-948B-1728B52AA6E4}">
+                  <adec:decorative xmlns:adec="http://schemas.microsoft.com/office/drawing/2017/decorative" val="1"/>
+                </a:ext>
+              </a:extLst>
+            </p:cNvPr>
+            <p:cNvSpPr/>
+            <p:nvPr>
+              <p:extLst>
+                <p:ext uri="{386F3935-93C4-4BCD-93E2-E3B085C9AB24}">
+                  <p16:designElem xmlns:p16="http://schemas.microsoft.com/office/powerpoint/2015/main" val="1"/>
+                </p:ext>
+              </p:extLst>
+            </p:nvPr>
+          </p:nvSpPr>
+          <p:spPr>
+            <a:xfrm>
+              <a:off x="613892" y="1472473"/>
+              <a:ext cx="157545" cy="157545"/>
+            </a:xfrm>
+            <a:custGeom>
+              <a:avLst/>
+              <a:gdLst>
+                <a:gd name="connsiteX0" fmla="*/ 78773 w 157545"/>
+                <a:gd name="connsiteY0" fmla="*/ 23283 h 157545"/>
+                <a:gd name="connsiteX1" fmla="*/ 134262 w 157545"/>
+                <a:gd name="connsiteY1" fmla="*/ 78773 h 157545"/>
+                <a:gd name="connsiteX2" fmla="*/ 78773 w 157545"/>
+                <a:gd name="connsiteY2" fmla="*/ 134262 h 157545"/>
+                <a:gd name="connsiteX3" fmla="*/ 23283 w 157545"/>
+                <a:gd name="connsiteY3" fmla="*/ 78773 h 157545"/>
+                <a:gd name="connsiteX4" fmla="*/ 78773 w 157545"/>
+                <a:gd name="connsiteY4" fmla="*/ 23283 h 157545"/>
+                <a:gd name="connsiteX5" fmla="*/ 78773 w 157545"/>
+                <a:gd name="connsiteY5" fmla="*/ 0 h 157545"/>
+                <a:gd name="connsiteX6" fmla="*/ 0 w 157545"/>
+                <a:gd name="connsiteY6" fmla="*/ 78773 h 157545"/>
+                <a:gd name="connsiteX7" fmla="*/ 78773 w 157545"/>
+                <a:gd name="connsiteY7" fmla="*/ 157545 h 157545"/>
+                <a:gd name="connsiteX8" fmla="*/ 157545 w 157545"/>
+                <a:gd name="connsiteY8" fmla="*/ 78773 h 157545"/>
+                <a:gd name="connsiteX9" fmla="*/ 78773 w 157545"/>
+                <a:gd name="connsiteY9" fmla="*/ 0 h 157545"/>
+              </a:gdLst>
+              <a:ahLst/>
+              <a:cxnLst>
+                <a:cxn ang="0">
+                  <a:pos x="connsiteX0" y="connsiteY0"/>
+                </a:cxn>
+                <a:cxn ang="0">
+                  <a:pos x="connsiteX1" y="connsiteY1"/>
+                </a:cxn>
+                <a:cxn ang="0">
+                  <a:pos x="connsiteX2" y="connsiteY2"/>
+                </a:cxn>
+                <a:cxn ang="0">
+                  <a:pos x="connsiteX3" y="connsiteY3"/>
+                </a:cxn>
+                <a:cxn ang="0">
+                  <a:pos x="connsiteX4" y="connsiteY4"/>
+                </a:cxn>
+                <a:cxn ang="0">
+                  <a:pos x="connsiteX5" y="connsiteY5"/>
+                </a:cxn>
+                <a:cxn ang="0">
+                  <a:pos x="connsiteX6" y="connsiteY6"/>
+                </a:cxn>
+                <a:cxn ang="0">
+                  <a:pos x="connsiteX7" y="connsiteY7"/>
+                </a:cxn>
+                <a:cxn ang="0">
+                  <a:pos x="connsiteX8" y="connsiteY8"/>
+                </a:cxn>
+                <a:cxn ang="0">
+                  <a:pos x="connsiteX9" y="connsiteY9"/>
+                </a:cxn>
+              </a:cxnLst>
+              <a:rect l="l" t="t" r="r" b="b"/>
+              <a:pathLst>
+                <a:path w="157545" h="157545">
+                  <a:moveTo>
+                    <a:pt x="78773" y="23283"/>
+                  </a:moveTo>
+                  <a:cubicBezTo>
+                    <a:pt x="109419" y="23283"/>
+                    <a:pt x="134262" y="48126"/>
+                    <a:pt x="134262" y="78773"/>
+                  </a:cubicBezTo>
+                  <a:cubicBezTo>
+                    <a:pt x="134262" y="109419"/>
+                    <a:pt x="109419" y="134262"/>
+                    <a:pt x="78773" y="134262"/>
+                  </a:cubicBezTo>
+                  <a:cubicBezTo>
+                    <a:pt x="48126" y="134262"/>
+                    <a:pt x="23283" y="109419"/>
+                    <a:pt x="23283" y="78773"/>
+                  </a:cubicBezTo>
+                  <a:cubicBezTo>
+                    <a:pt x="23312" y="48139"/>
+                    <a:pt x="48139" y="23312"/>
+                    <a:pt x="78773" y="23283"/>
+                  </a:cubicBezTo>
+                  <a:moveTo>
+                    <a:pt x="78773" y="0"/>
+                  </a:moveTo>
+                  <a:cubicBezTo>
+                    <a:pt x="35268" y="0"/>
+                    <a:pt x="0" y="35268"/>
+                    <a:pt x="0" y="78773"/>
+                  </a:cubicBezTo>
+                  <a:cubicBezTo>
+                    <a:pt x="0" y="122277"/>
+                    <a:pt x="35268" y="157545"/>
+                    <a:pt x="78773" y="157545"/>
+                  </a:cubicBezTo>
+                  <a:cubicBezTo>
+                    <a:pt x="122277" y="157545"/>
+                    <a:pt x="157545" y="122277"/>
+                    <a:pt x="157545" y="78773"/>
+                  </a:cubicBezTo>
+                  <a:cubicBezTo>
+                    <a:pt x="157545" y="35268"/>
+                    <a:pt x="122277" y="0"/>
+                    <a:pt x="78773" y="0"/>
+                  </a:cubicBezTo>
+                  <a:close/>
+                </a:path>
+              </a:pathLst>
+            </a:custGeom>
+            <a:grpFill/>
+            <a:ln w="751" cap="flat">
+              <a:noFill/>
+              <a:prstDash val="solid"/>
+              <a:miter/>
+            </a:ln>
+          </p:spPr>
+          <p:txBody>
+            <a:bodyPr rtlCol="0" anchor="ctr"/>
+            <a:lstStyle/>
+            <a:p>
+              <a:endParaRPr lang="en-US"/>
+            </a:p>
+          </p:txBody>
+        </p:sp>
+      </p:grpSp>
       <p:sp>
         <p:nvSpPr>
           <p:cNvPr id="3" name="Content Placeholder 2"/>
@@ -3289,16 +5961,29 @@
             <p:ph idx="1"/>
           </p:nvPr>
         </p:nvSpPr>
-        <p:spPr/>
-        <p:txBody>
-          <a:bodyPr/>
+        <p:spPr>
+          <a:xfrm>
+            <a:off x="4722924" y="388800"/>
+            <a:ext cx="3578706" cy="4378461"/>
+          </a:xfrm>
+        </p:spPr>
+        <p:txBody>
+          <a:bodyPr anchor="ctr">
+            <a:normAutofit/>
+          </a:bodyPr>
           <a:lstStyle/>
           <a:p>
-            <a:pPr lvl="0" indent="0" marL="0">
+            <a:pPr marL="0" lvl="0" indent="0">
               <a:buNone/>
             </a:pPr>
             <a:r>
-              <a:rPr/>
+              <a:rPr lang="en-US" sz="1500">
+                <a:solidFill>
+                  <a:schemeClr val="tx1">
+                    <a:alpha val="80000"/>
+                  </a:schemeClr>
+                </a:solidFill>
+              </a:rPr>
               <a:t>You can include R code in the document as follows:</a:t>
             </a:r>
           </a:p>
@@ -3307,19 +5992,15 @@
               <a:buNone/>
             </a:pPr>
             <a:r>
-              <a:rPr>
+              <a:rPr lang="en-US" sz="1500">
                 <a:solidFill>
-                  <a:srgbClr val="06287E"/>
+                  <a:schemeClr val="tx1">
+                    <a:alpha val="80000"/>
+                  </a:schemeClr>
                 </a:solidFill>
                 <a:latin typeface="Courier"/>
               </a:rPr>
-              <a:t>summary</a:t>
-            </a:r>
-            <a:r>
-              <a:rPr>
-                <a:latin typeface="Courier"/>
-              </a:rPr>
-              <a:t>(cars)</a:t>
+              <a:t>summary(cars)</a:t>
             </a:r>
           </a:p>
           <a:p>
@@ -3327,7 +6008,12 @@
               <a:buNone/>
             </a:pPr>
             <a:r>
-              <a:rPr>
+              <a:rPr lang="en-US" sz="1500">
+                <a:solidFill>
+                  <a:schemeClr val="tx1">
+                    <a:alpha val="80000"/>
+                  </a:schemeClr>
+                </a:solidFill>
                 <a:latin typeface="Courier"/>
               </a:rPr>
               <a:t>##      speed           dist       
@@ -3341,14 +6027,87 @@
           </a:p>
         </p:txBody>
       </p:sp>
+      <p:cxnSp>
+        <p:nvCxnSpPr>
+          <p:cNvPr id="17" name="Straight Connector 16">
+            <a:extLst>
+              <a:ext uri="{FF2B5EF4-FFF2-40B4-BE49-F238E27FC236}">
+                <a16:creationId xmlns:a16="http://schemas.microsoft.com/office/drawing/2014/main" id="{C49DA8F6-BCC1-4447-B54C-57856834B94B}"/>
+              </a:ext>
+              <a:ext uri="{C183D7F6-B498-43B3-948B-1728B52AA6E4}">
+                <adec:decorative xmlns:adec="http://schemas.microsoft.com/office/drawing/2017/decorative" val="1"/>
+              </a:ext>
+            </a:extLst>
+          </p:cNvPr>
+          <p:cNvCxnSpPr>
+            <a:cxnSpLocks noGrp="1" noRot="1" noChangeAspect="1" noMove="1" noResize="1" noEditPoints="1" noAdjustHandles="1" noChangeArrowheads="1" noChangeShapeType="1"/>
+          </p:cNvCxnSpPr>
+          <p:nvPr>
+            <p:extLst>
+              <p:ext uri="{386F3935-93C4-4BCD-93E2-E3B085C9AB24}">
+                <p16:designElem xmlns:p16="http://schemas.microsoft.com/office/powerpoint/2015/main" val="1"/>
+              </p:ext>
+            </p:extLst>
+          </p:nvPr>
+        </p:nvCxnSpPr>
+        <p:spPr>
+          <a:xfrm>
+            <a:off x="8689621" y="2707795"/>
+            <a:ext cx="0" cy="2429046"/>
+          </a:xfrm>
+          <a:prstGeom prst="line">
+            <a:avLst/>
+          </a:prstGeom>
+          <a:ln w="25400" cap="sq">
+            <a:gradFill flip="none" rotWithShape="1">
+              <a:gsLst>
+                <a:gs pos="0">
+                  <a:schemeClr val="accent1"/>
+                </a:gs>
+                <a:gs pos="100000">
+                  <a:schemeClr val="accent2"/>
+                </a:gs>
+              </a:gsLst>
+              <a:lin ang="5400000" scaled="0"/>
+              <a:tileRect/>
+            </a:gradFill>
+            <a:bevel/>
+          </a:ln>
+        </p:spPr>
+        <p:style>
+          <a:lnRef idx="1">
+            <a:schemeClr val="accent1"/>
+          </a:lnRef>
+          <a:fillRef idx="0">
+            <a:schemeClr val="accent1"/>
+          </a:fillRef>
+          <a:effectRef idx="0">
+            <a:schemeClr val="accent1"/>
+          </a:effectRef>
+          <a:fontRef idx="minor">
+            <a:schemeClr val="tx1"/>
+          </a:fontRef>
+        </p:style>
+      </p:cxnSp>
     </p:spTree>
   </p:cSld>
+  <p:clrMapOvr>
+    <a:masterClrMapping/>
+  </p:clrMapOvr>
 </p:sld>
 </file>
 
 <file path=ppt/slides/slide4.xml><?xml version="1.0" encoding="utf-8"?>
 <p:sld xmlns:a="http://schemas.openxmlformats.org/drawingml/2006/main" xmlns:r="http://schemas.openxmlformats.org/officeDocument/2006/relationships" xmlns:p="http://schemas.openxmlformats.org/presentationml/2006/main">
   <p:cSld>
+    <p:bg>
+      <p:bgPr>
+        <a:solidFill>
+          <a:schemeClr val="bg1"/>
+        </a:solidFill>
+        <a:effectLst/>
+      </p:bgPr>
+    </p:bg>
     <p:spTree>
       <p:nvGrpSpPr>
         <p:cNvPr id="1" name=""/>
@@ -3363,31 +6122,178 @@
           <a:chExt cx="0" cy="0"/>
         </a:xfrm>
       </p:grpSpPr>
-      <p:sp>
-        <p:nvSpPr>
-          <p:cNvPr id="2" name="Title 1"/>
-          <p:cNvSpPr>
-            <a:spLocks noGrp="1"/>
-          </p:cNvSpPr>
-          <p:nvPr>
-            <p:ph type="title"/>
+      <p:sp useBgFill="1">
+        <p:nvSpPr>
+          <p:cNvPr id="9" name="Rectangle 8">
+            <a:extLst>
+              <a:ext uri="{FF2B5EF4-FFF2-40B4-BE49-F238E27FC236}">
+                <a16:creationId xmlns:a16="http://schemas.microsoft.com/office/drawing/2014/main" id="{F575A102-D95D-4D6E-8F1B-49EED0AEC65C}"/>
+              </a:ext>
+              <a:ext uri="{C183D7F6-B498-43B3-948B-1728B52AA6E4}">
+                <adec:decorative xmlns:adec="http://schemas.microsoft.com/office/drawing/2017/decorative" val="1"/>
+              </a:ext>
+            </a:extLst>
+          </p:cNvPr>
+          <p:cNvSpPr>
+            <a:spLocks noGrp="1" noRot="1" noChangeAspect="1" noMove="1" noResize="1" noEditPoints="1" noAdjustHandles="1" noChangeArrowheads="1" noChangeShapeType="1" noTextEdit="1"/>
+          </p:cNvSpPr>
+          <p:nvPr>
+            <p:extLst>
+              <p:ext uri="{386F3935-93C4-4BCD-93E2-E3B085C9AB24}">
+                <p16:designElem xmlns:p16="http://schemas.microsoft.com/office/powerpoint/2015/main" val="1"/>
+              </p:ext>
+            </p:extLst>
           </p:nvPr>
         </p:nvSpPr>
         <p:spPr>
           <a:xfrm>
-            <a:off x="457201" y="204787"/>
-            <a:ext cx="3008313" cy="871538"/>
+            <a:off x="0" y="0"/>
+            <a:ext cx="9144000" cy="5143500"/>
+          </a:xfrm>
+          <a:prstGeom prst="rect">
+            <a:avLst/>
+          </a:prstGeom>
+          <a:ln>
+            <a:noFill/>
+          </a:ln>
+        </p:spPr>
+        <p:style>
+          <a:lnRef idx="2">
+            <a:schemeClr val="accent1">
+              <a:shade val="50000"/>
+            </a:schemeClr>
+          </a:lnRef>
+          <a:fillRef idx="1">
+            <a:schemeClr val="accent1"/>
+          </a:fillRef>
+          <a:effectRef idx="0">
+            <a:schemeClr val="accent1"/>
+          </a:effectRef>
+          <a:fontRef idx="minor">
+            <a:schemeClr val="lt1"/>
+          </a:fontRef>
+        </p:style>
+        <p:txBody>
+          <a:bodyPr rtlCol="0" anchor="ctr"/>
+          <a:lstStyle/>
+          <a:p>
+            <a:pPr algn="ctr"/>
+            <a:endParaRPr lang="en-US"/>
+          </a:p>
+        </p:txBody>
+      </p:sp>
+      <p:sp>
+        <p:nvSpPr>
+          <p:cNvPr id="11" name="Rectangle 10">
+            <a:extLst>
+              <a:ext uri="{FF2B5EF4-FFF2-40B4-BE49-F238E27FC236}">
+                <a16:creationId xmlns:a16="http://schemas.microsoft.com/office/drawing/2014/main" id="{158B3569-73B2-4D05-8E95-886A6EE17F1F}"/>
+              </a:ext>
+              <a:ext uri="{C183D7F6-B498-43B3-948B-1728B52AA6E4}">
+                <adec:decorative xmlns:adec="http://schemas.microsoft.com/office/drawing/2017/decorative" val="1"/>
+              </a:ext>
+            </a:extLst>
+          </p:cNvPr>
+          <p:cNvSpPr>
+            <a:spLocks noGrp="1" noRot="1" noChangeAspect="1" noMove="1" noResize="1" noEditPoints="1" noAdjustHandles="1" noChangeArrowheads="1" noChangeShapeType="1" noTextEdit="1"/>
+          </p:cNvSpPr>
+          <p:nvPr>
+            <p:extLst>
+              <p:ext uri="{386F3935-93C4-4BCD-93E2-E3B085C9AB24}">
+                <p16:designElem xmlns:p16="http://schemas.microsoft.com/office/powerpoint/2015/main" val="1"/>
+              </p:ext>
+            </p:extLst>
+          </p:nvPr>
+        </p:nvSpPr>
+        <p:spPr>
+          <a:xfrm>
+            <a:off x="0" y="0"/>
+            <a:ext cx="9144000" cy="5143500"/>
+          </a:xfrm>
+          <a:prstGeom prst="rect">
+            <a:avLst/>
+          </a:prstGeom>
+          <a:gradFill flip="none" rotWithShape="1">
+            <a:gsLst>
+              <a:gs pos="0">
+                <a:schemeClr val="accent1"/>
+              </a:gs>
+              <a:gs pos="100000">
+                <a:schemeClr val="accent2"/>
+              </a:gs>
+            </a:gsLst>
+            <a:lin ang="2700000" scaled="1"/>
+            <a:tileRect/>
+          </a:gradFill>
+          <a:ln>
+            <a:noFill/>
+          </a:ln>
+        </p:spPr>
+        <p:style>
+          <a:lnRef idx="2">
+            <a:schemeClr val="accent1">
+              <a:shade val="50000"/>
+            </a:schemeClr>
+          </a:lnRef>
+          <a:fillRef idx="1">
+            <a:schemeClr val="accent1"/>
+          </a:fillRef>
+          <a:effectRef idx="0">
+            <a:schemeClr val="accent1"/>
+          </a:effectRef>
+          <a:fontRef idx="minor">
+            <a:schemeClr val="lt1"/>
+          </a:fontRef>
+        </p:style>
+        <p:txBody>
+          <a:bodyPr rtlCol="0" anchor="ctr"/>
+          <a:lstStyle/>
+          <a:p>
+            <a:pPr algn="ctr"/>
+            <a:endParaRPr lang="en-US">
+              <a:solidFill>
+                <a:srgbClr val="FFFFFF"/>
+              </a:solidFill>
+            </a:endParaRPr>
+          </a:p>
+        </p:txBody>
+      </p:sp>
+      <p:sp>
+        <p:nvSpPr>
+          <p:cNvPr id="2" name="Title 1"/>
+          <p:cNvSpPr>
+            <a:spLocks noGrp="1"/>
+          </p:cNvSpPr>
+          <p:nvPr>
+            <p:ph type="title"/>
+          </p:nvPr>
+        </p:nvSpPr>
+        <p:spPr>
+          <a:xfrm>
+            <a:off x="594869" y="1032859"/>
+            <a:ext cx="3057345" cy="2719663"/>
           </a:xfrm>
         </p:spPr>
         <p:txBody>
-          <a:bodyPr/>
+          <a:bodyPr vert="horz" lIns="91440" tIns="45720" rIns="91440" bIns="45720" rtlCol="0" anchor="b">
+            <a:normAutofit/>
+          </a:bodyPr>
           <a:lstStyle/>
           <a:p>
-            <a:pPr lvl="0" indent="0" marL="0">
-              <a:buNone/>
+            <a:pPr marL="0" lvl="0" indent="0" algn="r" defTabSz="914400">
+              <a:lnSpc>
+                <a:spcPct val="90000"/>
+              </a:lnSpc>
             </a:pPr>
             <a:r>
-              <a:rPr/>
+              <a:rPr lang="en-US" sz="5600" kern="1200">
+                <a:solidFill>
+                  <a:srgbClr val="FFFFFF"/>
+                </a:solidFill>
+                <a:latin typeface="+mj-lt"/>
+                <a:ea typeface="+mj-ea"/>
+                <a:cs typeface="+mj-cs"/>
+              </a:rPr>
               <a:t>Including Plots</a:t>
             </a:r>
           </a:p>
@@ -3400,19 +6306,38 @@
             <a:spLocks noGrp="1"/>
           </p:cNvSpPr>
           <p:nvPr>
-            <p:ph idx="2" sz="half" type="body"/>
-          </p:nvPr>
-        </p:nvSpPr>
-        <p:spPr/>
-        <p:txBody>
-          <a:bodyPr/>
+            <p:ph type="body" sz="half" idx="2"/>
+          </p:nvPr>
+        </p:nvSpPr>
+        <p:spPr>
+          <a:xfrm>
+            <a:off x="594869" y="3877839"/>
+            <a:ext cx="3057343" cy="742648"/>
+          </a:xfrm>
+        </p:spPr>
+        <p:txBody>
+          <a:bodyPr vert="horz" lIns="91440" tIns="45720" rIns="91440" bIns="45720" rtlCol="0">
+            <a:normAutofit/>
+          </a:bodyPr>
           <a:lstStyle/>
           <a:p>
-            <a:pPr lvl="0" indent="0" marL="0">
-              <a:buNone/>
+            <a:pPr lvl="0" algn="r" defTabSz="914400">
+              <a:lnSpc>
+                <a:spcPct val="90000"/>
+              </a:lnSpc>
+              <a:spcBef>
+                <a:spcPts val="1000"/>
+              </a:spcBef>
             </a:pPr>
             <a:r>
-              <a:rPr/>
+              <a:rPr lang="en-US" sz="1500" kern="1200">
+                <a:solidFill>
+                  <a:srgbClr val="FFFFFF"/>
+                </a:solidFill>
+                <a:latin typeface="+mn-lt"/>
+                <a:ea typeface="+mn-ea"/>
+                <a:cs typeface="+mn-cs"/>
+              </a:rPr>
               <a:t>You can also embed plots, for example:</a:t>
             </a:r>
           </a:p>
@@ -3420,42 +6345,611 @@
       </p:sp>
       <p:pic>
         <p:nvPicPr>
-          <p:cNvPr descr="Healthcare-Scenario-Healthy-Living-and-Wellness-Clustering-Exercise_files/figure-pptx/pressure-1.png" id="0" name="Picture 1"/>
+          <p:cNvPr id="3" name="Picture 1" descr="Healthcare-Scenario-Healthy-Living-and-Wellness-Clustering-Exercise_files/figure-pptx/pressure-1.png"/>
           <p:cNvPicPr>
             <a:picLocks noGrp="1" noChangeAspect="1"/>
           </p:cNvPicPr>
           <p:nvPr/>
         </p:nvPicPr>
         <p:blipFill>
-          <a:blip r:embed="rId2"/>
+          <a:blip r:embed="rId2">
+            <a:alphaModFix/>
+          </a:blip>
           <a:stretch>
             <a:fillRect/>
           </a:stretch>
         </p:blipFill>
         <p:spPr bwMode="auto">
           <a:xfrm>
-            <a:off x="3568700" y="355600"/>
-            <a:ext cx="5105400" cy="4089400"/>
+            <a:off x="4133416" y="611249"/>
+            <a:ext cx="4605579" cy="3684464"/>
           </a:xfrm>
           <a:prstGeom prst="rect">
             <a:avLst/>
           </a:prstGeom>
           <a:noFill/>
-          <a:ln w="9525">
-            <a:noFill/>
-            <a:headEnd/>
-            <a:tailEnd/>
+        </p:spPr>
+      </p:pic>
+      <p:grpSp>
+        <p:nvGrpSpPr>
+          <p:cNvPr id="13" name="Group 12">
+            <a:extLst>
+              <a:ext uri="{FF2B5EF4-FFF2-40B4-BE49-F238E27FC236}">
+                <a16:creationId xmlns:a16="http://schemas.microsoft.com/office/drawing/2014/main" id="{CF0FFF1F-79B6-4A13-A464-070CD6F896AF}"/>
+              </a:ext>
+              <a:ext uri="{C183D7F6-B498-43B3-948B-1728B52AA6E4}">
+                <adec:decorative xmlns:adec="http://schemas.microsoft.com/office/drawing/2017/decorative" val="1"/>
+              </a:ext>
+            </a:extLst>
+          </p:cNvPr>
+          <p:cNvGrpSpPr>
+            <a:grpSpLocks noGrp="1" noUngrp="1" noRot="1" noChangeAspect="1" noMove="1" noResize="1"/>
+          </p:cNvGrpSpPr>
+          <p:nvPr>
+            <p:extLst>
+              <p:ext uri="{386F3935-93C4-4BCD-93E2-E3B085C9AB24}">
+                <p16:designElem xmlns:p16="http://schemas.microsoft.com/office/powerpoint/2015/main" val="1"/>
+              </p:ext>
+            </p:extLst>
+          </p:nvPr>
+        </p:nvGrpSpPr>
+        <p:grpSpPr>
+          <a:xfrm>
+            <a:off x="8206625" y="611248"/>
+            <a:ext cx="349093" cy="436075"/>
+            <a:chOff x="10942198" y="814999"/>
+            <a:chExt cx="465458" cy="581435"/>
+          </a:xfrm>
+          <a:solidFill>
+            <a:srgbClr val="FFFFFF"/>
+          </a:solidFill>
+        </p:grpSpPr>
+        <p:sp>
+          <p:nvSpPr>
+            <p:cNvPr id="14" name="Graphic 17">
+              <a:extLst>
+                <a:ext uri="{FF2B5EF4-FFF2-40B4-BE49-F238E27FC236}">
+                  <a16:creationId xmlns:a16="http://schemas.microsoft.com/office/drawing/2014/main" id="{B71758F4-3F46-45DA-8AC5-4E508DA080BA}"/>
+                </a:ext>
+                <a:ext uri="{C183D7F6-B498-43B3-948B-1728B52AA6E4}">
+                  <adec:decorative xmlns:adec="http://schemas.microsoft.com/office/drawing/2017/decorative" val="1"/>
+                </a:ext>
+              </a:extLst>
+            </p:cNvPr>
+            <p:cNvSpPr/>
+            <p:nvPr>
+              <p:extLst>
+                <p:ext uri="{386F3935-93C4-4BCD-93E2-E3B085C9AB24}">
+                  <p16:designElem xmlns:p16="http://schemas.microsoft.com/office/powerpoint/2015/main" val="1"/>
+                </p:ext>
+              </p:extLst>
+            </p:nvPr>
+          </p:nvSpPr>
+          <p:spPr>
+            <a:xfrm>
+              <a:off x="10957738" y="814999"/>
+              <a:ext cx="139039" cy="139039"/>
+            </a:xfrm>
+            <a:custGeom>
+              <a:avLst/>
+              <a:gdLst>
+                <a:gd name="connsiteX0" fmla="*/ 129602 w 139039"/>
+                <a:gd name="connsiteY0" fmla="*/ 60082 h 139039"/>
+                <a:gd name="connsiteX1" fmla="*/ 78957 w 139039"/>
+                <a:gd name="connsiteY1" fmla="*/ 60082 h 139039"/>
+                <a:gd name="connsiteX2" fmla="*/ 78957 w 139039"/>
+                <a:gd name="connsiteY2" fmla="*/ 9437 h 139039"/>
+                <a:gd name="connsiteX3" fmla="*/ 69520 w 139039"/>
+                <a:gd name="connsiteY3" fmla="*/ 0 h 139039"/>
+                <a:gd name="connsiteX4" fmla="*/ 60082 w 139039"/>
+                <a:gd name="connsiteY4" fmla="*/ 9437 h 139039"/>
+                <a:gd name="connsiteX5" fmla="*/ 60082 w 139039"/>
+                <a:gd name="connsiteY5" fmla="*/ 60082 h 139039"/>
+                <a:gd name="connsiteX6" fmla="*/ 9437 w 139039"/>
+                <a:gd name="connsiteY6" fmla="*/ 60082 h 139039"/>
+                <a:gd name="connsiteX7" fmla="*/ 0 w 139039"/>
+                <a:gd name="connsiteY7" fmla="*/ 69520 h 139039"/>
+                <a:gd name="connsiteX8" fmla="*/ 9437 w 139039"/>
+                <a:gd name="connsiteY8" fmla="*/ 78957 h 139039"/>
+                <a:gd name="connsiteX9" fmla="*/ 60082 w 139039"/>
+                <a:gd name="connsiteY9" fmla="*/ 78957 h 139039"/>
+                <a:gd name="connsiteX10" fmla="*/ 60082 w 139039"/>
+                <a:gd name="connsiteY10" fmla="*/ 129602 h 139039"/>
+                <a:gd name="connsiteX11" fmla="*/ 69520 w 139039"/>
+                <a:gd name="connsiteY11" fmla="*/ 139039 h 139039"/>
+                <a:gd name="connsiteX12" fmla="*/ 78957 w 139039"/>
+                <a:gd name="connsiteY12" fmla="*/ 129602 h 139039"/>
+                <a:gd name="connsiteX13" fmla="*/ 78957 w 139039"/>
+                <a:gd name="connsiteY13" fmla="*/ 78957 h 139039"/>
+                <a:gd name="connsiteX14" fmla="*/ 129602 w 139039"/>
+                <a:gd name="connsiteY14" fmla="*/ 78957 h 139039"/>
+                <a:gd name="connsiteX15" fmla="*/ 139039 w 139039"/>
+                <a:gd name="connsiteY15" fmla="*/ 69520 h 139039"/>
+                <a:gd name="connsiteX16" fmla="*/ 129602 w 139039"/>
+                <a:gd name="connsiteY16" fmla="*/ 60082 h 139039"/>
+              </a:gdLst>
+              <a:ahLst/>
+              <a:cxnLst>
+                <a:cxn ang="0">
+                  <a:pos x="connsiteX0" y="connsiteY0"/>
+                </a:cxn>
+                <a:cxn ang="0">
+                  <a:pos x="connsiteX1" y="connsiteY1"/>
+                </a:cxn>
+                <a:cxn ang="0">
+                  <a:pos x="connsiteX2" y="connsiteY2"/>
+                </a:cxn>
+                <a:cxn ang="0">
+                  <a:pos x="connsiteX3" y="connsiteY3"/>
+                </a:cxn>
+                <a:cxn ang="0">
+                  <a:pos x="connsiteX4" y="connsiteY4"/>
+                </a:cxn>
+                <a:cxn ang="0">
+                  <a:pos x="connsiteX5" y="connsiteY5"/>
+                </a:cxn>
+                <a:cxn ang="0">
+                  <a:pos x="connsiteX6" y="connsiteY6"/>
+                </a:cxn>
+                <a:cxn ang="0">
+                  <a:pos x="connsiteX7" y="connsiteY7"/>
+                </a:cxn>
+                <a:cxn ang="0">
+                  <a:pos x="connsiteX8" y="connsiteY8"/>
+                </a:cxn>
+                <a:cxn ang="0">
+                  <a:pos x="connsiteX9" y="connsiteY9"/>
+                </a:cxn>
+                <a:cxn ang="0">
+                  <a:pos x="connsiteX10" y="connsiteY10"/>
+                </a:cxn>
+                <a:cxn ang="0">
+                  <a:pos x="connsiteX11" y="connsiteY11"/>
+                </a:cxn>
+                <a:cxn ang="0">
+                  <a:pos x="connsiteX12" y="connsiteY12"/>
+                </a:cxn>
+                <a:cxn ang="0">
+                  <a:pos x="connsiteX13" y="connsiteY13"/>
+                </a:cxn>
+                <a:cxn ang="0">
+                  <a:pos x="connsiteX14" y="connsiteY14"/>
+                </a:cxn>
+                <a:cxn ang="0">
+                  <a:pos x="connsiteX15" y="connsiteY15"/>
+                </a:cxn>
+                <a:cxn ang="0">
+                  <a:pos x="connsiteX16" y="connsiteY16"/>
+                </a:cxn>
+              </a:cxnLst>
+              <a:rect l="l" t="t" r="r" b="b"/>
+              <a:pathLst>
+                <a:path w="139039" h="139039">
+                  <a:moveTo>
+                    <a:pt x="129602" y="60082"/>
+                  </a:moveTo>
+                  <a:lnTo>
+                    <a:pt x="78957" y="60082"/>
+                  </a:lnTo>
+                  <a:lnTo>
+                    <a:pt x="78957" y="9437"/>
+                  </a:lnTo>
+                  <a:cubicBezTo>
+                    <a:pt x="78957" y="4225"/>
+                    <a:pt x="74731" y="0"/>
+                    <a:pt x="69520" y="0"/>
+                  </a:cubicBezTo>
+                  <a:cubicBezTo>
+                    <a:pt x="64308" y="0"/>
+                    <a:pt x="60082" y="4225"/>
+                    <a:pt x="60082" y="9437"/>
+                  </a:cubicBezTo>
+                  <a:lnTo>
+                    <a:pt x="60082" y="60082"/>
+                  </a:lnTo>
+                  <a:lnTo>
+                    <a:pt x="9437" y="60082"/>
+                  </a:lnTo>
+                  <a:cubicBezTo>
+                    <a:pt x="4225" y="60082"/>
+                    <a:pt x="0" y="64308"/>
+                    <a:pt x="0" y="69520"/>
+                  </a:cubicBezTo>
+                  <a:cubicBezTo>
+                    <a:pt x="0" y="74731"/>
+                    <a:pt x="4225" y="78957"/>
+                    <a:pt x="9437" y="78957"/>
+                  </a:cubicBezTo>
+                  <a:lnTo>
+                    <a:pt x="60082" y="78957"/>
+                  </a:lnTo>
+                  <a:lnTo>
+                    <a:pt x="60082" y="129602"/>
+                  </a:lnTo>
+                  <a:cubicBezTo>
+                    <a:pt x="60082" y="134814"/>
+                    <a:pt x="64308" y="139039"/>
+                    <a:pt x="69520" y="139039"/>
+                  </a:cubicBezTo>
+                  <a:cubicBezTo>
+                    <a:pt x="74731" y="139039"/>
+                    <a:pt x="78957" y="134814"/>
+                    <a:pt x="78957" y="129602"/>
+                  </a:cubicBezTo>
+                  <a:lnTo>
+                    <a:pt x="78957" y="78957"/>
+                  </a:lnTo>
+                  <a:lnTo>
+                    <a:pt x="129602" y="78957"/>
+                  </a:lnTo>
+                  <a:cubicBezTo>
+                    <a:pt x="134814" y="78957"/>
+                    <a:pt x="139039" y="74731"/>
+                    <a:pt x="139039" y="69520"/>
+                  </a:cubicBezTo>
+                  <a:cubicBezTo>
+                    <a:pt x="139039" y="64308"/>
+                    <a:pt x="134814" y="60082"/>
+                    <a:pt x="129602" y="60082"/>
+                  </a:cubicBezTo>
+                  <a:close/>
+                </a:path>
+              </a:pathLst>
+            </a:custGeom>
+            <a:grpFill/>
+            <a:ln w="603" cap="flat">
+              <a:noFill/>
+              <a:prstDash val="solid"/>
+              <a:miter/>
+            </a:ln>
+          </p:spPr>
+          <p:txBody>
+            <a:bodyPr rtlCol="0" anchor="ctr"/>
+            <a:lstStyle/>
+            <a:p>
+              <a:endParaRPr lang="en-US">
+                <a:solidFill>
+                  <a:srgbClr val="FFFFFF"/>
+                </a:solidFill>
+              </a:endParaRPr>
+            </a:p>
+          </p:txBody>
+        </p:sp>
+        <p:sp>
+          <p:nvSpPr>
+            <p:cNvPr id="15" name="Graphic 15">
+              <a:extLst>
+                <a:ext uri="{FF2B5EF4-FFF2-40B4-BE49-F238E27FC236}">
+                  <a16:creationId xmlns:a16="http://schemas.microsoft.com/office/drawing/2014/main" id="{8550FED7-7C32-42BB-98DB-30272A6331A9}"/>
+                </a:ext>
+                <a:ext uri="{C183D7F6-B498-43B3-948B-1728B52AA6E4}">
+                  <adec:decorative xmlns:adec="http://schemas.microsoft.com/office/drawing/2017/decorative" val="1"/>
+                </a:ext>
+              </a:extLst>
+            </p:cNvPr>
+            <p:cNvSpPr/>
+            <p:nvPr>
+              <p:extLst>
+                <p:ext uri="{386F3935-93C4-4BCD-93E2-E3B085C9AB24}">
+                  <p16:designElem xmlns:p16="http://schemas.microsoft.com/office/powerpoint/2015/main" val="1"/>
+                </p:ext>
+              </p:extLst>
+            </p:nvPr>
+          </p:nvSpPr>
+          <p:spPr>
+            <a:xfrm>
+              <a:off x="11316518" y="1044294"/>
+              <a:ext cx="91138" cy="91138"/>
+            </a:xfrm>
+            <a:custGeom>
+              <a:avLst/>
+              <a:gdLst>
+                <a:gd name="connsiteX0" fmla="*/ 91138 w 91138"/>
+                <a:gd name="connsiteY0" fmla="*/ 45569 h 91138"/>
+                <a:gd name="connsiteX1" fmla="*/ 45569 w 91138"/>
+                <a:gd name="connsiteY1" fmla="*/ 91138 h 91138"/>
+                <a:gd name="connsiteX2" fmla="*/ 0 w 91138"/>
+                <a:gd name="connsiteY2" fmla="*/ 45569 h 91138"/>
+                <a:gd name="connsiteX3" fmla="*/ 45569 w 91138"/>
+                <a:gd name="connsiteY3" fmla="*/ 0 h 91138"/>
+                <a:gd name="connsiteX4" fmla="*/ 91138 w 91138"/>
+                <a:gd name="connsiteY4" fmla="*/ 45569 h 91138"/>
+              </a:gdLst>
+              <a:ahLst/>
+              <a:cxnLst>
+                <a:cxn ang="0">
+                  <a:pos x="connsiteX0" y="connsiteY0"/>
+                </a:cxn>
+                <a:cxn ang="0">
+                  <a:pos x="connsiteX1" y="connsiteY1"/>
+                </a:cxn>
+                <a:cxn ang="0">
+                  <a:pos x="connsiteX2" y="connsiteY2"/>
+                </a:cxn>
+                <a:cxn ang="0">
+                  <a:pos x="connsiteX3" y="connsiteY3"/>
+                </a:cxn>
+                <a:cxn ang="0">
+                  <a:pos x="connsiteX4" y="connsiteY4"/>
+                </a:cxn>
+              </a:cxnLst>
+              <a:rect l="l" t="t" r="r" b="b"/>
+              <a:pathLst>
+                <a:path w="91138" h="91138">
+                  <a:moveTo>
+                    <a:pt x="91138" y="45569"/>
+                  </a:moveTo>
+                  <a:cubicBezTo>
+                    <a:pt x="91138" y="70736"/>
+                    <a:pt x="70736" y="91138"/>
+                    <a:pt x="45569" y="91138"/>
+                  </a:cubicBezTo>
+                  <a:cubicBezTo>
+                    <a:pt x="20402" y="91138"/>
+                    <a:pt x="0" y="70736"/>
+                    <a:pt x="0" y="45569"/>
+                  </a:cubicBezTo>
+                  <a:cubicBezTo>
+                    <a:pt x="0" y="20402"/>
+                    <a:pt x="20402" y="0"/>
+                    <a:pt x="45569" y="0"/>
+                  </a:cubicBezTo>
+                  <a:cubicBezTo>
+                    <a:pt x="70736" y="0"/>
+                    <a:pt x="91138" y="20402"/>
+                    <a:pt x="91138" y="45569"/>
+                  </a:cubicBezTo>
+                  <a:close/>
+                </a:path>
+              </a:pathLst>
+            </a:custGeom>
+            <a:grpFill/>
+            <a:ln w="422" cap="flat">
+              <a:noFill/>
+              <a:prstDash val="solid"/>
+              <a:miter/>
+            </a:ln>
+          </p:spPr>
+          <p:txBody>
+            <a:bodyPr rtlCol="0" anchor="ctr"/>
+            <a:lstStyle/>
+            <a:p>
+              <a:endParaRPr lang="en-US">
+                <a:solidFill>
+                  <a:srgbClr val="FFFFFF"/>
+                </a:solidFill>
+              </a:endParaRPr>
+            </a:p>
+          </p:txBody>
+        </p:sp>
+        <p:sp>
+          <p:nvSpPr>
+            <p:cNvPr id="16" name="Graphic 21">
+              <a:extLst>
+                <a:ext uri="{FF2B5EF4-FFF2-40B4-BE49-F238E27FC236}">
+                  <a16:creationId xmlns:a16="http://schemas.microsoft.com/office/drawing/2014/main" id="{8D61482F-F3C5-4D66-8C5D-C6BBE3E1275C}"/>
+                </a:ext>
+                <a:ext uri="{C183D7F6-B498-43B3-948B-1728B52AA6E4}">
+                  <adec:decorative xmlns:adec="http://schemas.microsoft.com/office/drawing/2017/decorative" val="1"/>
+                </a:ext>
+              </a:extLst>
+            </p:cNvPr>
+            <p:cNvSpPr/>
+            <p:nvPr>
+              <p:extLst>
+                <p:ext uri="{386F3935-93C4-4BCD-93E2-E3B085C9AB24}">
+                  <p16:designElem xmlns:p16="http://schemas.microsoft.com/office/powerpoint/2015/main" val="1"/>
+                </p:ext>
+              </p:extLst>
+            </p:nvPr>
+          </p:nvSpPr>
+          <p:spPr>
+            <a:xfrm>
+              <a:off x="10942198" y="1268720"/>
+              <a:ext cx="127714" cy="127714"/>
+            </a:xfrm>
+            <a:custGeom>
+              <a:avLst/>
+              <a:gdLst>
+                <a:gd name="connsiteX0" fmla="*/ 63857 w 127714"/>
+                <a:gd name="connsiteY0" fmla="*/ 18874 h 127714"/>
+                <a:gd name="connsiteX1" fmla="*/ 108840 w 127714"/>
+                <a:gd name="connsiteY1" fmla="*/ 63857 h 127714"/>
+                <a:gd name="connsiteX2" fmla="*/ 63857 w 127714"/>
+                <a:gd name="connsiteY2" fmla="*/ 108840 h 127714"/>
+                <a:gd name="connsiteX3" fmla="*/ 18874 w 127714"/>
+                <a:gd name="connsiteY3" fmla="*/ 63857 h 127714"/>
+                <a:gd name="connsiteX4" fmla="*/ 63857 w 127714"/>
+                <a:gd name="connsiteY4" fmla="*/ 18874 h 127714"/>
+                <a:gd name="connsiteX5" fmla="*/ 63857 w 127714"/>
+                <a:gd name="connsiteY5" fmla="*/ 0 h 127714"/>
+                <a:gd name="connsiteX6" fmla="*/ 0 w 127714"/>
+                <a:gd name="connsiteY6" fmla="*/ 63857 h 127714"/>
+                <a:gd name="connsiteX7" fmla="*/ 63857 w 127714"/>
+                <a:gd name="connsiteY7" fmla="*/ 127714 h 127714"/>
+                <a:gd name="connsiteX8" fmla="*/ 127714 w 127714"/>
+                <a:gd name="connsiteY8" fmla="*/ 63857 h 127714"/>
+                <a:gd name="connsiteX9" fmla="*/ 63857 w 127714"/>
+                <a:gd name="connsiteY9" fmla="*/ 0 h 127714"/>
+              </a:gdLst>
+              <a:ahLst/>
+              <a:cxnLst>
+                <a:cxn ang="0">
+                  <a:pos x="connsiteX0" y="connsiteY0"/>
+                </a:cxn>
+                <a:cxn ang="0">
+                  <a:pos x="connsiteX1" y="connsiteY1"/>
+                </a:cxn>
+                <a:cxn ang="0">
+                  <a:pos x="connsiteX2" y="connsiteY2"/>
+                </a:cxn>
+                <a:cxn ang="0">
+                  <a:pos x="connsiteX3" y="connsiteY3"/>
+                </a:cxn>
+                <a:cxn ang="0">
+                  <a:pos x="connsiteX4" y="connsiteY4"/>
+                </a:cxn>
+                <a:cxn ang="0">
+                  <a:pos x="connsiteX5" y="connsiteY5"/>
+                </a:cxn>
+                <a:cxn ang="0">
+                  <a:pos x="connsiteX6" y="connsiteY6"/>
+                </a:cxn>
+                <a:cxn ang="0">
+                  <a:pos x="connsiteX7" y="connsiteY7"/>
+                </a:cxn>
+                <a:cxn ang="0">
+                  <a:pos x="connsiteX8" y="connsiteY8"/>
+                </a:cxn>
+                <a:cxn ang="0">
+                  <a:pos x="connsiteX9" y="connsiteY9"/>
+                </a:cxn>
+              </a:cxnLst>
+              <a:rect l="l" t="t" r="r" b="b"/>
+              <a:pathLst>
+                <a:path w="127714" h="127714">
+                  <a:moveTo>
+                    <a:pt x="63857" y="18874"/>
+                  </a:moveTo>
+                  <a:cubicBezTo>
+                    <a:pt x="88700" y="18874"/>
+                    <a:pt x="108840" y="39014"/>
+                    <a:pt x="108840" y="63857"/>
+                  </a:cubicBezTo>
+                  <a:cubicBezTo>
+                    <a:pt x="108840" y="88700"/>
+                    <a:pt x="88700" y="108840"/>
+                    <a:pt x="63857" y="108840"/>
+                  </a:cubicBezTo>
+                  <a:cubicBezTo>
+                    <a:pt x="39014" y="108840"/>
+                    <a:pt x="18874" y="88700"/>
+                    <a:pt x="18874" y="63857"/>
+                  </a:cubicBezTo>
+                  <a:cubicBezTo>
+                    <a:pt x="18898" y="39024"/>
+                    <a:pt x="39024" y="18898"/>
+                    <a:pt x="63857" y="18874"/>
+                  </a:cubicBezTo>
+                  <a:moveTo>
+                    <a:pt x="63857" y="0"/>
+                  </a:moveTo>
+                  <a:cubicBezTo>
+                    <a:pt x="28590" y="0"/>
+                    <a:pt x="0" y="28590"/>
+                    <a:pt x="0" y="63857"/>
+                  </a:cubicBezTo>
+                  <a:cubicBezTo>
+                    <a:pt x="0" y="99124"/>
+                    <a:pt x="28590" y="127714"/>
+                    <a:pt x="63857" y="127714"/>
+                  </a:cubicBezTo>
+                  <a:cubicBezTo>
+                    <a:pt x="99124" y="127714"/>
+                    <a:pt x="127714" y="99124"/>
+                    <a:pt x="127714" y="63857"/>
+                  </a:cubicBezTo>
+                  <a:cubicBezTo>
+                    <a:pt x="127714" y="28590"/>
+                    <a:pt x="99124" y="0"/>
+                    <a:pt x="63857" y="0"/>
+                  </a:cubicBezTo>
+                  <a:close/>
+                </a:path>
+              </a:pathLst>
+            </a:custGeom>
+            <a:grpFill/>
+            <a:ln w="610" cap="flat">
+              <a:noFill/>
+              <a:prstDash val="solid"/>
+              <a:miter/>
+            </a:ln>
+          </p:spPr>
+          <p:txBody>
+            <a:bodyPr rtlCol="0" anchor="ctr"/>
+            <a:lstStyle/>
+            <a:p>
+              <a:endParaRPr lang="en-US">
+                <a:solidFill>
+                  <a:srgbClr val="FFFFFF"/>
+                </a:solidFill>
+              </a:endParaRPr>
+            </a:p>
+          </p:txBody>
+        </p:sp>
+      </p:grpSp>
+      <p:cxnSp>
+        <p:nvCxnSpPr>
+          <p:cNvPr id="18" name="Straight Connector 17">
+            <a:extLst>
+              <a:ext uri="{FF2B5EF4-FFF2-40B4-BE49-F238E27FC236}">
+                <a16:creationId xmlns:a16="http://schemas.microsoft.com/office/drawing/2014/main" id="{56020367-4FD5-4596-8E10-C5F095CD8DBF}"/>
+              </a:ext>
+              <a:ext uri="{C183D7F6-B498-43B3-948B-1728B52AA6E4}">
+                <adec:decorative xmlns:adec="http://schemas.microsoft.com/office/drawing/2017/decorative" val="1"/>
+              </a:ext>
+            </a:extLst>
+          </p:cNvPr>
+          <p:cNvCxnSpPr>
+            <a:cxnSpLocks noGrp="1" noRot="1" noChangeAspect="1" noMove="1" noResize="1" noEditPoints="1" noAdjustHandles="1" noChangeArrowheads="1" noChangeShapeType="1"/>
+          </p:cNvCxnSpPr>
+          <p:nvPr>
+            <p:extLst>
+              <p:ext uri="{386F3935-93C4-4BCD-93E2-E3B085C9AB24}">
+                <p16:designElem xmlns:p16="http://schemas.microsoft.com/office/powerpoint/2015/main" val="1"/>
+              </p:ext>
+            </p:extLst>
+          </p:nvPr>
+        </p:nvCxnSpPr>
+        <p:spPr>
+          <a:xfrm flipH="1">
+            <a:off x="621991" y="4705755"/>
+            <a:ext cx="8515350" cy="0"/>
+          </a:xfrm>
+          <a:prstGeom prst="line">
+            <a:avLst/>
+          </a:prstGeom>
+          <a:ln w="25400" cap="sq">
+            <a:solidFill>
+              <a:srgbClr val="FFFFFF"/>
+            </a:solidFill>
+            <a:bevel/>
           </a:ln>
         </p:spPr>
-      </p:pic>
+        <p:style>
+          <a:lnRef idx="1">
+            <a:schemeClr val="accent1"/>
+          </a:lnRef>
+          <a:fillRef idx="0">
+            <a:schemeClr val="accent1"/>
+          </a:fillRef>
+          <a:effectRef idx="0">
+            <a:schemeClr val="accent1"/>
+          </a:effectRef>
+          <a:fontRef idx="minor">
+            <a:schemeClr val="tx1"/>
+          </a:fontRef>
+        </p:style>
+      </p:cxnSp>
     </p:spTree>
   </p:cSld>
+  <p:clrMapOvr>
+    <a:masterClrMapping/>
+  </p:clrMapOvr>
 </p:sld>
 </file>
 
 <file path=ppt/slides/slide5.xml><?xml version="1.0" encoding="utf-8"?>
 <p:sld xmlns:a="http://schemas.openxmlformats.org/drawingml/2006/main" xmlns:r="http://schemas.openxmlformats.org/officeDocument/2006/relationships" xmlns:p="http://schemas.openxmlformats.org/presentationml/2006/main">
   <p:cSld>
+    <p:bg>
+      <p:bgPr>
+        <a:solidFill>
+          <a:schemeClr val="bg1"/>
+        </a:solidFill>
+        <a:effectLst/>
+      </p:bgPr>
+    </p:bg>
     <p:spTree>
       <p:nvGrpSpPr>
         <p:cNvPr id="1" name=""/>
@@ -3470,6 +6964,638 @@
           <a:chExt cx="0" cy="0"/>
         </a:xfrm>
       </p:grpSpPr>
+      <p:sp useBgFill="1">
+        <p:nvSpPr>
+          <p:cNvPr id="8" name="Rectangle 7">
+            <a:extLst>
+              <a:ext uri="{FF2B5EF4-FFF2-40B4-BE49-F238E27FC236}">
+                <a16:creationId xmlns:a16="http://schemas.microsoft.com/office/drawing/2014/main" id="{A2679492-7988-4050-9056-542444452411}"/>
+              </a:ext>
+              <a:ext uri="{C183D7F6-B498-43B3-948B-1728B52AA6E4}">
+                <adec:decorative xmlns:adec="http://schemas.microsoft.com/office/drawing/2017/decorative" val="1"/>
+              </a:ext>
+            </a:extLst>
+          </p:cNvPr>
+          <p:cNvSpPr>
+            <a:spLocks noGrp="1" noRot="1" noChangeAspect="1" noMove="1" noResize="1" noEditPoints="1" noAdjustHandles="1" noChangeArrowheads="1" noChangeShapeType="1" noTextEdit="1"/>
+          </p:cNvSpPr>
+          <p:nvPr>
+            <p:extLst>
+              <p:ext uri="{386F3935-93C4-4BCD-93E2-E3B085C9AB24}">
+                <p16:designElem xmlns:p16="http://schemas.microsoft.com/office/powerpoint/2015/main" val="1"/>
+              </p:ext>
+            </p:extLst>
+          </p:nvPr>
+        </p:nvSpPr>
+        <p:spPr>
+          <a:xfrm>
+            <a:off x="0" y="0"/>
+            <a:ext cx="9144000" cy="5143500"/>
+          </a:xfrm>
+          <a:prstGeom prst="rect">
+            <a:avLst/>
+          </a:prstGeom>
+          <a:ln>
+            <a:noFill/>
+          </a:ln>
+        </p:spPr>
+        <p:style>
+          <a:lnRef idx="2">
+            <a:schemeClr val="accent1">
+              <a:shade val="50000"/>
+            </a:schemeClr>
+          </a:lnRef>
+          <a:fillRef idx="1">
+            <a:schemeClr val="accent1"/>
+          </a:fillRef>
+          <a:effectRef idx="0">
+            <a:schemeClr val="accent1"/>
+          </a:effectRef>
+          <a:fontRef idx="minor">
+            <a:schemeClr val="lt1"/>
+          </a:fontRef>
+        </p:style>
+        <p:txBody>
+          <a:bodyPr rtlCol="0" anchor="ctr"/>
+          <a:lstStyle/>
+          <a:p>
+            <a:pPr algn="ctr"/>
+            <a:endParaRPr lang="en-US"/>
+          </a:p>
+        </p:txBody>
+      </p:sp>
+      <p:sp>
+        <p:nvSpPr>
+          <p:cNvPr id="10" name="Rectangle 9">
+            <a:extLst>
+              <a:ext uri="{FF2B5EF4-FFF2-40B4-BE49-F238E27FC236}">
+                <a16:creationId xmlns:a16="http://schemas.microsoft.com/office/drawing/2014/main" id="{B091B163-7D61-4891-ABCF-5C13D9C418D0}"/>
+              </a:ext>
+              <a:ext uri="{C183D7F6-B498-43B3-948B-1728B52AA6E4}">
+                <adec:decorative xmlns:adec="http://schemas.microsoft.com/office/drawing/2017/decorative" val="1"/>
+              </a:ext>
+            </a:extLst>
+          </p:cNvPr>
+          <p:cNvSpPr>
+            <a:spLocks noGrp="1" noRot="1" noChangeAspect="1" noMove="1" noResize="1" noEditPoints="1" noAdjustHandles="1" noChangeArrowheads="1" noChangeShapeType="1" noTextEdit="1"/>
+          </p:cNvSpPr>
+          <p:nvPr>
+            <p:extLst>
+              <p:ext uri="{386F3935-93C4-4BCD-93E2-E3B085C9AB24}">
+                <p16:designElem xmlns:p16="http://schemas.microsoft.com/office/powerpoint/2015/main" val="1"/>
+              </p:ext>
+            </p:extLst>
+          </p:nvPr>
+        </p:nvSpPr>
+        <p:spPr>
+          <a:xfrm>
+            <a:off x="0" y="0"/>
+            <a:ext cx="4334933" cy="5143500"/>
+          </a:xfrm>
+          <a:prstGeom prst="rect">
+            <a:avLst/>
+          </a:prstGeom>
+          <a:gradFill flip="none" rotWithShape="1">
+            <a:gsLst>
+              <a:gs pos="0">
+                <a:schemeClr val="accent1"/>
+              </a:gs>
+              <a:gs pos="100000">
+                <a:schemeClr val="accent2"/>
+              </a:gs>
+            </a:gsLst>
+            <a:lin ang="2700000" scaled="1"/>
+            <a:tileRect/>
+          </a:gradFill>
+          <a:ln>
+            <a:noFill/>
+          </a:ln>
+        </p:spPr>
+        <p:style>
+          <a:lnRef idx="2">
+            <a:schemeClr val="accent1">
+              <a:shade val="50000"/>
+            </a:schemeClr>
+          </a:lnRef>
+          <a:fillRef idx="1">
+            <a:schemeClr val="accent1"/>
+          </a:fillRef>
+          <a:effectRef idx="0">
+            <a:schemeClr val="accent1"/>
+          </a:effectRef>
+          <a:fontRef idx="minor">
+            <a:schemeClr val="lt1"/>
+          </a:fontRef>
+        </p:style>
+        <p:txBody>
+          <a:bodyPr rtlCol="0" anchor="ctr"/>
+          <a:lstStyle/>
+          <a:p>
+            <a:pPr algn="ctr"/>
+            <a:endParaRPr lang="en-US">
+              <a:solidFill>
+                <a:schemeClr val="tx1"/>
+              </a:solidFill>
+            </a:endParaRPr>
+          </a:p>
+        </p:txBody>
+      </p:sp>
+      <p:grpSp>
+        <p:nvGrpSpPr>
+          <p:cNvPr id="12" name="Group 11">
+            <a:extLst>
+              <a:ext uri="{FF2B5EF4-FFF2-40B4-BE49-F238E27FC236}">
+                <a16:creationId xmlns:a16="http://schemas.microsoft.com/office/drawing/2014/main" id="{0474DF76-993E-44DE-AFB0-C416182ACECF}"/>
+              </a:ext>
+              <a:ext uri="{C183D7F6-B498-43B3-948B-1728B52AA6E4}">
+                <adec:decorative xmlns:adec="http://schemas.microsoft.com/office/drawing/2017/decorative" val="1"/>
+              </a:ext>
+            </a:extLst>
+          </p:cNvPr>
+          <p:cNvGrpSpPr>
+            <a:grpSpLocks noGrp="1" noUngrp="1" noRot="1" noChangeAspect="1" noMove="1" noResize="1"/>
+          </p:cNvGrpSpPr>
+          <p:nvPr>
+            <p:extLst>
+              <p:ext uri="{386F3935-93C4-4BCD-93E2-E3B085C9AB24}">
+                <p16:designElem xmlns:p16="http://schemas.microsoft.com/office/powerpoint/2015/main" val="1"/>
+              </p:ext>
+            </p:extLst>
+          </p:nvPr>
+        </p:nvGrpSpPr>
+        <p:grpSpPr>
+          <a:xfrm>
+            <a:off x="460420" y="415613"/>
+            <a:ext cx="430632" cy="806899"/>
+            <a:chOff x="613892" y="554152"/>
+            <a:chExt cx="574177" cy="1075866"/>
+          </a:xfrm>
+          <a:solidFill>
+            <a:srgbClr val="FFFFFF"/>
+          </a:solidFill>
+        </p:grpSpPr>
+        <p:sp>
+          <p:nvSpPr>
+            <p:cNvPr id="13" name="Graphic 11">
+              <a:extLst>
+                <a:ext uri="{FF2B5EF4-FFF2-40B4-BE49-F238E27FC236}">
+                  <a16:creationId xmlns:a16="http://schemas.microsoft.com/office/drawing/2014/main" id="{6CB927A4-E432-4310-9CD5-E89FF5063179}"/>
+                </a:ext>
+                <a:ext uri="{C183D7F6-B498-43B3-948B-1728B52AA6E4}">
+                  <adec:decorative xmlns:adec="http://schemas.microsoft.com/office/drawing/2017/decorative" val="1"/>
+                </a:ext>
+              </a:extLst>
+            </p:cNvPr>
+            <p:cNvSpPr/>
+            <p:nvPr>
+              <p:extLst>
+                <p:ext uri="{386F3935-93C4-4BCD-93E2-E3B085C9AB24}">
+                  <p16:designElem xmlns:p16="http://schemas.microsoft.com/office/powerpoint/2015/main" val="1"/>
+                </p:ext>
+              </p:extLst>
+            </p:nvPr>
+          </p:nvSpPr>
+          <p:spPr>
+            <a:xfrm>
+              <a:off x="633061" y="554152"/>
+              <a:ext cx="171515" cy="171515"/>
+            </a:xfrm>
+            <a:custGeom>
+              <a:avLst/>
+              <a:gdLst>
+                <a:gd name="connsiteX0" fmla="*/ 159874 w 171515"/>
+                <a:gd name="connsiteY0" fmla="*/ 74116 h 171515"/>
+                <a:gd name="connsiteX1" fmla="*/ 97399 w 171515"/>
+                <a:gd name="connsiteY1" fmla="*/ 74116 h 171515"/>
+                <a:gd name="connsiteX2" fmla="*/ 97399 w 171515"/>
+                <a:gd name="connsiteY2" fmla="*/ 11641 h 171515"/>
+                <a:gd name="connsiteX3" fmla="*/ 85758 w 171515"/>
+                <a:gd name="connsiteY3" fmla="*/ 0 h 171515"/>
+                <a:gd name="connsiteX4" fmla="*/ 74116 w 171515"/>
+                <a:gd name="connsiteY4" fmla="*/ 11641 h 171515"/>
+                <a:gd name="connsiteX5" fmla="*/ 74116 w 171515"/>
+                <a:gd name="connsiteY5" fmla="*/ 74116 h 171515"/>
+                <a:gd name="connsiteX6" fmla="*/ 11641 w 171515"/>
+                <a:gd name="connsiteY6" fmla="*/ 74116 h 171515"/>
+                <a:gd name="connsiteX7" fmla="*/ 0 w 171515"/>
+                <a:gd name="connsiteY7" fmla="*/ 85758 h 171515"/>
+                <a:gd name="connsiteX8" fmla="*/ 11641 w 171515"/>
+                <a:gd name="connsiteY8" fmla="*/ 97399 h 171515"/>
+                <a:gd name="connsiteX9" fmla="*/ 74116 w 171515"/>
+                <a:gd name="connsiteY9" fmla="*/ 97399 h 171515"/>
+                <a:gd name="connsiteX10" fmla="*/ 74116 w 171515"/>
+                <a:gd name="connsiteY10" fmla="*/ 159874 h 171515"/>
+                <a:gd name="connsiteX11" fmla="*/ 85758 w 171515"/>
+                <a:gd name="connsiteY11" fmla="*/ 171515 h 171515"/>
+                <a:gd name="connsiteX12" fmla="*/ 97399 w 171515"/>
+                <a:gd name="connsiteY12" fmla="*/ 159874 h 171515"/>
+                <a:gd name="connsiteX13" fmla="*/ 97399 w 171515"/>
+                <a:gd name="connsiteY13" fmla="*/ 97399 h 171515"/>
+                <a:gd name="connsiteX14" fmla="*/ 159874 w 171515"/>
+                <a:gd name="connsiteY14" fmla="*/ 97399 h 171515"/>
+                <a:gd name="connsiteX15" fmla="*/ 171515 w 171515"/>
+                <a:gd name="connsiteY15" fmla="*/ 85758 h 171515"/>
+                <a:gd name="connsiteX16" fmla="*/ 159874 w 171515"/>
+                <a:gd name="connsiteY16" fmla="*/ 74116 h 171515"/>
+              </a:gdLst>
+              <a:ahLst/>
+              <a:cxnLst>
+                <a:cxn ang="0">
+                  <a:pos x="connsiteX0" y="connsiteY0"/>
+                </a:cxn>
+                <a:cxn ang="0">
+                  <a:pos x="connsiteX1" y="connsiteY1"/>
+                </a:cxn>
+                <a:cxn ang="0">
+                  <a:pos x="connsiteX2" y="connsiteY2"/>
+                </a:cxn>
+                <a:cxn ang="0">
+                  <a:pos x="connsiteX3" y="connsiteY3"/>
+                </a:cxn>
+                <a:cxn ang="0">
+                  <a:pos x="connsiteX4" y="connsiteY4"/>
+                </a:cxn>
+                <a:cxn ang="0">
+                  <a:pos x="connsiteX5" y="connsiteY5"/>
+                </a:cxn>
+                <a:cxn ang="0">
+                  <a:pos x="connsiteX6" y="connsiteY6"/>
+                </a:cxn>
+                <a:cxn ang="0">
+                  <a:pos x="connsiteX7" y="connsiteY7"/>
+                </a:cxn>
+                <a:cxn ang="0">
+                  <a:pos x="connsiteX8" y="connsiteY8"/>
+                </a:cxn>
+                <a:cxn ang="0">
+                  <a:pos x="connsiteX9" y="connsiteY9"/>
+                </a:cxn>
+                <a:cxn ang="0">
+                  <a:pos x="connsiteX10" y="connsiteY10"/>
+                </a:cxn>
+                <a:cxn ang="0">
+                  <a:pos x="connsiteX11" y="connsiteY11"/>
+                </a:cxn>
+                <a:cxn ang="0">
+                  <a:pos x="connsiteX12" y="connsiteY12"/>
+                </a:cxn>
+                <a:cxn ang="0">
+                  <a:pos x="connsiteX13" y="connsiteY13"/>
+                </a:cxn>
+                <a:cxn ang="0">
+                  <a:pos x="connsiteX14" y="connsiteY14"/>
+                </a:cxn>
+                <a:cxn ang="0">
+                  <a:pos x="connsiteX15" y="connsiteY15"/>
+                </a:cxn>
+                <a:cxn ang="0">
+                  <a:pos x="connsiteX16" y="connsiteY16"/>
+                </a:cxn>
+              </a:cxnLst>
+              <a:rect l="l" t="t" r="r" b="b"/>
+              <a:pathLst>
+                <a:path w="171515" h="171515">
+                  <a:moveTo>
+                    <a:pt x="159874" y="74116"/>
+                  </a:moveTo>
+                  <a:lnTo>
+                    <a:pt x="97399" y="74116"/>
+                  </a:lnTo>
+                  <a:lnTo>
+                    <a:pt x="97399" y="11641"/>
+                  </a:lnTo>
+                  <a:cubicBezTo>
+                    <a:pt x="97399" y="5212"/>
+                    <a:pt x="92187" y="0"/>
+                    <a:pt x="85758" y="0"/>
+                  </a:cubicBezTo>
+                  <a:cubicBezTo>
+                    <a:pt x="79328" y="0"/>
+                    <a:pt x="74116" y="5212"/>
+                    <a:pt x="74116" y="11641"/>
+                  </a:cubicBezTo>
+                  <a:lnTo>
+                    <a:pt x="74116" y="74116"/>
+                  </a:lnTo>
+                  <a:lnTo>
+                    <a:pt x="11641" y="74116"/>
+                  </a:lnTo>
+                  <a:cubicBezTo>
+                    <a:pt x="5212" y="74116"/>
+                    <a:pt x="0" y="79328"/>
+                    <a:pt x="0" y="85758"/>
+                  </a:cubicBezTo>
+                  <a:cubicBezTo>
+                    <a:pt x="0" y="92187"/>
+                    <a:pt x="5212" y="97399"/>
+                    <a:pt x="11641" y="97399"/>
+                  </a:cubicBezTo>
+                  <a:lnTo>
+                    <a:pt x="74116" y="97399"/>
+                  </a:lnTo>
+                  <a:lnTo>
+                    <a:pt x="74116" y="159874"/>
+                  </a:lnTo>
+                  <a:cubicBezTo>
+                    <a:pt x="74116" y="166303"/>
+                    <a:pt x="79328" y="171515"/>
+                    <a:pt x="85758" y="171515"/>
+                  </a:cubicBezTo>
+                  <a:cubicBezTo>
+                    <a:pt x="92187" y="171515"/>
+                    <a:pt x="97399" y="166303"/>
+                    <a:pt x="97399" y="159874"/>
+                  </a:cubicBezTo>
+                  <a:lnTo>
+                    <a:pt x="97399" y="97399"/>
+                  </a:lnTo>
+                  <a:lnTo>
+                    <a:pt x="159874" y="97399"/>
+                  </a:lnTo>
+                  <a:cubicBezTo>
+                    <a:pt x="166303" y="97399"/>
+                    <a:pt x="171515" y="92187"/>
+                    <a:pt x="171515" y="85758"/>
+                  </a:cubicBezTo>
+                  <a:cubicBezTo>
+                    <a:pt x="171515" y="79328"/>
+                    <a:pt x="166303" y="74116"/>
+                    <a:pt x="159874" y="74116"/>
+                  </a:cubicBezTo>
+                  <a:close/>
+                </a:path>
+              </a:pathLst>
+            </a:custGeom>
+            <a:grpFill/>
+            <a:ln w="776" cap="flat">
+              <a:noFill/>
+              <a:prstDash val="solid"/>
+              <a:miter/>
+            </a:ln>
+          </p:spPr>
+          <p:txBody>
+            <a:bodyPr rtlCol="0" anchor="ctr"/>
+            <a:lstStyle/>
+            <a:p>
+              <a:endParaRPr lang="en-US"/>
+            </a:p>
+          </p:txBody>
+        </p:sp>
+        <p:sp>
+          <p:nvSpPr>
+            <p:cNvPr id="14" name="Graphic 10">
+              <a:extLst>
+                <a:ext uri="{FF2B5EF4-FFF2-40B4-BE49-F238E27FC236}">
+                  <a16:creationId xmlns:a16="http://schemas.microsoft.com/office/drawing/2014/main" id="{E3020543-B24B-4EC4-8FFC-8DD88EEA91A8}"/>
+                </a:ext>
+                <a:ext uri="{C183D7F6-B498-43B3-948B-1728B52AA6E4}">
+                  <adec:decorative xmlns:adec="http://schemas.microsoft.com/office/drawing/2017/decorative" val="1"/>
+                </a:ext>
+              </a:extLst>
+            </p:cNvPr>
+            <p:cNvSpPr/>
+            <p:nvPr>
+              <p:extLst>
+                <p:ext uri="{386F3935-93C4-4BCD-93E2-E3B085C9AB24}">
+                  <p16:designElem xmlns:p16="http://schemas.microsoft.com/office/powerpoint/2015/main" val="1"/>
+                </p:ext>
+              </p:extLst>
+            </p:nvPr>
+          </p:nvSpPr>
+          <p:spPr>
+            <a:xfrm>
+              <a:off x="1075643" y="837005"/>
+              <a:ext cx="112426" cy="112426"/>
+            </a:xfrm>
+            <a:custGeom>
+              <a:avLst/>
+              <a:gdLst>
+                <a:gd name="connsiteX0" fmla="*/ 112426 w 112426"/>
+                <a:gd name="connsiteY0" fmla="*/ 56213 h 112426"/>
+                <a:gd name="connsiteX1" fmla="*/ 56213 w 112426"/>
+                <a:gd name="connsiteY1" fmla="*/ 112426 h 112426"/>
+                <a:gd name="connsiteX2" fmla="*/ 0 w 112426"/>
+                <a:gd name="connsiteY2" fmla="*/ 56213 h 112426"/>
+                <a:gd name="connsiteX3" fmla="*/ 56213 w 112426"/>
+                <a:gd name="connsiteY3" fmla="*/ 0 h 112426"/>
+                <a:gd name="connsiteX4" fmla="*/ 112426 w 112426"/>
+                <a:gd name="connsiteY4" fmla="*/ 56213 h 112426"/>
+              </a:gdLst>
+              <a:ahLst/>
+              <a:cxnLst>
+                <a:cxn ang="0">
+                  <a:pos x="connsiteX0" y="connsiteY0"/>
+                </a:cxn>
+                <a:cxn ang="0">
+                  <a:pos x="connsiteX1" y="connsiteY1"/>
+                </a:cxn>
+                <a:cxn ang="0">
+                  <a:pos x="connsiteX2" y="connsiteY2"/>
+                </a:cxn>
+                <a:cxn ang="0">
+                  <a:pos x="connsiteX3" y="connsiteY3"/>
+                </a:cxn>
+                <a:cxn ang="0">
+                  <a:pos x="connsiteX4" y="connsiteY4"/>
+                </a:cxn>
+              </a:cxnLst>
+              <a:rect l="l" t="t" r="r" b="b"/>
+              <a:pathLst>
+                <a:path w="112426" h="112426">
+                  <a:moveTo>
+                    <a:pt x="112426" y="56213"/>
+                  </a:moveTo>
+                  <a:cubicBezTo>
+                    <a:pt x="112426" y="87259"/>
+                    <a:pt x="87259" y="112426"/>
+                    <a:pt x="56213" y="112426"/>
+                  </a:cubicBezTo>
+                  <a:cubicBezTo>
+                    <a:pt x="25167" y="112426"/>
+                    <a:pt x="0" y="87259"/>
+                    <a:pt x="0" y="56213"/>
+                  </a:cubicBezTo>
+                  <a:cubicBezTo>
+                    <a:pt x="0" y="25167"/>
+                    <a:pt x="25167" y="0"/>
+                    <a:pt x="56213" y="0"/>
+                  </a:cubicBezTo>
+                  <a:cubicBezTo>
+                    <a:pt x="87259" y="0"/>
+                    <a:pt x="112426" y="25167"/>
+                    <a:pt x="112426" y="56213"/>
+                  </a:cubicBezTo>
+                  <a:close/>
+                </a:path>
+              </a:pathLst>
+            </a:custGeom>
+            <a:grpFill/>
+            <a:ln w="516" cap="flat">
+              <a:noFill/>
+              <a:prstDash val="solid"/>
+              <a:miter/>
+            </a:ln>
+          </p:spPr>
+          <p:txBody>
+            <a:bodyPr rtlCol="0" anchor="ctr"/>
+            <a:lstStyle/>
+            <a:p>
+              <a:endParaRPr lang="en-US"/>
+            </a:p>
+          </p:txBody>
+        </p:sp>
+        <p:sp>
+          <p:nvSpPr>
+            <p:cNvPr id="15" name="Graphic 12">
+              <a:extLst>
+                <a:ext uri="{FF2B5EF4-FFF2-40B4-BE49-F238E27FC236}">
+                  <a16:creationId xmlns:a16="http://schemas.microsoft.com/office/drawing/2014/main" id="{1453BF6C-B012-48B7-B4E8-6D7AC7C27D02}"/>
+                </a:ext>
+                <a:ext uri="{C183D7F6-B498-43B3-948B-1728B52AA6E4}">
+                  <adec:decorative xmlns:adec="http://schemas.microsoft.com/office/drawing/2017/decorative" val="1"/>
+                </a:ext>
+              </a:extLst>
+            </p:cNvPr>
+            <p:cNvSpPr/>
+            <p:nvPr>
+              <p:extLst>
+                <p:ext uri="{386F3935-93C4-4BCD-93E2-E3B085C9AB24}">
+                  <p16:designElem xmlns:p16="http://schemas.microsoft.com/office/powerpoint/2015/main" val="1"/>
+                </p:ext>
+              </p:extLst>
+            </p:nvPr>
+          </p:nvSpPr>
+          <p:spPr>
+            <a:xfrm>
+              <a:off x="613892" y="1472473"/>
+              <a:ext cx="157545" cy="157545"/>
+            </a:xfrm>
+            <a:custGeom>
+              <a:avLst/>
+              <a:gdLst>
+                <a:gd name="connsiteX0" fmla="*/ 78773 w 157545"/>
+                <a:gd name="connsiteY0" fmla="*/ 23283 h 157545"/>
+                <a:gd name="connsiteX1" fmla="*/ 134262 w 157545"/>
+                <a:gd name="connsiteY1" fmla="*/ 78773 h 157545"/>
+                <a:gd name="connsiteX2" fmla="*/ 78773 w 157545"/>
+                <a:gd name="connsiteY2" fmla="*/ 134262 h 157545"/>
+                <a:gd name="connsiteX3" fmla="*/ 23283 w 157545"/>
+                <a:gd name="connsiteY3" fmla="*/ 78773 h 157545"/>
+                <a:gd name="connsiteX4" fmla="*/ 78773 w 157545"/>
+                <a:gd name="connsiteY4" fmla="*/ 23283 h 157545"/>
+                <a:gd name="connsiteX5" fmla="*/ 78773 w 157545"/>
+                <a:gd name="connsiteY5" fmla="*/ 0 h 157545"/>
+                <a:gd name="connsiteX6" fmla="*/ 0 w 157545"/>
+                <a:gd name="connsiteY6" fmla="*/ 78773 h 157545"/>
+                <a:gd name="connsiteX7" fmla="*/ 78773 w 157545"/>
+                <a:gd name="connsiteY7" fmla="*/ 157545 h 157545"/>
+                <a:gd name="connsiteX8" fmla="*/ 157545 w 157545"/>
+                <a:gd name="connsiteY8" fmla="*/ 78773 h 157545"/>
+                <a:gd name="connsiteX9" fmla="*/ 78773 w 157545"/>
+                <a:gd name="connsiteY9" fmla="*/ 0 h 157545"/>
+              </a:gdLst>
+              <a:ahLst/>
+              <a:cxnLst>
+                <a:cxn ang="0">
+                  <a:pos x="connsiteX0" y="connsiteY0"/>
+                </a:cxn>
+                <a:cxn ang="0">
+                  <a:pos x="connsiteX1" y="connsiteY1"/>
+                </a:cxn>
+                <a:cxn ang="0">
+                  <a:pos x="connsiteX2" y="connsiteY2"/>
+                </a:cxn>
+                <a:cxn ang="0">
+                  <a:pos x="connsiteX3" y="connsiteY3"/>
+                </a:cxn>
+                <a:cxn ang="0">
+                  <a:pos x="connsiteX4" y="connsiteY4"/>
+                </a:cxn>
+                <a:cxn ang="0">
+                  <a:pos x="connsiteX5" y="connsiteY5"/>
+                </a:cxn>
+                <a:cxn ang="0">
+                  <a:pos x="connsiteX6" y="connsiteY6"/>
+                </a:cxn>
+                <a:cxn ang="0">
+                  <a:pos x="connsiteX7" y="connsiteY7"/>
+                </a:cxn>
+                <a:cxn ang="0">
+                  <a:pos x="connsiteX8" y="connsiteY8"/>
+                </a:cxn>
+                <a:cxn ang="0">
+                  <a:pos x="connsiteX9" y="connsiteY9"/>
+                </a:cxn>
+              </a:cxnLst>
+              <a:rect l="l" t="t" r="r" b="b"/>
+              <a:pathLst>
+                <a:path w="157545" h="157545">
+                  <a:moveTo>
+                    <a:pt x="78773" y="23283"/>
+                  </a:moveTo>
+                  <a:cubicBezTo>
+                    <a:pt x="109419" y="23283"/>
+                    <a:pt x="134262" y="48126"/>
+                    <a:pt x="134262" y="78773"/>
+                  </a:cubicBezTo>
+                  <a:cubicBezTo>
+                    <a:pt x="134262" y="109419"/>
+                    <a:pt x="109419" y="134262"/>
+                    <a:pt x="78773" y="134262"/>
+                  </a:cubicBezTo>
+                  <a:cubicBezTo>
+                    <a:pt x="48126" y="134262"/>
+                    <a:pt x="23283" y="109419"/>
+                    <a:pt x="23283" y="78773"/>
+                  </a:cubicBezTo>
+                  <a:cubicBezTo>
+                    <a:pt x="23312" y="48139"/>
+                    <a:pt x="48139" y="23312"/>
+                    <a:pt x="78773" y="23283"/>
+                  </a:cubicBezTo>
+                  <a:moveTo>
+                    <a:pt x="78773" y="0"/>
+                  </a:moveTo>
+                  <a:cubicBezTo>
+                    <a:pt x="35268" y="0"/>
+                    <a:pt x="0" y="35268"/>
+                    <a:pt x="0" y="78773"/>
+                  </a:cubicBezTo>
+                  <a:cubicBezTo>
+                    <a:pt x="0" y="122277"/>
+                    <a:pt x="35268" y="157545"/>
+                    <a:pt x="78773" y="157545"/>
+                  </a:cubicBezTo>
+                  <a:cubicBezTo>
+                    <a:pt x="122277" y="157545"/>
+                    <a:pt x="157545" y="122277"/>
+                    <a:pt x="157545" y="78773"/>
+                  </a:cubicBezTo>
+                  <a:cubicBezTo>
+                    <a:pt x="157545" y="35268"/>
+                    <a:pt x="122277" y="0"/>
+                    <a:pt x="78773" y="0"/>
+                  </a:cubicBezTo>
+                  <a:close/>
+                </a:path>
+              </a:pathLst>
+            </a:custGeom>
+            <a:grpFill/>
+            <a:ln w="751" cap="flat">
+              <a:noFill/>
+              <a:prstDash val="solid"/>
+              <a:miter/>
+            </a:ln>
+          </p:spPr>
+          <p:txBody>
+            <a:bodyPr rtlCol="0" anchor="ctr"/>
+            <a:lstStyle/>
+            <a:p>
+              <a:endParaRPr lang="en-US"/>
+            </a:p>
+          </p:txBody>
+        </p:sp>
+      </p:grpSp>
       <p:sp>
         <p:nvSpPr>
           <p:cNvPr id="3" name="Content Placeholder 2"/>
@@ -3480,38 +7606,134 @@
             <p:ph idx="1"/>
           </p:nvPr>
         </p:nvSpPr>
-        <p:spPr/>
-        <p:txBody>
-          <a:bodyPr/>
+        <p:spPr>
+          <a:xfrm>
+            <a:off x="4722924" y="388800"/>
+            <a:ext cx="3578706" cy="4378461"/>
+          </a:xfrm>
+        </p:spPr>
+        <p:txBody>
+          <a:bodyPr anchor="ctr">
+            <a:normAutofit/>
+          </a:bodyPr>
           <a:lstStyle/>
           <a:p>
-            <a:pPr lvl="0" indent="0" marL="0">
+            <a:pPr marL="0" lvl="0" indent="0">
               <a:buNone/>
             </a:pPr>
-          </a:p>
-          <a:p>
-            <a:pPr lvl="0" indent="0" marL="0">
+            <a:endParaRPr lang="en-US" sz="1500">
+              <a:solidFill>
+                <a:schemeClr val="tx1">
+                  <a:alpha val="80000"/>
+                </a:schemeClr>
+              </a:solidFill>
+            </a:endParaRPr>
+          </a:p>
+          <a:p>
+            <a:pPr marL="0" lvl="0" indent="0">
               <a:buNone/>
             </a:pPr>
             <a:r>
-              <a:rPr/>
+              <a:rPr lang="en-US" sz="1500">
+                <a:solidFill>
+                  <a:schemeClr val="tx1">
+                    <a:alpha val="80000"/>
+                  </a:schemeClr>
+                </a:solidFill>
+              </a:rPr>
               <a:t>Note that the </a:t>
             </a:r>
             <a:r>
-              <a:rPr>
+              <a:rPr lang="en-US" sz="1500">
+                <a:solidFill>
+                  <a:schemeClr val="tx1">
+                    <a:alpha val="80000"/>
+                  </a:schemeClr>
+                </a:solidFill>
                 <a:latin typeface="Courier"/>
               </a:rPr>
               <a:t>echo = FALSE</a:t>
             </a:r>
             <a:r>
-              <a:rPr/>
+              <a:rPr lang="en-US" sz="1500">
+                <a:solidFill>
+                  <a:schemeClr val="tx1">
+                    <a:alpha val="80000"/>
+                  </a:schemeClr>
+                </a:solidFill>
+              </a:rPr>
               <a:t> parameter was added to the code chunk to prevent printing of the R code that generated the plot.</a:t>
             </a:r>
           </a:p>
         </p:txBody>
       </p:sp>
+      <p:cxnSp>
+        <p:nvCxnSpPr>
+          <p:cNvPr id="17" name="Straight Connector 16">
+            <a:extLst>
+              <a:ext uri="{FF2B5EF4-FFF2-40B4-BE49-F238E27FC236}">
+                <a16:creationId xmlns:a16="http://schemas.microsoft.com/office/drawing/2014/main" id="{C49DA8F6-BCC1-4447-B54C-57856834B94B}"/>
+              </a:ext>
+              <a:ext uri="{C183D7F6-B498-43B3-948B-1728B52AA6E4}">
+                <adec:decorative xmlns:adec="http://schemas.microsoft.com/office/drawing/2017/decorative" val="1"/>
+              </a:ext>
+            </a:extLst>
+          </p:cNvPr>
+          <p:cNvCxnSpPr>
+            <a:cxnSpLocks noGrp="1" noRot="1" noChangeAspect="1" noMove="1" noResize="1" noEditPoints="1" noAdjustHandles="1" noChangeArrowheads="1" noChangeShapeType="1"/>
+          </p:cNvCxnSpPr>
+          <p:nvPr>
+            <p:extLst>
+              <p:ext uri="{386F3935-93C4-4BCD-93E2-E3B085C9AB24}">
+                <p16:designElem xmlns:p16="http://schemas.microsoft.com/office/powerpoint/2015/main" val="1"/>
+              </p:ext>
+            </p:extLst>
+          </p:nvPr>
+        </p:nvCxnSpPr>
+        <p:spPr>
+          <a:xfrm>
+            <a:off x="8689621" y="2707795"/>
+            <a:ext cx="0" cy="2429046"/>
+          </a:xfrm>
+          <a:prstGeom prst="line">
+            <a:avLst/>
+          </a:prstGeom>
+          <a:ln w="25400" cap="sq">
+            <a:gradFill flip="none" rotWithShape="1">
+              <a:gsLst>
+                <a:gs pos="0">
+                  <a:schemeClr val="accent1"/>
+                </a:gs>
+                <a:gs pos="100000">
+                  <a:schemeClr val="accent2"/>
+                </a:gs>
+              </a:gsLst>
+              <a:lin ang="5400000" scaled="0"/>
+              <a:tileRect/>
+            </a:gradFill>
+            <a:bevel/>
+          </a:ln>
+        </p:spPr>
+        <p:style>
+          <a:lnRef idx="1">
+            <a:schemeClr val="accent1"/>
+          </a:lnRef>
+          <a:fillRef idx="0">
+            <a:schemeClr val="accent1"/>
+          </a:fillRef>
+          <a:effectRef idx="0">
+            <a:schemeClr val="accent1"/>
+          </a:effectRef>
+          <a:fontRef idx="minor">
+            <a:schemeClr val="tx1"/>
+          </a:fontRef>
+        </p:style>
+      </p:cxnSp>
     </p:spTree>
   </p:cSld>
+  <p:clrMapOvr>
+    <a:masterClrMapping/>
+  </p:clrMapOvr>
 </p:sld>
 </file>
 
@@ -3833,265 +8055,4 @@
   </a:objectDefaults>
   <a:extraClrSchemeLst/>
 </a:theme>
-</file>
-
-<file path=ppt/theme/theme2.xml><?xml version="1.0" encoding="utf-8"?>
-<a:theme xmlns:a="http://schemas.openxmlformats.org/drawingml/2006/main" name="Office Theme">
-  <a:themeElements>
-    <a:clrScheme name="Office">
-      <a:dk1>
-        <a:sysClr val="windowText" lastClr="000000"/>
-      </a:dk1>
-      <a:lt1>
-        <a:sysClr val="window" lastClr="FFFFFF"/>
-      </a:lt1>
-      <a:dk2>
-        <a:srgbClr val="44546A"/>
-      </a:dk2>
-      <a:lt2>
-        <a:srgbClr val="E7E6E6"/>
-      </a:lt2>
-      <a:accent1>
-        <a:srgbClr val="5B9BD5"/>
-      </a:accent1>
-      <a:accent2>
-        <a:srgbClr val="ED7D31"/>
-      </a:accent2>
-      <a:accent3>
-        <a:srgbClr val="A5A5A5"/>
-      </a:accent3>
-      <a:accent4>
-        <a:srgbClr val="FFC000"/>
-      </a:accent4>
-      <a:accent5>
-        <a:srgbClr val="4472C4"/>
-      </a:accent5>
-      <a:accent6>
-        <a:srgbClr val="70AD47"/>
-      </a:accent6>
-      <a:hlink>
-        <a:srgbClr val="0563C1"/>
-      </a:hlink>
-      <a:folHlink>
-        <a:srgbClr val="954F72"/>
-      </a:folHlink>
-    </a:clrScheme>
-    <a:fontScheme name="Office">
-      <a:majorFont>
-        <a:latin typeface="Calibri Light" panose="020F0302020204030204"/>
-        <a:ea typeface=""/>
-        <a:cs typeface=""/>
-        <a:font script="Jpan" typeface="ＭＳ Ｐゴシック"/>
-        <a:font script="Hang" typeface="맑은 고딕"/>
-        <a:font script="Hans" typeface="宋体"/>
-        <a:font script="Hant" typeface="新細明體"/>
-        <a:font script="Arab" typeface="Times New Roman"/>
-        <a:font script="Hebr" typeface="Times New Roman"/>
-        <a:font script="Thai" typeface="Angsana New"/>
-        <a:font script="Ethi" typeface="Nyala"/>
-        <a:font script="Beng" typeface="Vrinda"/>
-        <a:font script="Gujr" typeface="Shruti"/>
-        <a:font script="Khmr" typeface="MoolBoran"/>
-        <a:font script="Knda" typeface="Tunga"/>
-        <a:font script="Guru" typeface="Raavi"/>
-        <a:font script="Cans" typeface="Euphemia"/>
-        <a:font script="Cher" typeface="Plantagenet Cherokee"/>
-        <a:font script="Yiii" typeface="Microsoft Yi Baiti"/>
-        <a:font script="Tibt" typeface="Microsoft Himalaya"/>
-        <a:font script="Thaa" typeface="MV Boli"/>
-        <a:font script="Deva" typeface="Mangal"/>
-        <a:font script="Telu" typeface="Gautami"/>
-        <a:font script="Taml" typeface="Latha"/>
-        <a:font script="Syrc" typeface="Estrangelo Edessa"/>
-        <a:font script="Orya" typeface="Kalinga"/>
-        <a:font script="Mlym" typeface="Kartika"/>
-        <a:font script="Laoo" typeface="DokChampa"/>
-        <a:font script="Sinh" typeface="Iskoola Pota"/>
-        <a:font script="Mong" typeface="Mongolian Baiti"/>
-        <a:font script="Viet" typeface="Times New Roman"/>
-        <a:font script="Uigh" typeface="Microsoft Uighur"/>
-        <a:font script="Geor" typeface="Sylfaen"/>
-      </a:majorFont>
-      <a:minorFont>
-        <a:latin typeface="Calibri" panose="020F0502020204030204"/>
-        <a:ea typeface=""/>
-        <a:cs typeface=""/>
-        <a:font script="Jpan" typeface="ＭＳ Ｐゴシック"/>
-        <a:font script="Hang" typeface="맑은 고딕"/>
-        <a:font script="Hans" typeface="宋体"/>
-        <a:font script="Hant" typeface="新細明體"/>
-        <a:font script="Arab" typeface="Arial"/>
-        <a:font script="Hebr" typeface="Arial"/>
-        <a:font script="Thai" typeface="Cordia New"/>
-        <a:font script="Ethi" typeface="Nyala"/>
-        <a:font script="Beng" typeface="Vrinda"/>
-        <a:font script="Gujr" typeface="Shruti"/>
-        <a:font script="Khmr" typeface="DaunPenh"/>
-        <a:font script="Knda" typeface="Tunga"/>
-        <a:font script="Guru" typeface="Raavi"/>
-        <a:font script="Cans" typeface="Euphemia"/>
-        <a:font script="Cher" typeface="Plantagenet Cherokee"/>
-        <a:font script="Yiii" typeface="Microsoft Yi Baiti"/>
-        <a:font script="Tibt" typeface="Microsoft Himalaya"/>
-        <a:font script="Thaa" typeface="MV Boli"/>
-        <a:font script="Deva" typeface="Mangal"/>
-        <a:font script="Telu" typeface="Gautami"/>
-        <a:font script="Taml" typeface="Latha"/>
-        <a:font script="Syrc" typeface="Estrangelo Edessa"/>
-        <a:font script="Orya" typeface="Kalinga"/>
-        <a:font script="Mlym" typeface="Kartika"/>
-        <a:font script="Laoo" typeface="DokChampa"/>
-        <a:font script="Sinh" typeface="Iskoola Pota"/>
-        <a:font script="Mong" typeface="Mongolian Baiti"/>
-        <a:font script="Viet" typeface="Arial"/>
-        <a:font script="Uigh" typeface="Microsoft Uighur"/>
-        <a:font script="Geor" typeface="Sylfaen"/>
-      </a:minorFont>
-    </a:fontScheme>
-    <a:fmtScheme name="Office">
-      <a:fillStyleLst>
-        <a:solidFill>
-          <a:schemeClr val="phClr"/>
-        </a:solidFill>
-        <a:gradFill rotWithShape="1">
-          <a:gsLst>
-            <a:gs pos="0">
-              <a:schemeClr val="phClr">
-                <a:lumMod val="110000"/>
-                <a:satMod val="105000"/>
-                <a:tint val="67000"/>
-              </a:schemeClr>
-            </a:gs>
-            <a:gs pos="50000">
-              <a:schemeClr val="phClr">
-                <a:lumMod val="105000"/>
-                <a:satMod val="103000"/>
-                <a:tint val="73000"/>
-              </a:schemeClr>
-            </a:gs>
-            <a:gs pos="100000">
-              <a:schemeClr val="phClr">
-                <a:lumMod val="105000"/>
-                <a:satMod val="109000"/>
-                <a:tint val="81000"/>
-              </a:schemeClr>
-            </a:gs>
-          </a:gsLst>
-          <a:lin ang="5400000" scaled="0"/>
-        </a:gradFill>
-        <a:gradFill rotWithShape="1">
-          <a:gsLst>
-            <a:gs pos="0">
-              <a:schemeClr val="phClr">
-                <a:satMod val="103000"/>
-                <a:lumMod val="102000"/>
-                <a:tint val="94000"/>
-              </a:schemeClr>
-            </a:gs>
-            <a:gs pos="50000">
-              <a:schemeClr val="phClr">
-                <a:satMod val="110000"/>
-                <a:lumMod val="100000"/>
-                <a:shade val="100000"/>
-              </a:schemeClr>
-            </a:gs>
-            <a:gs pos="100000">
-              <a:schemeClr val="phClr">
-                <a:lumMod val="99000"/>
-                <a:satMod val="120000"/>
-                <a:shade val="78000"/>
-              </a:schemeClr>
-            </a:gs>
-          </a:gsLst>
-          <a:lin ang="5400000" scaled="0"/>
-        </a:gradFill>
-      </a:fillStyleLst>
-      <a:lnStyleLst>
-        <a:ln w="6350" cap="flat" cmpd="sng" algn="ctr">
-          <a:solidFill>
-            <a:schemeClr val="phClr"/>
-          </a:solidFill>
-          <a:prstDash val="solid"/>
-          <a:miter lim="800000"/>
-        </a:ln>
-        <a:ln w="12700" cap="flat" cmpd="sng" algn="ctr">
-          <a:solidFill>
-            <a:schemeClr val="phClr"/>
-          </a:solidFill>
-          <a:prstDash val="solid"/>
-          <a:miter lim="800000"/>
-        </a:ln>
-        <a:ln w="19050" cap="flat" cmpd="sng" algn="ctr">
-          <a:solidFill>
-            <a:schemeClr val="phClr"/>
-          </a:solidFill>
-          <a:prstDash val="solid"/>
-          <a:miter lim="800000"/>
-        </a:ln>
-      </a:lnStyleLst>
-      <a:effectStyleLst>
-        <a:effectStyle>
-          <a:effectLst/>
-        </a:effectStyle>
-        <a:effectStyle>
-          <a:effectLst/>
-        </a:effectStyle>
-        <a:effectStyle>
-          <a:effectLst>
-            <a:outerShdw blurRad="57150" dist="19050" dir="5400000" algn="ctr" rotWithShape="0">
-              <a:srgbClr val="000000">
-                <a:alpha val="63000"/>
-              </a:srgbClr>
-            </a:outerShdw>
-          </a:effectLst>
-        </a:effectStyle>
-      </a:effectStyleLst>
-      <a:bgFillStyleLst>
-        <a:solidFill>
-          <a:schemeClr val="phClr"/>
-        </a:solidFill>
-        <a:solidFill>
-          <a:schemeClr val="phClr">
-            <a:tint val="95000"/>
-            <a:satMod val="170000"/>
-          </a:schemeClr>
-        </a:solidFill>
-        <a:gradFill rotWithShape="1">
-          <a:gsLst>
-            <a:gs pos="0">
-              <a:schemeClr val="phClr">
-                <a:tint val="93000"/>
-                <a:satMod val="150000"/>
-                <a:shade val="98000"/>
-                <a:lumMod val="102000"/>
-              </a:schemeClr>
-            </a:gs>
-            <a:gs pos="50000">
-              <a:schemeClr val="phClr">
-                <a:tint val="98000"/>
-                <a:satMod val="130000"/>
-                <a:shade val="90000"/>
-                <a:lumMod val="103000"/>
-              </a:schemeClr>
-            </a:gs>
-            <a:gs pos="100000">
-              <a:schemeClr val="phClr">
-                <a:shade val="63000"/>
-                <a:satMod val="120000"/>
-              </a:schemeClr>
-            </a:gs>
-          </a:gsLst>
-          <a:lin ang="5400000" scaled="0"/>
-        </a:gradFill>
-      </a:bgFillStyleLst>
-    </a:fmtScheme>
-  </a:themeElements>
-  <a:objectDefaults/>
-  <a:extraClrSchemeLst/>
-  <a:extLst>
-    <a:ext uri="{05A4C25C-085E-4340-85A3-A5531E510DB2}">
-      <thm15:themeFamily xmlns:thm15="http://schemas.microsoft.com/office/thememl/2012/main" name="Office Theme" id="{62F939B6-93AF-4DB8-9C6B-D6C7DFDC589F}" vid="{4A3C46E8-61CC-4603-A589-7422A47A8E4A}"/>
-    </a:ext>
-  </a:extLst>
-</a:theme>
 </file>